--- a/Introduction.pptx
+++ b/Introduction.pptx
@@ -24694,7 +24694,55 @@
                   <a:schemeClr val="accent2"/>
                 </a:solidFill>
               </a:rPr>
-              <a:t>Before We Get Started</a:t>
+              <a:t>Before </a:t>
+            </a:r>
+            <a:r>
+              <a:rPr lang="en">
+                <a:solidFill>
+                  <a:schemeClr val="accent2"/>
+                </a:solidFill>
+              </a:rPr>
+              <a:t>w</a:t>
+            </a:r>
+            <a:r>
+              <a:rPr i="0" lang="en" u="none" cap="none" strike="noStrike">
+                <a:solidFill>
+                  <a:schemeClr val="accent2"/>
+                </a:solidFill>
+              </a:rPr>
+              <a:t>e </a:t>
+            </a:r>
+            <a:r>
+              <a:rPr lang="en">
+                <a:solidFill>
+                  <a:schemeClr val="accent2"/>
+                </a:solidFill>
+              </a:rPr>
+              <a:t>g</a:t>
+            </a:r>
+            <a:r>
+              <a:rPr i="0" lang="en" u="none" cap="none" strike="noStrike">
+                <a:solidFill>
+                  <a:schemeClr val="accent2"/>
+                </a:solidFill>
+              </a:rPr>
+              <a:t>et </a:t>
+            </a:r>
+            <a:r>
+              <a:rPr lang="en">
+                <a:solidFill>
+                  <a:schemeClr val="accent2"/>
+                </a:solidFill>
+              </a:rPr>
+              <a:t>s</a:t>
+            </a:r>
+            <a:r>
+              <a:rPr i="0" lang="en" u="none" cap="none" strike="noStrike">
+                <a:solidFill>
+                  <a:schemeClr val="accent2"/>
+                </a:solidFill>
+              </a:rPr>
+              <a:t>tarted</a:t>
             </a:r>
             <a:endParaRPr i="0" u="none" cap="none" strike="noStrike">
               <a:solidFill>
@@ -25125,7 +25173,7 @@
                 <a:cs typeface="Lato"/>
                 <a:sym typeface="Lato"/>
               </a:rPr>
-              <a:t>. Follow the instructions on GitHub.</a:t>
+              <a:t>, if you haven’t. Follow the instructions on GitHub.</a:t>
             </a:r>
             <a:endParaRPr sz="1100">
               <a:solidFill>
@@ -25540,7 +25588,27 @@
                 <a:cs typeface="Lato"/>
                 <a:sym typeface="Lato"/>
               </a:rPr>
-              <a:t>About Me</a:t>
+              <a:t>About </a:t>
+            </a:r>
+            <a:r>
+              <a:rPr lang="en">
+                <a:solidFill>
+                  <a:schemeClr val="accent2"/>
+                </a:solidFill>
+              </a:rPr>
+              <a:t>m</a:t>
+            </a:r>
+            <a:r>
+              <a:rPr lang="en" sz="3000">
+                <a:solidFill>
+                  <a:schemeClr val="accent2"/>
+                </a:solidFill>
+                <a:latin typeface="Lato"/>
+                <a:ea typeface="Lato"/>
+                <a:cs typeface="Lato"/>
+                <a:sym typeface="Lato"/>
+              </a:rPr>
+              <a:t>e</a:t>
             </a:r>
             <a:endParaRPr i="0" sz="3000" u="none" cap="none" strike="noStrike">
               <a:solidFill>
@@ -27506,7 +27574,7 @@
                   <a:schemeClr val="accent2"/>
                 </a:solidFill>
               </a:rPr>
-              <a:t>Use Data Science to Drive Outcomes</a:t>
+              <a:t>Data Science exists to drive better outcomes</a:t>
             </a:r>
             <a:endParaRPr>
               <a:solidFill>
@@ -28306,7 +28374,39 @@
                   <a:schemeClr val="accent2"/>
                 </a:solidFill>
               </a:rPr>
-              <a:t>How We </a:t>
+              <a:t>How </a:t>
+            </a:r>
+            <a:r>
+              <a:rPr lang="en">
+                <a:solidFill>
+                  <a:schemeClr val="accent2"/>
+                </a:solidFill>
+              </a:rPr>
+              <a:t>d</a:t>
+            </a:r>
+            <a:r>
+              <a:rPr lang="en" u="none" cap="none" strike="noStrike">
+                <a:solidFill>
+                  <a:schemeClr val="accent2"/>
+                </a:solidFill>
+              </a:rPr>
+              <a:t>o </a:t>
+            </a:r>
+            <a:r>
+              <a:rPr lang="en">
+                <a:solidFill>
+                  <a:schemeClr val="accent2"/>
+                </a:solidFill>
+              </a:rPr>
+              <a:t>w</a:t>
+            </a:r>
+            <a:r>
+              <a:rPr lang="en" u="none" cap="none" strike="noStrike">
+                <a:solidFill>
+                  <a:schemeClr val="accent2"/>
+                </a:solidFill>
+              </a:rPr>
+              <a:t>e </a:t>
             </a:r>
             <a:r>
               <a:rPr i="1" lang="en" u="none" cap="none" strike="noStrike">
@@ -28314,7 +28414,7 @@
                   <a:schemeClr val="accent2"/>
                 </a:solidFill>
               </a:rPr>
-              <a:t>Do</a:t>
+              <a:t>do</a:t>
             </a:r>
             <a:r>
               <a:rPr i="0" lang="en" u="none" cap="none" strike="noStrike">
@@ -29726,7 +29826,7 @@
                   <a:schemeClr val="accent2"/>
                 </a:solidFill>
               </a:rPr>
-              <a:t>A Note on </a:t>
+              <a:t>A note on s</a:t>
             </a:r>
             <a:r>
               <a:rPr i="0" lang="en" u="none" cap="none" strike="noStrike">
@@ -29734,7 +29834,7 @@
                   <a:schemeClr val="accent2"/>
                 </a:solidFill>
               </a:rPr>
-              <a:t>Sustainability</a:t>
+              <a:t>ustainability</a:t>
             </a:r>
             <a:endParaRPr i="0" u="none" cap="none" strike="noStrike">
               <a:solidFill>
@@ -29753,6 +29853,285 @@
 </file>
 
 <file path=ppt/theme/theme1.xml><?xml version="1.0" encoding="utf-8"?>
+<a:theme xmlns:a="http://schemas.openxmlformats.org/drawingml/2006/main" xmlns:r="http://schemas.openxmlformats.org/officeDocument/2006/relationships">
+  <a:themeElements>
+    <a:clrScheme name="Default">
+      <a:dk1>
+        <a:srgbClr val="000000"/>
+      </a:dk1>
+      <a:lt1>
+        <a:srgbClr val="FFFFFF"/>
+      </a:lt1>
+      <a:dk2>
+        <a:srgbClr val="158158"/>
+      </a:dk2>
+      <a:lt2>
+        <a:srgbClr val="F3F3F3"/>
+      </a:lt2>
+      <a:accent1>
+        <a:srgbClr val="058DC7"/>
+      </a:accent1>
+      <a:accent2>
+        <a:srgbClr val="50B432"/>
+      </a:accent2>
+      <a:accent3>
+        <a:srgbClr val="ED561B"/>
+      </a:accent3>
+      <a:accent4>
+        <a:srgbClr val="EDEF00"/>
+      </a:accent4>
+      <a:accent5>
+        <a:srgbClr val="24CBE5"/>
+      </a:accent5>
+      <a:accent6>
+        <a:srgbClr val="64E572"/>
+      </a:accent6>
+      <a:hlink>
+        <a:srgbClr val="2200CC"/>
+      </a:hlink>
+      <a:folHlink>
+        <a:srgbClr val="551A8B"/>
+      </a:folHlink>
+    </a:clrScheme>
+    <a:fontScheme name="Office">
+      <a:majorFont>
+        <a:latin typeface="Arial"/>
+        <a:ea typeface=""/>
+        <a:cs typeface=""/>
+        <a:font script="Jpan" typeface="ＭＳ Ｐゴシック"/>
+        <a:font script="Hang" typeface="맑은 고딕"/>
+        <a:font script="Hans" typeface="宋体"/>
+        <a:font script="Hant" typeface="新細明體"/>
+        <a:font script="Arab" typeface="Times New Roman"/>
+        <a:font script="Hebr" typeface="Times New Roman"/>
+        <a:font script="Thai" typeface="Angsana New"/>
+        <a:font script="Ethi" typeface="Nyala"/>
+        <a:font script="Beng" typeface="Vrinda"/>
+        <a:font script="Gujr" typeface="Shruti"/>
+        <a:font script="Khmr" typeface="MoolBoran"/>
+        <a:font script="Knda" typeface="Tunga"/>
+        <a:font script="Guru" typeface="Raavi"/>
+        <a:font script="Cans" typeface="Euphemia"/>
+        <a:font script="Cher" typeface="Plantagenet Cherokee"/>
+        <a:font script="Yiii" typeface="Microsoft Yi Baiti"/>
+        <a:font script="Tibt" typeface="Microsoft Himalaya"/>
+        <a:font script="Thaa" typeface="MV Boli"/>
+        <a:font script="Deva" typeface="Mangal"/>
+        <a:font script="Telu" typeface="Gautami"/>
+        <a:font script="Taml" typeface="Latha"/>
+        <a:font script="Syrc" typeface="Estrangelo Edessa"/>
+        <a:font script="Orya" typeface="Kalinga"/>
+        <a:font script="Mlym" typeface="Kartika"/>
+        <a:font script="Laoo" typeface="DokChampa"/>
+        <a:font script="Sinh" typeface="Iskoola Pota"/>
+        <a:font script="Mong" typeface="Mongolian Baiti"/>
+        <a:font script="Viet" typeface="Times New Roman"/>
+        <a:font script="Uigh" typeface="Microsoft Uighur"/>
+        <a:font script="Geor" typeface="Sylfaen"/>
+      </a:majorFont>
+      <a:minorFont>
+        <a:latin typeface="Arial"/>
+        <a:ea typeface=""/>
+        <a:cs typeface=""/>
+        <a:font script="Jpan" typeface="ＭＳ Ｐゴシック"/>
+        <a:font script="Hang" typeface="맑은 고딕"/>
+        <a:font script="Hans" typeface="宋体"/>
+        <a:font script="Hant" typeface="新細明體"/>
+        <a:font script="Arab" typeface="Arial"/>
+        <a:font script="Hebr" typeface="Arial"/>
+        <a:font script="Thai" typeface="Cordia New"/>
+        <a:font script="Ethi" typeface="Nyala"/>
+        <a:font script="Beng" typeface="Vrinda"/>
+        <a:font script="Gujr" typeface="Shruti"/>
+        <a:font script="Khmr" typeface="DaunPenh"/>
+        <a:font script="Knda" typeface="Tunga"/>
+        <a:font script="Guru" typeface="Raavi"/>
+        <a:font script="Cans" typeface="Euphemia"/>
+        <a:font script="Cher" typeface="Plantagenet Cherokee"/>
+        <a:font script="Yiii" typeface="Microsoft Yi Baiti"/>
+        <a:font script="Tibt" typeface="Microsoft Himalaya"/>
+        <a:font script="Thaa" typeface="MV Boli"/>
+        <a:font script="Deva" typeface="Mangal"/>
+        <a:font script="Telu" typeface="Gautami"/>
+        <a:font script="Taml" typeface="Latha"/>
+        <a:font script="Syrc" typeface="Estrangelo Edessa"/>
+        <a:font script="Orya" typeface="Kalinga"/>
+        <a:font script="Mlym" typeface="Kartika"/>
+        <a:font script="Laoo" typeface="DokChampa"/>
+        <a:font script="Sinh" typeface="Iskoola Pota"/>
+        <a:font script="Mong" typeface="Mongolian Baiti"/>
+        <a:font script="Viet" typeface="Arial"/>
+        <a:font script="Uigh" typeface="Microsoft Uighur"/>
+        <a:font script="Geor" typeface="Sylfaen"/>
+      </a:minorFont>
+    </a:fontScheme>
+    <a:fmtScheme name="Office">
+      <a:fillStyleLst>
+        <a:solidFill>
+          <a:schemeClr val="phClr"/>
+        </a:solidFill>
+        <a:gradFill rotWithShape="1">
+          <a:gsLst>
+            <a:gs pos="0">
+              <a:schemeClr val="phClr">
+                <a:tint val="50000"/>
+                <a:satMod val="300000"/>
+              </a:schemeClr>
+            </a:gs>
+            <a:gs pos="35000">
+              <a:schemeClr val="phClr">
+                <a:tint val="37000"/>
+                <a:satMod val="300000"/>
+              </a:schemeClr>
+            </a:gs>
+            <a:gs pos="100000">
+              <a:schemeClr val="phClr">
+                <a:tint val="15000"/>
+                <a:satMod val="350000"/>
+              </a:schemeClr>
+            </a:gs>
+          </a:gsLst>
+          <a:lin ang="16200000" scaled="1"/>
+        </a:gradFill>
+        <a:gradFill rotWithShape="1">
+          <a:gsLst>
+            <a:gs pos="0">
+              <a:schemeClr val="phClr">
+                <a:tint val="100000"/>
+                <a:shade val="100000"/>
+                <a:satMod val="130000"/>
+              </a:schemeClr>
+            </a:gs>
+            <a:gs pos="100000">
+              <a:schemeClr val="phClr">
+                <a:tint val="50000"/>
+                <a:shade val="100000"/>
+                <a:satMod val="350000"/>
+              </a:schemeClr>
+            </a:gs>
+          </a:gsLst>
+          <a:lin ang="16200000" scaled="0"/>
+        </a:gradFill>
+      </a:fillStyleLst>
+      <a:lnStyleLst>
+        <a:ln w="9525" cap="flat" cmpd="sng" algn="ctr">
+          <a:solidFill>
+            <a:schemeClr val="phClr">
+              <a:shade val="95000"/>
+              <a:satMod val="105000"/>
+            </a:schemeClr>
+          </a:solidFill>
+          <a:prstDash val="solid"/>
+        </a:ln>
+        <a:ln w="25400" cap="flat" cmpd="sng" algn="ctr">
+          <a:solidFill>
+            <a:schemeClr val="phClr"/>
+          </a:solidFill>
+          <a:prstDash val="solid"/>
+        </a:ln>
+        <a:ln w="38100" cap="flat" cmpd="sng" algn="ctr">
+          <a:solidFill>
+            <a:schemeClr val="phClr"/>
+          </a:solidFill>
+          <a:prstDash val="solid"/>
+        </a:ln>
+      </a:lnStyleLst>
+      <a:effectStyleLst>
+        <a:effectStyle>
+          <a:effectLst>
+            <a:outerShdw blurRad="40000" dist="20000" dir="5400000" rotWithShape="0">
+              <a:srgbClr val="000000">
+                <a:alpha val="38000"/>
+              </a:srgbClr>
+            </a:outerShdw>
+          </a:effectLst>
+        </a:effectStyle>
+        <a:effectStyle>
+          <a:effectLst>
+            <a:outerShdw blurRad="40000" dist="23000" dir="5400000" rotWithShape="0">
+              <a:srgbClr val="000000">
+                <a:alpha val="35000"/>
+              </a:srgbClr>
+            </a:outerShdw>
+          </a:effectLst>
+        </a:effectStyle>
+        <a:effectStyle>
+          <a:effectLst>
+            <a:outerShdw blurRad="40000" dist="23000" dir="5400000" rotWithShape="0">
+              <a:srgbClr val="000000">
+                <a:alpha val="35000"/>
+              </a:srgbClr>
+            </a:outerShdw>
+          </a:effectLst>
+          <a:scene3d>
+            <a:camera prst="orthographicFront">
+              <a:rot lat="0" lon="0" rev="0"/>
+            </a:camera>
+            <a:lightRig rig="threePt" dir="t">
+              <a:rot lat="0" lon="0" rev="1200000"/>
+            </a:lightRig>
+          </a:scene3d>
+          <a:sp3d>
+            <a:bevelT w="63500" h="25400"/>
+          </a:sp3d>
+        </a:effectStyle>
+      </a:effectStyleLst>
+      <a:bgFillStyleLst>
+        <a:solidFill>
+          <a:schemeClr val="phClr"/>
+        </a:solidFill>
+        <a:gradFill rotWithShape="1">
+          <a:gsLst>
+            <a:gs pos="0">
+              <a:schemeClr val="phClr">
+                <a:tint val="40000"/>
+                <a:satMod val="350000"/>
+              </a:schemeClr>
+            </a:gs>
+            <a:gs pos="40000">
+              <a:schemeClr val="phClr">
+                <a:tint val="45000"/>
+                <a:shade val="99000"/>
+                <a:satMod val="350000"/>
+              </a:schemeClr>
+            </a:gs>
+            <a:gs pos="100000">
+              <a:schemeClr val="phClr">
+                <a:shade val="20000"/>
+                <a:satMod val="255000"/>
+              </a:schemeClr>
+            </a:gs>
+          </a:gsLst>
+          <a:path path="circle">
+            <a:fillToRect l="50000" t="-80000" r="50000" b="180000"/>
+          </a:path>
+        </a:gradFill>
+        <a:gradFill rotWithShape="1">
+          <a:gsLst>
+            <a:gs pos="0">
+              <a:schemeClr val="phClr">
+                <a:tint val="80000"/>
+                <a:satMod val="300000"/>
+              </a:schemeClr>
+            </a:gs>
+            <a:gs pos="100000">
+              <a:schemeClr val="phClr">
+                <a:shade val="30000"/>
+                <a:satMod val="200000"/>
+              </a:schemeClr>
+            </a:gs>
+          </a:gsLst>
+          <a:path path="circle">
+            <a:fillToRect l="50000" t="50000" r="50000" b="50000"/>
+          </a:path>
+        </a:gradFill>
+      </a:bgFillStyleLst>
+    </a:fmtScheme>
+  </a:themeElements>
+</a:theme>
+</file>
+
+<file path=ppt/theme/theme2.xml><?xml version="1.0" encoding="utf-8"?>
 <a:theme xmlns:a="http://schemas.openxmlformats.org/drawingml/2006/main" xmlns:r="http://schemas.openxmlformats.org/officeDocument/2006/relationships" name="1_civis_ppt_060313">
   <a:themeElements>
     <a:clrScheme name="Custom 2">
@@ -30029,283 +30408,4 @@
     </a:fmtScheme>
   </a:themeElements>
 </a:theme>
-</file>
-
-<file path=ppt/theme/theme2.xml><?xml version="1.0" encoding="utf-8"?>
-<a:theme xmlns:a="http://schemas.openxmlformats.org/drawingml/2006/main" xmlns:r="http://schemas.openxmlformats.org/officeDocument/2006/relationships">
-  <a:themeElements>
-    <a:clrScheme name="Default">
-      <a:dk1>
-        <a:srgbClr val="000000"/>
-      </a:dk1>
-      <a:lt1>
-        <a:srgbClr val="FFFFFF"/>
-      </a:lt1>
-      <a:dk2>
-        <a:srgbClr val="158158"/>
-      </a:dk2>
-      <a:lt2>
-        <a:srgbClr val="F3F3F3"/>
-      </a:lt2>
-      <a:accent1>
-        <a:srgbClr val="058DC7"/>
-      </a:accent1>
-      <a:accent2>
-        <a:srgbClr val="50B432"/>
-      </a:accent2>
-      <a:accent3>
-        <a:srgbClr val="ED561B"/>
-      </a:accent3>
-      <a:accent4>
-        <a:srgbClr val="EDEF00"/>
-      </a:accent4>
-      <a:accent5>
-        <a:srgbClr val="24CBE5"/>
-      </a:accent5>
-      <a:accent6>
-        <a:srgbClr val="64E572"/>
-      </a:accent6>
-      <a:hlink>
-        <a:srgbClr val="2200CC"/>
-      </a:hlink>
-      <a:folHlink>
-        <a:srgbClr val="551A8B"/>
-      </a:folHlink>
-    </a:clrScheme>
-    <a:fontScheme name="Office">
-      <a:majorFont>
-        <a:latin typeface="Arial"/>
-        <a:ea typeface=""/>
-        <a:cs typeface=""/>
-        <a:font script="Jpan" typeface="ＭＳ Ｐゴシック"/>
-        <a:font script="Hang" typeface="맑은 고딕"/>
-        <a:font script="Hans" typeface="宋体"/>
-        <a:font script="Hant" typeface="新細明體"/>
-        <a:font script="Arab" typeface="Times New Roman"/>
-        <a:font script="Hebr" typeface="Times New Roman"/>
-        <a:font script="Thai" typeface="Angsana New"/>
-        <a:font script="Ethi" typeface="Nyala"/>
-        <a:font script="Beng" typeface="Vrinda"/>
-        <a:font script="Gujr" typeface="Shruti"/>
-        <a:font script="Khmr" typeface="MoolBoran"/>
-        <a:font script="Knda" typeface="Tunga"/>
-        <a:font script="Guru" typeface="Raavi"/>
-        <a:font script="Cans" typeface="Euphemia"/>
-        <a:font script="Cher" typeface="Plantagenet Cherokee"/>
-        <a:font script="Yiii" typeface="Microsoft Yi Baiti"/>
-        <a:font script="Tibt" typeface="Microsoft Himalaya"/>
-        <a:font script="Thaa" typeface="MV Boli"/>
-        <a:font script="Deva" typeface="Mangal"/>
-        <a:font script="Telu" typeface="Gautami"/>
-        <a:font script="Taml" typeface="Latha"/>
-        <a:font script="Syrc" typeface="Estrangelo Edessa"/>
-        <a:font script="Orya" typeface="Kalinga"/>
-        <a:font script="Mlym" typeface="Kartika"/>
-        <a:font script="Laoo" typeface="DokChampa"/>
-        <a:font script="Sinh" typeface="Iskoola Pota"/>
-        <a:font script="Mong" typeface="Mongolian Baiti"/>
-        <a:font script="Viet" typeface="Times New Roman"/>
-        <a:font script="Uigh" typeface="Microsoft Uighur"/>
-        <a:font script="Geor" typeface="Sylfaen"/>
-      </a:majorFont>
-      <a:minorFont>
-        <a:latin typeface="Arial"/>
-        <a:ea typeface=""/>
-        <a:cs typeface=""/>
-        <a:font script="Jpan" typeface="ＭＳ Ｐゴシック"/>
-        <a:font script="Hang" typeface="맑은 고딕"/>
-        <a:font script="Hans" typeface="宋体"/>
-        <a:font script="Hant" typeface="新細明體"/>
-        <a:font script="Arab" typeface="Arial"/>
-        <a:font script="Hebr" typeface="Arial"/>
-        <a:font script="Thai" typeface="Cordia New"/>
-        <a:font script="Ethi" typeface="Nyala"/>
-        <a:font script="Beng" typeface="Vrinda"/>
-        <a:font script="Gujr" typeface="Shruti"/>
-        <a:font script="Khmr" typeface="DaunPenh"/>
-        <a:font script="Knda" typeface="Tunga"/>
-        <a:font script="Guru" typeface="Raavi"/>
-        <a:font script="Cans" typeface="Euphemia"/>
-        <a:font script="Cher" typeface="Plantagenet Cherokee"/>
-        <a:font script="Yiii" typeface="Microsoft Yi Baiti"/>
-        <a:font script="Tibt" typeface="Microsoft Himalaya"/>
-        <a:font script="Thaa" typeface="MV Boli"/>
-        <a:font script="Deva" typeface="Mangal"/>
-        <a:font script="Telu" typeface="Gautami"/>
-        <a:font script="Taml" typeface="Latha"/>
-        <a:font script="Syrc" typeface="Estrangelo Edessa"/>
-        <a:font script="Orya" typeface="Kalinga"/>
-        <a:font script="Mlym" typeface="Kartika"/>
-        <a:font script="Laoo" typeface="DokChampa"/>
-        <a:font script="Sinh" typeface="Iskoola Pota"/>
-        <a:font script="Mong" typeface="Mongolian Baiti"/>
-        <a:font script="Viet" typeface="Arial"/>
-        <a:font script="Uigh" typeface="Microsoft Uighur"/>
-        <a:font script="Geor" typeface="Sylfaen"/>
-      </a:minorFont>
-    </a:fontScheme>
-    <a:fmtScheme name="Office">
-      <a:fillStyleLst>
-        <a:solidFill>
-          <a:schemeClr val="phClr"/>
-        </a:solidFill>
-        <a:gradFill rotWithShape="1">
-          <a:gsLst>
-            <a:gs pos="0">
-              <a:schemeClr val="phClr">
-                <a:tint val="50000"/>
-                <a:satMod val="300000"/>
-              </a:schemeClr>
-            </a:gs>
-            <a:gs pos="35000">
-              <a:schemeClr val="phClr">
-                <a:tint val="37000"/>
-                <a:satMod val="300000"/>
-              </a:schemeClr>
-            </a:gs>
-            <a:gs pos="100000">
-              <a:schemeClr val="phClr">
-                <a:tint val="15000"/>
-                <a:satMod val="350000"/>
-              </a:schemeClr>
-            </a:gs>
-          </a:gsLst>
-          <a:lin ang="16200000" scaled="1"/>
-        </a:gradFill>
-        <a:gradFill rotWithShape="1">
-          <a:gsLst>
-            <a:gs pos="0">
-              <a:schemeClr val="phClr">
-                <a:tint val="100000"/>
-                <a:shade val="100000"/>
-                <a:satMod val="130000"/>
-              </a:schemeClr>
-            </a:gs>
-            <a:gs pos="100000">
-              <a:schemeClr val="phClr">
-                <a:tint val="50000"/>
-                <a:shade val="100000"/>
-                <a:satMod val="350000"/>
-              </a:schemeClr>
-            </a:gs>
-          </a:gsLst>
-          <a:lin ang="16200000" scaled="0"/>
-        </a:gradFill>
-      </a:fillStyleLst>
-      <a:lnStyleLst>
-        <a:ln w="9525" cap="flat" cmpd="sng" algn="ctr">
-          <a:solidFill>
-            <a:schemeClr val="phClr">
-              <a:shade val="95000"/>
-              <a:satMod val="105000"/>
-            </a:schemeClr>
-          </a:solidFill>
-          <a:prstDash val="solid"/>
-        </a:ln>
-        <a:ln w="25400" cap="flat" cmpd="sng" algn="ctr">
-          <a:solidFill>
-            <a:schemeClr val="phClr"/>
-          </a:solidFill>
-          <a:prstDash val="solid"/>
-        </a:ln>
-        <a:ln w="38100" cap="flat" cmpd="sng" algn="ctr">
-          <a:solidFill>
-            <a:schemeClr val="phClr"/>
-          </a:solidFill>
-          <a:prstDash val="solid"/>
-        </a:ln>
-      </a:lnStyleLst>
-      <a:effectStyleLst>
-        <a:effectStyle>
-          <a:effectLst>
-            <a:outerShdw blurRad="40000" dist="20000" dir="5400000" rotWithShape="0">
-              <a:srgbClr val="000000">
-                <a:alpha val="38000"/>
-              </a:srgbClr>
-            </a:outerShdw>
-          </a:effectLst>
-        </a:effectStyle>
-        <a:effectStyle>
-          <a:effectLst>
-            <a:outerShdw blurRad="40000" dist="23000" dir="5400000" rotWithShape="0">
-              <a:srgbClr val="000000">
-                <a:alpha val="35000"/>
-              </a:srgbClr>
-            </a:outerShdw>
-          </a:effectLst>
-        </a:effectStyle>
-        <a:effectStyle>
-          <a:effectLst>
-            <a:outerShdw blurRad="40000" dist="23000" dir="5400000" rotWithShape="0">
-              <a:srgbClr val="000000">
-                <a:alpha val="35000"/>
-              </a:srgbClr>
-            </a:outerShdw>
-          </a:effectLst>
-          <a:scene3d>
-            <a:camera prst="orthographicFront">
-              <a:rot lat="0" lon="0" rev="0"/>
-            </a:camera>
-            <a:lightRig rig="threePt" dir="t">
-              <a:rot lat="0" lon="0" rev="1200000"/>
-            </a:lightRig>
-          </a:scene3d>
-          <a:sp3d>
-            <a:bevelT w="63500" h="25400"/>
-          </a:sp3d>
-        </a:effectStyle>
-      </a:effectStyleLst>
-      <a:bgFillStyleLst>
-        <a:solidFill>
-          <a:schemeClr val="phClr"/>
-        </a:solidFill>
-        <a:gradFill rotWithShape="1">
-          <a:gsLst>
-            <a:gs pos="0">
-              <a:schemeClr val="phClr">
-                <a:tint val="40000"/>
-                <a:satMod val="350000"/>
-              </a:schemeClr>
-            </a:gs>
-            <a:gs pos="40000">
-              <a:schemeClr val="phClr">
-                <a:tint val="45000"/>
-                <a:shade val="99000"/>
-                <a:satMod val="350000"/>
-              </a:schemeClr>
-            </a:gs>
-            <a:gs pos="100000">
-              <a:schemeClr val="phClr">
-                <a:shade val="20000"/>
-                <a:satMod val="255000"/>
-              </a:schemeClr>
-            </a:gs>
-          </a:gsLst>
-          <a:path path="circle">
-            <a:fillToRect l="50000" t="-80000" r="50000" b="180000"/>
-          </a:path>
-        </a:gradFill>
-        <a:gradFill rotWithShape="1">
-          <a:gsLst>
-            <a:gs pos="0">
-              <a:schemeClr val="phClr">
-                <a:tint val="80000"/>
-                <a:satMod val="300000"/>
-              </a:schemeClr>
-            </a:gs>
-            <a:gs pos="100000">
-              <a:schemeClr val="phClr">
-                <a:shade val="30000"/>
-                <a:satMod val="200000"/>
-              </a:schemeClr>
-            </a:gs>
-          </a:gsLst>
-          <a:path path="circle">
-            <a:fillToRect l="50000" t="50000" r="50000" b="50000"/>
-          </a:path>
-        </a:gradFill>
-      </a:bgFillStyleLst>
-    </a:fmtScheme>
-  </a:themeElements>
-</a:theme>
 </file>
--- a/Introduction.pptx
+++ b/Introduction.pptx
@@ -17,38 +17,30 @@
     <p:sldId id="262" r:id="rId12"/>
     <p:sldId id="263" r:id="rId13"/>
     <p:sldId id="264" r:id="rId14"/>
-    <p:sldId id="265" r:id="rId15"/>
   </p:sldIdLst>
   <p:sldSz cy="5143500" cx="9144000"/>
   <p:notesSz cx="6858000" cy="9144000"/>
   <p:embeddedFontLst>
     <p:embeddedFont>
-      <p:font typeface="Raleway"/>
-      <p:regular r:id="rId16"/>
-      <p:bold r:id="rId17"/>
-      <p:italic r:id="rId18"/>
-      <p:boldItalic r:id="rId19"/>
-    </p:embeddedFont>
-    <p:embeddedFont>
       <p:font typeface="Lato"/>
-      <p:regular r:id="rId20"/>
-      <p:bold r:id="rId21"/>
-      <p:italic r:id="rId22"/>
-      <p:boldItalic r:id="rId23"/>
+      <p:regular r:id="rId15"/>
+      <p:bold r:id="rId16"/>
+      <p:italic r:id="rId17"/>
+      <p:boldItalic r:id="rId18"/>
     </p:embeddedFont>
     <p:embeddedFont>
       <p:font typeface="Helvetica Neue"/>
-      <p:regular r:id="rId24"/>
-      <p:bold r:id="rId25"/>
-      <p:italic r:id="rId26"/>
-      <p:boldItalic r:id="rId27"/>
+      <p:regular r:id="rId19"/>
+      <p:bold r:id="rId20"/>
+      <p:italic r:id="rId21"/>
+      <p:boldItalic r:id="rId22"/>
     </p:embeddedFont>
     <p:embeddedFont>
       <p:font typeface="Source Sans Pro"/>
-      <p:regular r:id="rId28"/>
-      <p:bold r:id="rId29"/>
-      <p:italic r:id="rId30"/>
-      <p:boldItalic r:id="rId31"/>
+      <p:regular r:id="rId23"/>
+      <p:bold r:id="rId24"/>
+      <p:italic r:id="rId25"/>
+      <p:boldItalic r:id="rId26"/>
     </p:embeddedFont>
   </p:embeddedFontLst>
   <p:defaultTextStyle>
@@ -742,131 +734,6 @@
       <p:sp>
         <p:nvSpPr>
           <p:cNvPr id="193" name="Shape 193"/>
-          <p:cNvSpPr/>
-          <p:nvPr>
-            <p:ph idx="2" type="sldImg"/>
-          </p:nvPr>
-        </p:nvSpPr>
-        <p:spPr>
-          <a:xfrm>
-            <a:off x="381000" y="685800"/>
-            <a:ext cx="6096000" cy="3429000"/>
-          </a:xfrm>
-          <a:custGeom>
-            <a:pathLst>
-              <a:path extrusionOk="0" h="120000" w="120000">
-                <a:moveTo>
-                  <a:pt x="0" y="0"/>
-                </a:moveTo>
-                <a:lnTo>
-                  <a:pt x="120000" y="0"/>
-                </a:lnTo>
-                <a:lnTo>
-                  <a:pt x="120000" y="120000"/>
-                </a:lnTo>
-                <a:lnTo>
-                  <a:pt x="0" y="120000"/>
-                </a:lnTo>
-                <a:close/>
-              </a:path>
-            </a:pathLst>
-          </a:custGeom>
-          <a:noFill/>
-          <a:ln cap="flat" cmpd="sng" w="9525">
-            <a:solidFill>
-              <a:srgbClr val="000000"/>
-            </a:solidFill>
-            <a:prstDash val="solid"/>
-            <a:round/>
-            <a:headEnd len="sm" w="sm" type="none"/>
-            <a:tailEnd len="sm" w="sm" type="none"/>
-          </a:ln>
-        </p:spPr>
-      </p:sp>
-      <p:sp>
-        <p:nvSpPr>
-          <p:cNvPr id="194" name="Shape 194"/>
-          <p:cNvSpPr txBox="1"/>
-          <p:nvPr>
-            <p:ph idx="1" type="body"/>
-          </p:nvPr>
-        </p:nvSpPr>
-        <p:spPr>
-          <a:xfrm>
-            <a:off x="685800" y="4343400"/>
-            <a:ext cx="5486399" cy="4114800"/>
-          </a:xfrm>
-          <a:prstGeom prst="rect">
-            <a:avLst/>
-          </a:prstGeom>
-          <a:noFill/>
-          <a:ln>
-            <a:noFill/>
-          </a:ln>
-        </p:spPr>
-        <p:txBody>
-          <a:bodyPr anchorCtr="0" anchor="t" bIns="91425" lIns="91425" spcFirstLastPara="1" rIns="91425" wrap="square" tIns="91425">
-            <a:noAutofit/>
-          </a:bodyPr>
-          <a:lstStyle/>
-          <a:p>
-            <a:pPr indent="0" lvl="0" marL="0" marR="0" rtl="0" algn="l">
-              <a:spcBef>
-                <a:spcPts val="0"/>
-              </a:spcBef>
-              <a:spcAft>
-                <a:spcPts val="0"/>
-              </a:spcAft>
-              <a:buClr>
-                <a:schemeClr val="dk1"/>
-              </a:buClr>
-              <a:buSzPts val="1100"/>
-              <a:buFont typeface="Arial"/>
-              <a:buNone/>
-            </a:pPr>
-            <a:r>
-              <a:t/>
-            </a:r>
-            <a:endParaRPr b="0" i="0" sz="1100" u="none" cap="none" strike="noStrike">
-              <a:solidFill>
-                <a:schemeClr val="dk1"/>
-              </a:solidFill>
-              <a:latin typeface="Arial"/>
-              <a:ea typeface="Arial"/>
-              <a:cs typeface="Arial"/>
-              <a:sym typeface="Arial"/>
-            </a:endParaRPr>
-          </a:p>
-        </p:txBody>
-      </p:sp>
-    </p:spTree>
-  </p:cSld>
-  <p:clrMapOvr>
-    <a:masterClrMapping/>
-  </p:clrMapOvr>
-</p:notes>
-</file>
-
-<file path=ppt/notesSlides/notesSlide10.xml><?xml version="1.0" encoding="utf-8"?>
-<p:notes xmlns:a="http://schemas.openxmlformats.org/drawingml/2006/main" xmlns:r="http://schemas.openxmlformats.org/officeDocument/2006/relationships" xmlns:mc="http://schemas.openxmlformats.org/markup-compatibility/2006" xmlns:mv="urn:schemas-microsoft-com:mac:vml" xmlns:p="http://schemas.openxmlformats.org/presentationml/2006/main" xmlns:c="http://schemas.openxmlformats.org/drawingml/2006/chart" xmlns:dgm="http://schemas.openxmlformats.org/drawingml/2006/diagram" xmlns:o="urn:schemas-microsoft-com:office:office" xmlns:v="urn:schemas-microsoft-com:vml" xmlns:pvml="urn:schemas-microsoft-com:office:powerpoint" xmlns:com="http://schemas.openxmlformats.org/drawingml/2006/compatibility" xmlns:p14="http://schemas.microsoft.com/office/powerpoint/2010/main" xmlns:p15="http://schemas.microsoft.com/office/powerpoint/2012/main" showMasterPhAnim="0" showMasterSp="0">
-  <p:cSld>
-    <p:spTree>
-      <p:nvGrpSpPr>
-        <p:cNvPr id="251" name="Shape 251"/>
-        <p:cNvGrpSpPr/>
-        <p:nvPr/>
-      </p:nvGrpSpPr>
-      <p:grpSpPr>
-        <a:xfrm>
-          <a:off x="0" y="0"/>
-          <a:ext cx="0" cy="0"/>
-          <a:chOff x="0" y="0"/>
-          <a:chExt cx="0" cy="0"/>
-        </a:xfrm>
-      </p:grpSpPr>
-      <p:sp>
-        <p:nvSpPr>
-          <p:cNvPr id="252" name="Shape 252"/>
           <p:cNvSpPr txBox="1"/>
           <p:nvPr>
             <p:ph idx="1" type="body"/>
@@ -905,7 +772,7 @@
       </p:sp>
       <p:sp>
         <p:nvSpPr>
-          <p:cNvPr id="253" name="Shape 253"/>
+          <p:cNvPr id="194" name="Shape 194"/>
           <p:cNvSpPr/>
           <p:nvPr>
             <p:ph idx="2" type="sldImg"/>
@@ -950,7 +817,7 @@
   <p:cSld>
     <p:spTree>
       <p:nvGrpSpPr>
-        <p:cNvPr id="203" name="Shape 203"/>
+        <p:cNvPr id="198" name="Shape 198"/>
         <p:cNvGrpSpPr/>
         <p:nvPr/>
       </p:nvGrpSpPr>
@@ -964,7 +831,7 @@
       </p:grpSpPr>
       <p:sp>
         <p:nvSpPr>
-          <p:cNvPr id="204" name="Shape 204"/>
+          <p:cNvPr id="199" name="Shape 199"/>
           <p:cNvSpPr txBox="1"/>
           <p:nvPr>
             <p:ph idx="1" type="body"/>
@@ -1003,7 +870,7 @@
       </p:sp>
       <p:sp>
         <p:nvSpPr>
-          <p:cNvPr id="205" name="Shape 205"/>
+          <p:cNvPr id="200" name="Shape 200"/>
           <p:cNvSpPr/>
           <p:nvPr>
             <p:ph idx="2" type="sldImg"/>
@@ -1048,7 +915,7 @@
   <p:cSld>
     <p:spTree>
       <p:nvGrpSpPr>
-        <p:cNvPr id="209" name="Shape 209"/>
+        <p:cNvPr id="204" name="Shape 204"/>
         <p:cNvGrpSpPr/>
         <p:nvPr/>
       </p:nvGrpSpPr>
@@ -1062,7 +929,7 @@
       </p:grpSpPr>
       <p:sp>
         <p:nvSpPr>
-          <p:cNvPr id="210" name="Shape 210"/>
+          <p:cNvPr id="205" name="Shape 205"/>
           <p:cNvSpPr txBox="1"/>
           <p:nvPr>
             <p:ph idx="1" type="body"/>
@@ -1101,7 +968,7 @@
       </p:sp>
       <p:sp>
         <p:nvSpPr>
-          <p:cNvPr id="211" name="Shape 211"/>
+          <p:cNvPr id="206" name="Shape 206"/>
           <p:cNvSpPr/>
           <p:nvPr>
             <p:ph idx="2" type="sldImg"/>
@@ -1146,7 +1013,7 @@
   <p:cSld>
     <p:spTree>
       <p:nvGrpSpPr>
-        <p:cNvPr id="215" name="Shape 215"/>
+        <p:cNvPr id="210" name="Shape 210"/>
         <p:cNvGrpSpPr/>
         <p:nvPr/>
       </p:nvGrpSpPr>
@@ -1160,7 +1027,7 @@
       </p:grpSpPr>
       <p:sp>
         <p:nvSpPr>
-          <p:cNvPr id="216" name="Shape 216"/>
+          <p:cNvPr id="211" name="Shape 211"/>
           <p:cNvSpPr txBox="1"/>
           <p:nvPr>
             <p:ph idx="1" type="body"/>
@@ -1191,7 +1058,8 @@
               <a:buNone/>
             </a:pPr>
             <a:r>
-              <a:t/>
+              <a:rPr lang="en"/>
+              <a:t>The title itself can be problematic. What is the job?</a:t>
             </a:r>
             <a:endParaRPr/>
           </a:p>
@@ -1199,7 +1067,7 @@
       </p:sp>
       <p:sp>
         <p:nvSpPr>
-          <p:cNvPr id="217" name="Shape 217"/>
+          <p:cNvPr id="212" name="Shape 212"/>
           <p:cNvSpPr/>
           <p:nvPr>
             <p:ph idx="2" type="sldImg"/>
@@ -1244,7 +1112,7 @@
   <p:cSld>
     <p:spTree>
       <p:nvGrpSpPr>
-        <p:cNvPr id="221" name="Shape 221"/>
+        <p:cNvPr id="216" name="Shape 216"/>
         <p:cNvGrpSpPr/>
         <p:nvPr/>
       </p:nvGrpSpPr>
@@ -1258,7 +1126,114 @@
       </p:grpSpPr>
       <p:sp>
         <p:nvSpPr>
-          <p:cNvPr id="222" name="Shape 222"/>
+          <p:cNvPr id="217" name="Shape 217"/>
+          <p:cNvSpPr/>
+          <p:nvPr>
+            <p:ph idx="2" type="sldImg"/>
+          </p:nvPr>
+        </p:nvSpPr>
+        <p:spPr>
+          <a:xfrm>
+            <a:off x="381300" y="685800"/>
+            <a:ext cx="6096000" cy="3429000"/>
+          </a:xfrm>
+          <a:custGeom>
+            <a:pathLst>
+              <a:path extrusionOk="0" h="120000" w="120000">
+                <a:moveTo>
+                  <a:pt x="0" y="0"/>
+                </a:moveTo>
+                <a:lnTo>
+                  <a:pt x="120000" y="0"/>
+                </a:lnTo>
+                <a:lnTo>
+                  <a:pt x="120000" y="120000"/>
+                </a:lnTo>
+                <a:lnTo>
+                  <a:pt x="0" y="120000"/>
+                </a:lnTo>
+                <a:close/>
+              </a:path>
+            </a:pathLst>
+          </a:custGeom>
+        </p:spPr>
+      </p:sp>
+      <p:sp>
+        <p:nvSpPr>
+          <p:cNvPr id="218" name="Shape 218"/>
+          <p:cNvSpPr txBox="1"/>
+          <p:nvPr>
+            <p:ph idx="1" type="body"/>
+          </p:nvPr>
+        </p:nvSpPr>
+        <p:spPr>
+          <a:xfrm>
+            <a:off x="685800" y="4343400"/>
+            <a:ext cx="5486400" cy="4114800"/>
+          </a:xfrm>
+          <a:prstGeom prst="rect">
+            <a:avLst/>
+          </a:prstGeom>
+        </p:spPr>
+        <p:txBody>
+          <a:bodyPr anchorCtr="0" anchor="t" bIns="91425" lIns="91425" spcFirstLastPara="1" rIns="91425" wrap="square" tIns="91425">
+            <a:noAutofit/>
+          </a:bodyPr>
+          <a:lstStyle/>
+          <a:p>
+            <a:pPr indent="0" lvl="0" marL="0" rtl="0">
+              <a:spcBef>
+                <a:spcPts val="600"/>
+              </a:spcBef>
+              <a:spcAft>
+                <a:spcPts val="0"/>
+              </a:spcAft>
+              <a:buNone/>
+            </a:pPr>
+            <a:r>
+              <a:rPr lang="en" sz="1400">
+                <a:solidFill>
+                  <a:schemeClr val="dk1"/>
+                </a:solidFill>
+                <a:latin typeface="Lato"/>
+                <a:ea typeface="Lato"/>
+                <a:cs typeface="Lato"/>
+                <a:sym typeface="Lato"/>
+              </a:rPr>
+              <a:t>All of these are data science because all of them are operationalized and impacting decision-making</a:t>
+            </a:r>
+            <a:endParaRPr sz="1400"/>
+          </a:p>
+        </p:txBody>
+      </p:sp>
+    </p:spTree>
+  </p:cSld>
+  <p:clrMapOvr>
+    <a:masterClrMapping/>
+  </p:clrMapOvr>
+</p:notes>
+</file>
+
+<file path=ppt/notesSlides/notesSlide6.xml><?xml version="1.0" encoding="utf-8"?>
+<p:notes xmlns:a="http://schemas.openxmlformats.org/drawingml/2006/main" xmlns:r="http://schemas.openxmlformats.org/officeDocument/2006/relationships" xmlns:mc="http://schemas.openxmlformats.org/markup-compatibility/2006" xmlns:mv="urn:schemas-microsoft-com:mac:vml" xmlns:p="http://schemas.openxmlformats.org/presentationml/2006/main" xmlns:c="http://schemas.openxmlformats.org/drawingml/2006/chart" xmlns:dgm="http://schemas.openxmlformats.org/drawingml/2006/diagram" xmlns:o="urn:schemas-microsoft-com:office:office" xmlns:v="urn:schemas-microsoft-com:vml" xmlns:pvml="urn:schemas-microsoft-com:office:powerpoint" xmlns:com="http://schemas.openxmlformats.org/drawingml/2006/compatibility" xmlns:p14="http://schemas.microsoft.com/office/powerpoint/2010/main" xmlns:p15="http://schemas.microsoft.com/office/powerpoint/2012/main" showMasterPhAnim="0" showMasterSp="0">
+  <p:cSld>
+    <p:spTree>
+      <p:nvGrpSpPr>
+        <p:cNvPr id="222" name="Shape 222"/>
+        <p:cNvGrpSpPr/>
+        <p:nvPr/>
+      </p:nvGrpSpPr>
+      <p:grpSpPr>
+        <a:xfrm>
+          <a:off x="0" y="0"/>
+          <a:ext cx="0" cy="0"/>
+          <a:chOff x="0" y="0"/>
+          <a:chExt cx="0" cy="0"/>
+        </a:xfrm>
+      </p:grpSpPr>
+      <p:sp>
+        <p:nvSpPr>
+          <p:cNvPr id="223" name="Shape 223"/>
           <p:cNvSpPr txBox="1"/>
           <p:nvPr>
             <p:ph idx="1" type="body"/>
@@ -1279,6 +1254,38 @@
           </a:bodyPr>
           <a:lstStyle/>
           <a:p>
+            <a:pPr indent="0" lvl="0" marL="0" rtl="0">
+              <a:spcBef>
+                <a:spcPts val="0"/>
+              </a:spcBef>
+              <a:spcAft>
+                <a:spcPts val="0"/>
+              </a:spcAft>
+              <a:buNone/>
+            </a:pPr>
+            <a:r>
+              <a:rPr lang="en" sz="1400">
+                <a:solidFill>
+                  <a:schemeClr val="dk1"/>
+                </a:solidFill>
+                <a:latin typeface="Lato"/>
+                <a:ea typeface="Lato"/>
+                <a:cs typeface="Lato"/>
+                <a:sym typeface="Lato"/>
+              </a:rPr>
+              <a:t>I work with statisticians, evolutionary biologists, physicists of all stripes, economists, computer scientists, civil engineers, software engineers, quantitative psychologists, MBAs, business domain experts, etc.</a:t>
+            </a:r>
+            <a:endParaRPr sz="1400">
+              <a:solidFill>
+                <a:schemeClr val="dk1"/>
+              </a:solidFill>
+              <a:latin typeface="Lato"/>
+              <a:ea typeface="Lato"/>
+              <a:cs typeface="Lato"/>
+              <a:sym typeface="Lato"/>
+            </a:endParaRPr>
+          </a:p>
+          <a:p>
             <a:pPr indent="0" lvl="0" marL="0">
               <a:spcBef>
                 <a:spcPts val="0"/>
@@ -1289,16 +1296,15 @@
               <a:buNone/>
             </a:pPr>
             <a:r>
-              <a:rPr lang="en"/>
-              <a:t>The title itself can be problematic. What is the job?</a:t>
-            </a:r>
-            <a:endParaRPr/>
+              <a:t/>
+            </a:r>
+            <a:endParaRPr sz="1400"/>
           </a:p>
         </p:txBody>
       </p:sp>
       <p:sp>
         <p:nvSpPr>
-          <p:cNvPr id="223" name="Shape 223"/>
+          <p:cNvPr id="224" name="Shape 224"/>
           <p:cNvSpPr/>
           <p:nvPr>
             <p:ph idx="2" type="sldImg"/>
@@ -1338,12 +1344,12 @@
 </p:notes>
 </file>
 
-<file path=ppt/notesSlides/notesSlide6.xml><?xml version="1.0" encoding="utf-8"?>
+<file path=ppt/notesSlides/notesSlide7.xml><?xml version="1.0" encoding="utf-8"?>
 <p:notes xmlns:a="http://schemas.openxmlformats.org/drawingml/2006/main" xmlns:r="http://schemas.openxmlformats.org/officeDocument/2006/relationships" xmlns:mc="http://schemas.openxmlformats.org/markup-compatibility/2006" xmlns:mv="urn:schemas-microsoft-com:mac:vml" xmlns:p="http://schemas.openxmlformats.org/presentationml/2006/main" xmlns:c="http://schemas.openxmlformats.org/drawingml/2006/chart" xmlns:dgm="http://schemas.openxmlformats.org/drawingml/2006/diagram" xmlns:o="urn:schemas-microsoft-com:office:office" xmlns:v="urn:schemas-microsoft-com:vml" xmlns:pvml="urn:schemas-microsoft-com:office:powerpoint" xmlns:com="http://schemas.openxmlformats.org/drawingml/2006/compatibility" xmlns:p14="http://schemas.microsoft.com/office/powerpoint/2010/main" xmlns:p15="http://schemas.microsoft.com/office/powerpoint/2012/main" showMasterPhAnim="0" showMasterSp="0">
   <p:cSld>
     <p:spTree>
       <p:nvGrpSpPr>
-        <p:cNvPr id="227" name="Shape 227"/>
+        <p:cNvPr id="228" name="Shape 228"/>
         <p:cNvGrpSpPr/>
         <p:nvPr/>
       </p:nvGrpSpPr>
@@ -1357,114 +1363,7 @@
       </p:grpSpPr>
       <p:sp>
         <p:nvSpPr>
-          <p:cNvPr id="228" name="Shape 228"/>
-          <p:cNvSpPr/>
-          <p:nvPr>
-            <p:ph idx="2" type="sldImg"/>
-          </p:nvPr>
-        </p:nvSpPr>
-        <p:spPr>
-          <a:xfrm>
-            <a:off x="381300" y="685800"/>
-            <a:ext cx="6096000" cy="3429000"/>
-          </a:xfrm>
-          <a:custGeom>
-            <a:pathLst>
-              <a:path extrusionOk="0" h="120000" w="120000">
-                <a:moveTo>
-                  <a:pt x="0" y="0"/>
-                </a:moveTo>
-                <a:lnTo>
-                  <a:pt x="120000" y="0"/>
-                </a:lnTo>
-                <a:lnTo>
-                  <a:pt x="120000" y="120000"/>
-                </a:lnTo>
-                <a:lnTo>
-                  <a:pt x="0" y="120000"/>
-                </a:lnTo>
-                <a:close/>
-              </a:path>
-            </a:pathLst>
-          </a:custGeom>
-        </p:spPr>
-      </p:sp>
-      <p:sp>
-        <p:nvSpPr>
           <p:cNvPr id="229" name="Shape 229"/>
-          <p:cNvSpPr txBox="1"/>
-          <p:nvPr>
-            <p:ph idx="1" type="body"/>
-          </p:nvPr>
-        </p:nvSpPr>
-        <p:spPr>
-          <a:xfrm>
-            <a:off x="685800" y="4343400"/>
-            <a:ext cx="5486400" cy="4114800"/>
-          </a:xfrm>
-          <a:prstGeom prst="rect">
-            <a:avLst/>
-          </a:prstGeom>
-        </p:spPr>
-        <p:txBody>
-          <a:bodyPr anchorCtr="0" anchor="t" bIns="91425" lIns="91425" spcFirstLastPara="1" rIns="91425" wrap="square" tIns="91425">
-            <a:noAutofit/>
-          </a:bodyPr>
-          <a:lstStyle/>
-          <a:p>
-            <a:pPr indent="0" lvl="0" marL="0" rtl="0">
-              <a:spcBef>
-                <a:spcPts val="600"/>
-              </a:spcBef>
-              <a:spcAft>
-                <a:spcPts val="0"/>
-              </a:spcAft>
-              <a:buNone/>
-            </a:pPr>
-            <a:r>
-              <a:rPr lang="en" sz="1400">
-                <a:solidFill>
-                  <a:schemeClr val="dk1"/>
-                </a:solidFill>
-                <a:latin typeface="Lato"/>
-                <a:ea typeface="Lato"/>
-                <a:cs typeface="Lato"/>
-                <a:sym typeface="Lato"/>
-              </a:rPr>
-              <a:t>All of these are data science because all of them are operationalized and impacting decision-making</a:t>
-            </a:r>
-            <a:endParaRPr sz="1400"/>
-          </a:p>
-        </p:txBody>
-      </p:sp>
-    </p:spTree>
-  </p:cSld>
-  <p:clrMapOvr>
-    <a:masterClrMapping/>
-  </p:clrMapOvr>
-</p:notes>
-</file>
-
-<file path=ppt/notesSlides/notesSlide7.xml><?xml version="1.0" encoding="utf-8"?>
-<p:notes xmlns:a="http://schemas.openxmlformats.org/drawingml/2006/main" xmlns:r="http://schemas.openxmlformats.org/officeDocument/2006/relationships" xmlns:mc="http://schemas.openxmlformats.org/markup-compatibility/2006" xmlns:mv="urn:schemas-microsoft-com:mac:vml" xmlns:p="http://schemas.openxmlformats.org/presentationml/2006/main" xmlns:c="http://schemas.openxmlformats.org/drawingml/2006/chart" xmlns:dgm="http://schemas.openxmlformats.org/drawingml/2006/diagram" xmlns:o="urn:schemas-microsoft-com:office:office" xmlns:v="urn:schemas-microsoft-com:vml" xmlns:pvml="urn:schemas-microsoft-com:office:powerpoint" xmlns:com="http://schemas.openxmlformats.org/drawingml/2006/compatibility" xmlns:p14="http://schemas.microsoft.com/office/powerpoint/2010/main" xmlns:p15="http://schemas.microsoft.com/office/powerpoint/2012/main" showMasterPhAnim="0" showMasterSp="0">
-  <p:cSld>
-    <p:spTree>
-      <p:nvGrpSpPr>
-        <p:cNvPr id="233" name="Shape 233"/>
-        <p:cNvGrpSpPr/>
-        <p:nvPr/>
-      </p:nvGrpSpPr>
-      <p:grpSpPr>
-        <a:xfrm>
-          <a:off x="0" y="0"/>
-          <a:ext cx="0" cy="0"/>
-          <a:chOff x="0" y="0"/>
-          <a:chExt cx="0" cy="0"/>
-        </a:xfrm>
-      </p:grpSpPr>
-      <p:sp>
-        <p:nvSpPr>
-          <p:cNvPr id="234" name="Shape 234"/>
           <p:cNvSpPr txBox="1"/>
           <p:nvPr>
             <p:ph idx="1" type="body"/>
@@ -1485,7 +1384,7 @@
           </a:bodyPr>
           <a:lstStyle/>
           <a:p>
-            <a:pPr indent="0" lvl="0" marL="0" rtl="0">
+            <a:pPr indent="0" lvl="0" marL="0">
               <a:spcBef>
                 <a:spcPts val="0"/>
               </a:spcBef>
@@ -1495,47 +1394,15 @@
               <a:buNone/>
             </a:pPr>
             <a:r>
-              <a:rPr lang="en" sz="1400">
-                <a:solidFill>
-                  <a:schemeClr val="dk1"/>
-                </a:solidFill>
-                <a:latin typeface="Lato"/>
-                <a:ea typeface="Lato"/>
-                <a:cs typeface="Lato"/>
-                <a:sym typeface="Lato"/>
-              </a:rPr>
-              <a:t>I work with statisticians, evolutionary biologists, physicists of all stripes, economists, computer scientists, civil engineers, software engineers, quantitative psychologists, MBAs, business domain experts, etc.</a:t>
-            </a:r>
-            <a:endParaRPr sz="1400">
-              <a:solidFill>
-                <a:schemeClr val="dk1"/>
-              </a:solidFill>
-              <a:latin typeface="Lato"/>
-              <a:ea typeface="Lato"/>
-              <a:cs typeface="Lato"/>
-              <a:sym typeface="Lato"/>
-            </a:endParaRPr>
-          </a:p>
-          <a:p>
-            <a:pPr indent="0" lvl="0" marL="0">
-              <a:spcBef>
-                <a:spcPts val="0"/>
-              </a:spcBef>
-              <a:spcAft>
-                <a:spcPts val="0"/>
-              </a:spcAft>
-              <a:buNone/>
-            </a:pPr>
-            <a:r>
               <a:t/>
             </a:r>
-            <a:endParaRPr sz="1400"/>
+            <a:endParaRPr/>
           </a:p>
         </p:txBody>
       </p:sp>
       <p:sp>
         <p:nvSpPr>
-          <p:cNvPr id="235" name="Shape 235"/>
+          <p:cNvPr id="230" name="Shape 230"/>
           <p:cNvSpPr/>
           <p:nvPr>
             <p:ph idx="2" type="sldImg"/>
@@ -1580,7 +1447,7 @@
   <p:cSld>
     <p:spTree>
       <p:nvGrpSpPr>
-        <p:cNvPr id="239" name="Shape 239"/>
+        <p:cNvPr id="234" name="Shape 234"/>
         <p:cNvGrpSpPr/>
         <p:nvPr/>
       </p:nvGrpSpPr>
@@ -1594,7 +1461,7 @@
       </p:grpSpPr>
       <p:sp>
         <p:nvSpPr>
-          <p:cNvPr id="240" name="Shape 240"/>
+          <p:cNvPr id="235" name="Shape 235"/>
           <p:cNvSpPr txBox="1"/>
           <p:nvPr>
             <p:ph idx="1" type="body"/>
@@ -1633,7 +1500,7 @@
       </p:sp>
       <p:sp>
         <p:nvSpPr>
-          <p:cNvPr id="241" name="Shape 241"/>
+          <p:cNvPr id="236" name="Shape 236"/>
           <p:cNvSpPr/>
           <p:nvPr>
             <p:ph idx="2" type="sldImg"/>
@@ -1678,7 +1545,7 @@
   <p:cSld>
     <p:spTree>
       <p:nvGrpSpPr>
-        <p:cNvPr id="245" name="Shape 245"/>
+        <p:cNvPr id="240" name="Shape 240"/>
         <p:cNvGrpSpPr/>
         <p:nvPr/>
       </p:nvGrpSpPr>
@@ -1692,7 +1559,7 @@
       </p:grpSpPr>
       <p:sp>
         <p:nvSpPr>
-          <p:cNvPr id="246" name="Shape 246"/>
+          <p:cNvPr id="241" name="Shape 241"/>
           <p:cNvSpPr txBox="1"/>
           <p:nvPr>
             <p:ph idx="1" type="body"/>
@@ -1731,7 +1598,7 @@
       </p:sp>
       <p:sp>
         <p:nvSpPr>
-          <p:cNvPr id="247" name="Shape 247"/>
+          <p:cNvPr id="242" name="Shape 242"/>
           <p:cNvSpPr/>
           <p:nvPr>
             <p:ph idx="2" type="sldImg"/>
@@ -23633,6 +23500,21 @@
 <file path=ppt/slides/slide1.xml><?xml version="1.0" encoding="utf-8"?>
 <p:sld xmlns:a="http://schemas.openxmlformats.org/drawingml/2006/main" xmlns:r="http://schemas.openxmlformats.org/officeDocument/2006/relationships" xmlns:mc="http://schemas.openxmlformats.org/markup-compatibility/2006" xmlns:mv="urn:schemas-microsoft-com:mac:vml" xmlns:p="http://schemas.openxmlformats.org/presentationml/2006/main" xmlns:c="http://schemas.openxmlformats.org/drawingml/2006/chart" xmlns:dgm="http://schemas.openxmlformats.org/drawingml/2006/diagram" xmlns:o="urn:schemas-microsoft-com:office:office" xmlns:v="urn:schemas-microsoft-com:vml" xmlns:pvml="urn:schemas-microsoft-com:office:powerpoint" xmlns:com="http://schemas.openxmlformats.org/drawingml/2006/compatibility" xmlns:p14="http://schemas.microsoft.com/office/powerpoint/2010/main" xmlns:p15="http://schemas.microsoft.com/office/powerpoint/2012/main">
   <p:cSld>
+    <p:bg>
+      <p:bgPr>
+        <a:gradFill>
+          <a:gsLst>
+            <a:gs pos="0">
+              <a:srgbClr val="18B9FE"/>
+            </a:gs>
+            <a:gs pos="100000">
+              <a:srgbClr val="06658D"/>
+            </a:gs>
+          </a:gsLst>
+          <a:lin ang="5400012" scaled="0"/>
+        </a:gradFill>
+      </p:bgPr>
+    </p:bg>
     <p:spTree>
       <p:nvGrpSpPr>
         <p:cNvPr id="195" name="Shape 195"/>
@@ -23647,43 +23529,18 @@
           <a:chExt cx="0" cy="0"/>
         </a:xfrm>
       </p:grpSpPr>
-      <p:pic>
-        <p:nvPicPr>
-          <p:cNvPr id="196" name="Shape 196"/>
-          <p:cNvPicPr preferRelativeResize="0"/>
-          <p:nvPr/>
-        </p:nvPicPr>
-        <p:blipFill rotWithShape="1">
-          <a:blip r:embed="rId3">
-            <a:alphaModFix/>
-          </a:blip>
-          <a:srcRect b="0" l="0" r="0" t="0"/>
-          <a:stretch/>
-        </p:blipFill>
-        <p:spPr>
-          <a:xfrm>
-            <a:off x="-49050" y="0"/>
-            <a:ext cx="9242100" cy="5143500"/>
-          </a:xfrm>
-          <a:prstGeom prst="rect">
-            <a:avLst/>
-          </a:prstGeom>
-          <a:noFill/>
-          <a:ln>
-            <a:noFill/>
-          </a:ln>
-        </p:spPr>
-      </p:pic>
       <p:sp>
         <p:nvSpPr>
-          <p:cNvPr id="197" name="Shape 197"/>
+          <p:cNvPr id="196" name="Shape 196"/>
           <p:cNvSpPr txBox="1"/>
-          <p:nvPr/>
+          <p:nvPr>
+            <p:ph type="ctrTitle"/>
+          </p:nvPr>
         </p:nvSpPr>
         <p:spPr>
           <a:xfrm>
-            <a:off x="4183700" y="3745050"/>
-            <a:ext cx="4843500" cy="615900"/>
+            <a:off x="311708" y="744575"/>
+            <a:ext cx="8520600" cy="2052450"/>
           </a:xfrm>
           <a:prstGeom prst="rect">
             <a:avLst/>
@@ -23694,91 +23551,7 @@
           </a:ln>
         </p:spPr>
         <p:txBody>
-          <a:bodyPr anchorCtr="0" anchor="t" bIns="91425" lIns="91425" spcFirstLastPara="1" rIns="91425" wrap="square" tIns="91425">
-            <a:noAutofit/>
-          </a:bodyPr>
-          <a:lstStyle/>
-          <a:p>
-            <a:pPr indent="0" lvl="0" marL="0" marR="0" rtl="0" algn="r">
-              <a:lnSpc>
-                <a:spcPct val="100000"/>
-              </a:lnSpc>
-              <a:spcBef>
-                <a:spcPts val="0"/>
-              </a:spcBef>
-              <a:spcAft>
-                <a:spcPts val="0"/>
-              </a:spcAft>
-              <a:buClr>
-                <a:srgbClr val="FFFFFF"/>
-              </a:buClr>
-              <a:buSzPts val="1400"/>
-              <a:buFont typeface="Arial"/>
-              <a:buNone/>
-            </a:pPr>
-            <a:r>
-              <a:t/>
-            </a:r>
-            <a:endParaRPr b="0" i="0" sz="1400" u="none" cap="none" strike="noStrike">
-              <a:solidFill>
-                <a:srgbClr val="000000"/>
-              </a:solidFill>
-              <a:latin typeface="Arial"/>
-              <a:ea typeface="Arial"/>
-              <a:cs typeface="Arial"/>
-              <a:sym typeface="Arial"/>
-            </a:endParaRPr>
-          </a:p>
-        </p:txBody>
-      </p:sp>
-      <p:pic>
-        <p:nvPicPr>
-          <p:cNvPr id="198" name="Shape 198"/>
-          <p:cNvPicPr preferRelativeResize="0"/>
-          <p:nvPr/>
-        </p:nvPicPr>
-        <p:blipFill rotWithShape="1">
-          <a:blip r:embed="rId4">
-            <a:alphaModFix/>
-          </a:blip>
-          <a:srcRect b="0" l="0" r="0" t="0"/>
-          <a:stretch/>
-        </p:blipFill>
-        <p:spPr>
-          <a:xfrm>
-            <a:off x="4551650" y="258919"/>
-            <a:ext cx="4107600" cy="769500"/>
-          </a:xfrm>
-          <a:prstGeom prst="rect">
-            <a:avLst/>
-          </a:prstGeom>
-          <a:noFill/>
-          <a:ln>
-            <a:noFill/>
-          </a:ln>
-        </p:spPr>
-      </p:pic>
-      <p:sp>
-        <p:nvSpPr>
-          <p:cNvPr id="199" name="Shape 199"/>
-          <p:cNvSpPr txBox="1"/>
-          <p:nvPr/>
-        </p:nvSpPr>
-        <p:spPr>
-          <a:xfrm>
-            <a:off x="7443850" y="1211719"/>
-            <a:ext cx="1294500" cy="344100"/>
-          </a:xfrm>
-          <a:prstGeom prst="rect">
-            <a:avLst/>
-          </a:prstGeom>
-          <a:noFill/>
-          <a:ln>
-            <a:noFill/>
-          </a:ln>
-        </p:spPr>
-        <p:txBody>
-          <a:bodyPr anchorCtr="0" anchor="t" bIns="91425" lIns="91425" spcFirstLastPara="1" rIns="91425" wrap="square" tIns="91425">
+          <a:bodyPr anchorCtr="0" anchor="b" bIns="68575" lIns="68575" spcFirstLastPara="1" rIns="68575" wrap="square" tIns="68575">
             <a:noAutofit/>
           </a:bodyPr>
           <a:lstStyle/>
@@ -23794,372 +23567,241 @@
                 <a:spcPts val="0"/>
               </a:spcAft>
               <a:buClr>
-                <a:srgbClr val="FFFFFF"/>
+                <a:schemeClr val="dk1"/>
+              </a:buClr>
+              <a:buSzPts val="3800"/>
+              <a:buFont typeface="Arial"/>
+              <a:buNone/>
+            </a:pPr>
+            <a:r>
+              <a:rPr b="1" i="0" lang="en" sz="3800" u="none" cap="none" strike="noStrike">
+                <a:solidFill>
+                  <a:schemeClr val="lt1"/>
+                </a:solidFill>
+                <a:latin typeface="Lato"/>
+                <a:ea typeface="Lato"/>
+                <a:cs typeface="Lato"/>
+                <a:sym typeface="Lato"/>
+              </a:rPr>
+              <a:t>Introduction to Python for </a:t>
+            </a:r>
+            <a:br>
+              <a:rPr b="1" i="0" lang="en" sz="3800" u="none" cap="none" strike="noStrike">
+                <a:solidFill>
+                  <a:schemeClr val="lt1"/>
+                </a:solidFill>
+                <a:latin typeface="Lato"/>
+                <a:ea typeface="Lato"/>
+                <a:cs typeface="Lato"/>
+                <a:sym typeface="Lato"/>
+              </a:rPr>
+            </a:br>
+            <a:r>
+              <a:rPr b="1" i="0" lang="en" sz="3800" u="none" cap="none" strike="noStrike">
+                <a:solidFill>
+                  <a:schemeClr val="lt1"/>
+                </a:solidFill>
+                <a:latin typeface="Lato"/>
+                <a:ea typeface="Lato"/>
+                <a:cs typeface="Lato"/>
+                <a:sym typeface="Lato"/>
+              </a:rPr>
+              <a:t>Data Science</a:t>
+            </a:r>
+            <a:endParaRPr b="1" i="0" sz="3800" u="none" cap="none" strike="noStrike">
+              <a:solidFill>
+                <a:schemeClr val="lt1"/>
+              </a:solidFill>
+              <a:latin typeface="Lato"/>
+              <a:ea typeface="Lato"/>
+              <a:cs typeface="Lato"/>
+              <a:sym typeface="Lato"/>
+            </a:endParaRPr>
+          </a:p>
+          <a:p>
+            <a:pPr indent="0" lvl="0" marL="0" rtl="0">
+              <a:spcBef>
+                <a:spcPts val="600"/>
+              </a:spcBef>
+              <a:spcAft>
+                <a:spcPts val="0"/>
+              </a:spcAft>
+              <a:buClr>
+                <a:schemeClr val="dk2"/>
               </a:buClr>
               <a:buSzPts val="1800"/>
-              <a:buFont typeface="Raleway"/>
+              <a:buFont typeface="Arial"/>
               <a:buNone/>
             </a:pPr>
             <a:r>
-              <a:rPr b="0" i="0" lang="en" sz="1800" u="none" cap="none" strike="noStrike">
-                <a:solidFill>
-                  <a:srgbClr val="FFFFFF"/>
-                </a:solidFill>
-                <a:latin typeface="Raleway"/>
-                <a:ea typeface="Raleway"/>
-                <a:cs typeface="Raleway"/>
-                <a:sym typeface="Raleway"/>
+              <a:rPr b="1" lang="en" sz="2100" u="sng">
+                <a:solidFill>
+                  <a:schemeClr val="accent1"/>
+                </a:solidFill>
+                <a:latin typeface="Lato"/>
+                <a:ea typeface="Lato"/>
+                <a:cs typeface="Lato"/>
+                <a:sym typeface="Lato"/>
+                <a:hlinkClick r:id="rId3"/>
               </a:rPr>
-              <a:t>@ODSC</a:t>
-            </a:r>
-            <a:endParaRPr b="0" i="0" sz="1800" u="none" cap="none" strike="noStrike">
+              <a:t>https://github.com/jseabold/pycon-ds-2018</a:t>
+            </a:r>
+            <a:endParaRPr b="1" sz="2100">
               <a:solidFill>
-                <a:srgbClr val="000000"/>
+                <a:schemeClr val="accent1"/>
               </a:solidFill>
-              <a:latin typeface="Arial"/>
-              <a:ea typeface="Arial"/>
-              <a:cs typeface="Arial"/>
-              <a:sym typeface="Arial"/>
+              <a:latin typeface="Lato"/>
+              <a:ea typeface="Lato"/>
+              <a:cs typeface="Lato"/>
+              <a:sym typeface="Lato"/>
             </a:endParaRPr>
           </a:p>
         </p:txBody>
       </p:sp>
       <p:sp>
         <p:nvSpPr>
-          <p:cNvPr id="200" name="Shape 200"/>
+          <p:cNvPr id="197" name="Shape 197"/>
           <p:cNvSpPr txBox="1"/>
-          <p:nvPr/>
+          <p:nvPr>
+            <p:ph idx="1" type="subTitle"/>
+          </p:nvPr>
         </p:nvSpPr>
         <p:spPr>
           <a:xfrm>
-            <a:off x="491675" y="213056"/>
-            <a:ext cx="5324700" cy="3086100"/>
+            <a:off x="311700" y="2834125"/>
+            <a:ext cx="8520600" cy="792600"/>
           </a:xfrm>
           <a:prstGeom prst="rect">
             <a:avLst/>
           </a:prstGeom>
-          <a:noFill/>
-          <a:ln>
-            <a:noFill/>
-          </a:ln>
         </p:spPr>
         <p:txBody>
-          <a:bodyPr anchorCtr="0" anchor="t" bIns="91425" lIns="91425" spcFirstLastPara="1" rIns="91425" wrap="square" tIns="91425">
+          <a:bodyPr anchorCtr="0" anchor="t" bIns="68575" lIns="68575" spcFirstLastPara="1" rIns="68575" wrap="square" tIns="68575">
             <a:noAutofit/>
           </a:bodyPr>
           <a:lstStyle/>
           <a:p>
-            <a:pPr indent="0" lvl="0" marL="0" marR="0" rtl="0" algn="l">
-              <a:lnSpc>
-                <a:spcPct val="100000"/>
-              </a:lnSpc>
-              <a:spcBef>
-                <a:spcPts val="0"/>
-              </a:spcBef>
-              <a:spcAft>
-                <a:spcPts val="0"/>
-              </a:spcAft>
-              <a:buClr>
-                <a:srgbClr val="FFFFFF"/>
-              </a:buClr>
-              <a:buSzPts val="6000"/>
-              <a:buFont typeface="Raleway"/>
+            <a:pPr indent="0" lvl="0" marL="0" rtl="0">
+              <a:spcBef>
+                <a:spcPts val="0"/>
+              </a:spcBef>
+              <a:spcAft>
+                <a:spcPts val="0"/>
+              </a:spcAft>
+              <a:buClr>
+                <a:schemeClr val="dk2"/>
+              </a:buClr>
+              <a:buSzPts val="2100"/>
+              <a:buFont typeface="Arial"/>
               <a:buNone/>
             </a:pPr>
             <a:r>
-              <a:rPr b="0" i="0" lang="en" sz="6000" u="none" cap="none" strike="noStrike">
-                <a:solidFill>
-                  <a:srgbClr val="FFFFFF"/>
-                </a:solidFill>
-                <a:latin typeface="Raleway"/>
-                <a:ea typeface="Raleway"/>
-                <a:cs typeface="Raleway"/>
-                <a:sym typeface="Raleway"/>
+              <a:rPr lang="en">
+                <a:latin typeface="Lato"/>
+                <a:ea typeface="Lato"/>
+                <a:cs typeface="Lato"/>
+                <a:sym typeface="Lato"/>
               </a:rPr>
-              <a:t>OPEN </a:t>
-            </a:r>
-            <a:endParaRPr b="0" i="0" sz="6000" u="none" cap="none" strike="noStrike">
-              <a:solidFill>
-                <a:srgbClr val="FFFFFF"/>
-              </a:solidFill>
-              <a:latin typeface="Raleway"/>
-              <a:ea typeface="Raleway"/>
-              <a:cs typeface="Raleway"/>
-              <a:sym typeface="Raleway"/>
+              <a:t>5/10/2018</a:t>
+            </a:r>
+            <a:endParaRPr>
+              <a:latin typeface="Lato"/>
+              <a:ea typeface="Lato"/>
+              <a:cs typeface="Lato"/>
+              <a:sym typeface="Lato"/>
             </a:endParaRPr>
           </a:p>
           <a:p>
-            <a:pPr indent="0" lvl="0" marL="0" marR="0" rtl="0" algn="l">
-              <a:lnSpc>
-                <a:spcPct val="100000"/>
-              </a:lnSpc>
-              <a:spcBef>
-                <a:spcPts val="0"/>
-              </a:spcBef>
-              <a:spcAft>
-                <a:spcPts val="0"/>
-              </a:spcAft>
-              <a:buClr>
-                <a:srgbClr val="FFFFFF"/>
-              </a:buClr>
-              <a:buSzPts val="6000"/>
-              <a:buFont typeface="Raleway"/>
+            <a:pPr indent="0" lvl="0" marL="0" rtl="0">
+              <a:spcBef>
+                <a:spcPts val="0"/>
+              </a:spcBef>
+              <a:spcAft>
+                <a:spcPts val="0"/>
+              </a:spcAft>
+              <a:buClr>
+                <a:schemeClr val="dk2"/>
+              </a:buClr>
+              <a:buSzPts val="2100"/>
+              <a:buFont typeface="Arial"/>
               <a:buNone/>
             </a:pPr>
             <a:r>
-              <a:rPr b="0" i="0" lang="en" sz="6000" u="none" cap="none" strike="noStrike">
-                <a:solidFill>
-                  <a:srgbClr val="FFFFFF"/>
-                </a:solidFill>
-                <a:latin typeface="Raleway"/>
-                <a:ea typeface="Raleway"/>
-                <a:cs typeface="Raleway"/>
-                <a:sym typeface="Raleway"/>
+              <a:rPr lang="en" u="none">
+                <a:solidFill>
+                  <a:schemeClr val="lt1"/>
+                </a:solidFill>
+                <a:latin typeface="Lato"/>
+                <a:ea typeface="Lato"/>
+                <a:cs typeface="Lato"/>
+                <a:sym typeface="Lato"/>
               </a:rPr>
-              <a:t>DATA </a:t>
-            </a:r>
-            <a:endParaRPr b="0" i="0" sz="6000" u="none" cap="none" strike="noStrike">
-              <a:solidFill>
-                <a:srgbClr val="FFFFFF"/>
-              </a:solidFill>
-              <a:latin typeface="Raleway"/>
-              <a:ea typeface="Raleway"/>
-              <a:cs typeface="Raleway"/>
-              <a:sym typeface="Raleway"/>
+              <a:t>Skipper Seabold</a:t>
+            </a:r>
+            <a:r>
+              <a:rPr lang="en">
+                <a:latin typeface="Lato"/>
+                <a:ea typeface="Lato"/>
+                <a:cs typeface="Lato"/>
+                <a:sym typeface="Lato"/>
+              </a:rPr>
+              <a:t>, </a:t>
+            </a:r>
+            <a:r>
+              <a:rPr lang="en" u="none">
+                <a:solidFill>
+                  <a:schemeClr val="lt1"/>
+                </a:solidFill>
+                <a:latin typeface="Lato"/>
+                <a:ea typeface="Lato"/>
+                <a:cs typeface="Lato"/>
+                <a:sym typeface="Lato"/>
+              </a:rPr>
+              <a:t>Director of Data Science, Civis Analytics</a:t>
+            </a:r>
+            <a:endParaRPr>
+              <a:latin typeface="Lato"/>
+              <a:ea typeface="Lato"/>
+              <a:cs typeface="Lato"/>
+              <a:sym typeface="Lato"/>
             </a:endParaRPr>
           </a:p>
           <a:p>
-            <a:pPr indent="0" lvl="0" marL="0" marR="0" rtl="0" algn="l">
-              <a:lnSpc>
-                <a:spcPct val="100000"/>
-              </a:lnSpc>
-              <a:spcBef>
-                <a:spcPts val="0"/>
-              </a:spcBef>
-              <a:spcAft>
-                <a:spcPts val="0"/>
-              </a:spcAft>
-              <a:buClr>
-                <a:srgbClr val="FFFFFF"/>
-              </a:buClr>
-              <a:buSzPts val="6000"/>
-              <a:buFont typeface="Raleway"/>
+            <a:pPr indent="0" lvl="0" marL="0" rtl="0">
+              <a:spcBef>
+                <a:spcPts val="0"/>
+              </a:spcBef>
+              <a:spcAft>
+                <a:spcPts val="0"/>
+              </a:spcAft>
+              <a:buClr>
+                <a:schemeClr val="dk2"/>
+              </a:buClr>
+              <a:buSzPts val="2100"/>
+              <a:buFont typeface="Arial"/>
               <a:buNone/>
             </a:pPr>
             <a:r>
-              <a:rPr b="0" i="0" lang="en" sz="6000" u="none" cap="none" strike="noStrike">
-                <a:solidFill>
-                  <a:srgbClr val="FFFFFF"/>
-                </a:solidFill>
-                <a:latin typeface="Raleway"/>
-                <a:ea typeface="Raleway"/>
-                <a:cs typeface="Raleway"/>
-                <a:sym typeface="Raleway"/>
+              <a:rPr lang="en" u="sng">
+                <a:solidFill>
+                  <a:schemeClr val="accent1"/>
+                </a:solidFill>
+                <a:latin typeface="Lato"/>
+                <a:ea typeface="Lato"/>
+                <a:cs typeface="Lato"/>
+                <a:sym typeface="Lato"/>
+                <a:hlinkClick r:id="rId4"/>
               </a:rPr>
-              <a:t>SCIENCE </a:t>
-            </a:r>
-            <a:endParaRPr b="0" i="0" sz="6000" u="none" cap="none" strike="noStrike">
+              <a:t>@jseabold</a:t>
+            </a:r>
+            <a:endParaRPr u="none">
               <a:solidFill>
-                <a:srgbClr val="FFFFFF"/>
+                <a:schemeClr val="accent1"/>
               </a:solidFill>
-              <a:latin typeface="Raleway"/>
-              <a:ea typeface="Raleway"/>
-              <a:cs typeface="Raleway"/>
-              <a:sym typeface="Raleway"/>
-            </a:endParaRPr>
-          </a:p>
-          <a:p>
-            <a:pPr indent="0" lvl="0" marL="0" marR="0" rtl="0" algn="l">
-              <a:lnSpc>
-                <a:spcPct val="100000"/>
-              </a:lnSpc>
-              <a:spcBef>
-                <a:spcPts val="0"/>
-              </a:spcBef>
-              <a:spcAft>
-                <a:spcPts val="0"/>
-              </a:spcAft>
-              <a:buClr>
-                <a:srgbClr val="FFFFFF"/>
-              </a:buClr>
-              <a:buSzPts val="6000"/>
-              <a:buFont typeface="Raleway"/>
-              <a:buNone/>
-            </a:pPr>
-            <a:r>
-              <a:rPr b="0" i="0" lang="en" sz="6000" u="none" cap="none" strike="noStrike">
-                <a:solidFill>
-                  <a:srgbClr val="FFFFFF"/>
-                </a:solidFill>
-                <a:latin typeface="Raleway"/>
-                <a:ea typeface="Raleway"/>
-                <a:cs typeface="Raleway"/>
-                <a:sym typeface="Raleway"/>
-              </a:rPr>
-              <a:t>CONFERENCE</a:t>
-            </a:r>
-            <a:endParaRPr b="0" i="0" sz="6000" u="none" cap="none" strike="noStrike">
-              <a:solidFill>
-                <a:srgbClr val="FFFFFF"/>
-              </a:solidFill>
-              <a:latin typeface="Raleway"/>
-              <a:ea typeface="Raleway"/>
-              <a:cs typeface="Raleway"/>
-              <a:sym typeface="Raleway"/>
-            </a:endParaRPr>
-          </a:p>
-        </p:txBody>
-      </p:sp>
-      <p:sp>
-        <p:nvSpPr>
-          <p:cNvPr id="201" name="Shape 201"/>
-          <p:cNvSpPr txBox="1"/>
-          <p:nvPr/>
-        </p:nvSpPr>
-        <p:spPr>
-          <a:xfrm>
-            <a:off x="3442400" y="4165819"/>
-            <a:ext cx="5478900" cy="615900"/>
-          </a:xfrm>
-          <a:prstGeom prst="rect">
-            <a:avLst/>
-          </a:prstGeom>
-          <a:noFill/>
-          <a:ln>
-            <a:noFill/>
-          </a:ln>
-        </p:spPr>
-        <p:txBody>
-          <a:bodyPr anchorCtr="0" anchor="t" bIns="91425" lIns="91425" spcFirstLastPara="1" rIns="91425" wrap="square" tIns="91425">
-            <a:noAutofit/>
-          </a:bodyPr>
-          <a:lstStyle/>
-          <a:p>
-            <a:pPr indent="0" lvl="0" marL="0" marR="0" rtl="0" algn="r">
-              <a:lnSpc>
-                <a:spcPct val="100000"/>
-              </a:lnSpc>
-              <a:spcBef>
-                <a:spcPts val="0"/>
-              </a:spcBef>
-              <a:spcAft>
-                <a:spcPts val="0"/>
-              </a:spcAft>
-              <a:buClr>
-                <a:srgbClr val="FFFFFF"/>
-              </a:buClr>
-              <a:buSzPts val="2400"/>
-              <a:buFont typeface="Arial"/>
-              <a:buNone/>
-            </a:pPr>
-            <a:r>
-              <a:t/>
-            </a:r>
-            <a:endParaRPr b="1" i="0" sz="2400" u="none" cap="none" strike="noStrike">
-              <a:solidFill>
-                <a:srgbClr val="FFFFFF"/>
-              </a:solidFill>
-              <a:latin typeface="Raleway"/>
-              <a:ea typeface="Raleway"/>
-              <a:cs typeface="Raleway"/>
-              <a:sym typeface="Raleway"/>
-            </a:endParaRPr>
-          </a:p>
-          <a:p>
-            <a:pPr indent="0" lvl="0" marL="0" marR="0" rtl="0" algn="r">
-              <a:lnSpc>
-                <a:spcPct val="100000"/>
-              </a:lnSpc>
-              <a:spcBef>
-                <a:spcPts val="0"/>
-              </a:spcBef>
-              <a:spcAft>
-                <a:spcPts val="0"/>
-              </a:spcAft>
-              <a:buClr>
-                <a:srgbClr val="FFFFFF"/>
-              </a:buClr>
-              <a:buSzPts val="1800"/>
-              <a:buFont typeface="Arial"/>
-              <a:buNone/>
-            </a:pPr>
-            <a:r>
-              <a:t/>
-            </a:r>
-            <a:endParaRPr b="1" i="0" sz="1800" u="none" cap="none" strike="noStrike">
-              <a:solidFill>
-                <a:srgbClr val="FFFFFF"/>
-              </a:solidFill>
-              <a:latin typeface="Raleway"/>
-              <a:ea typeface="Raleway"/>
-              <a:cs typeface="Raleway"/>
-              <a:sym typeface="Raleway"/>
-            </a:endParaRPr>
-          </a:p>
-        </p:txBody>
-      </p:sp>
-      <p:sp>
-        <p:nvSpPr>
-          <p:cNvPr id="202" name="Shape 202"/>
-          <p:cNvSpPr txBox="1"/>
-          <p:nvPr/>
-        </p:nvSpPr>
-        <p:spPr>
-          <a:xfrm>
-            <a:off x="304450" y="3848856"/>
-            <a:ext cx="6942300" cy="408300"/>
-          </a:xfrm>
-          <a:prstGeom prst="rect">
-            <a:avLst/>
-          </a:prstGeom>
-          <a:noFill/>
-          <a:ln>
-            <a:noFill/>
-          </a:ln>
-        </p:spPr>
-        <p:txBody>
-          <a:bodyPr anchorCtr="0" anchor="t" bIns="91425" lIns="91425" spcFirstLastPara="1" rIns="91425" wrap="square" tIns="91425">
-            <a:noAutofit/>
-          </a:bodyPr>
-          <a:lstStyle/>
-          <a:p>
-            <a:pPr indent="0" lvl="0" marL="0" marR="0" rtl="0" algn="l">
-              <a:lnSpc>
-                <a:spcPct val="100000"/>
-              </a:lnSpc>
-              <a:spcBef>
-                <a:spcPts val="0"/>
-              </a:spcBef>
-              <a:spcAft>
-                <a:spcPts val="0"/>
-              </a:spcAft>
-              <a:buClr>
-                <a:srgbClr val="37BCFC"/>
-              </a:buClr>
-              <a:buSzPts val="2400"/>
-              <a:buFont typeface="Raleway"/>
-              <a:buNone/>
-            </a:pPr>
-            <a:r>
-              <a:rPr b="0" i="0" lang="en" sz="2400" u="none" cap="none" strike="noStrike">
-                <a:solidFill>
-                  <a:srgbClr val="37BCFC"/>
-                </a:solidFill>
-                <a:latin typeface="Raleway"/>
-                <a:ea typeface="Raleway"/>
-                <a:cs typeface="Raleway"/>
-                <a:sym typeface="Raleway"/>
-              </a:rPr>
-              <a:t>Boston  |   May 1 - 4 2018</a:t>
-            </a:r>
-            <a:endParaRPr b="0" i="0" sz="2400" u="none" cap="none" strike="noStrike">
-              <a:solidFill>
-                <a:srgbClr val="37BCFC"/>
-              </a:solidFill>
-              <a:latin typeface="Raleway"/>
-              <a:ea typeface="Raleway"/>
-              <a:cs typeface="Raleway"/>
-              <a:sym typeface="Raleway"/>
+              <a:latin typeface="Lato"/>
+              <a:ea typeface="Lato"/>
+              <a:cs typeface="Lato"/>
+              <a:sym typeface="Lato"/>
             </a:endParaRPr>
           </a:p>
         </p:txBody>
@@ -24172,12 +23814,12 @@
 </p:sld>
 </file>
 
-<file path=ppt/slides/slide10.xml><?xml version="1.0" encoding="utf-8"?>
+<file path=ppt/slides/slide2.xml><?xml version="1.0" encoding="utf-8"?>
 <p:sld xmlns:a="http://schemas.openxmlformats.org/drawingml/2006/main" xmlns:r="http://schemas.openxmlformats.org/officeDocument/2006/relationships" xmlns:mc="http://schemas.openxmlformats.org/markup-compatibility/2006" xmlns:mv="urn:schemas-microsoft-com:mac:vml" xmlns:p="http://schemas.openxmlformats.org/presentationml/2006/main" xmlns:c="http://schemas.openxmlformats.org/drawingml/2006/chart" xmlns:dgm="http://schemas.openxmlformats.org/drawingml/2006/diagram" xmlns:o="urn:schemas-microsoft-com:office:office" xmlns:v="urn:schemas-microsoft-com:vml" xmlns:pvml="urn:schemas-microsoft-com:office:powerpoint" xmlns:com="http://schemas.openxmlformats.org/drawingml/2006/compatibility" xmlns:p14="http://schemas.microsoft.com/office/powerpoint/2010/main" xmlns:p15="http://schemas.microsoft.com/office/powerpoint/2012/main">
   <p:cSld>
     <p:spTree>
       <p:nvGrpSpPr>
-        <p:cNvPr id="254" name="Shape 254"/>
+        <p:cNvPr id="201" name="Shape 201"/>
         <p:cNvGrpSpPr/>
         <p:nvPr/>
       </p:nvGrpSpPr>
@@ -24191,7 +23833,581 @@
       </p:grpSpPr>
       <p:sp>
         <p:nvSpPr>
-          <p:cNvPr id="255" name="Shape 255"/>
+          <p:cNvPr id="202" name="Shape 202"/>
+          <p:cNvSpPr txBox="1"/>
+          <p:nvPr>
+            <p:ph idx="1" type="body"/>
+          </p:nvPr>
+        </p:nvSpPr>
+        <p:spPr>
+          <a:xfrm>
+            <a:off x="455613" y="939362"/>
+            <a:ext cx="8216400" cy="3793500"/>
+          </a:xfrm>
+          <a:prstGeom prst="rect">
+            <a:avLst/>
+          </a:prstGeom>
+          <a:noFill/>
+          <a:ln>
+            <a:noFill/>
+          </a:ln>
+        </p:spPr>
+        <p:txBody>
+          <a:bodyPr anchorCtr="0" anchor="t" bIns="0" lIns="0" spcFirstLastPara="1" rIns="0" wrap="square" tIns="0">
+            <a:noAutofit/>
+          </a:bodyPr>
+          <a:lstStyle/>
+          <a:p>
+            <a:pPr indent="0" lvl="0" marL="0" rtl="0">
+              <a:spcBef>
+                <a:spcPts val="600"/>
+              </a:spcBef>
+              <a:spcAft>
+                <a:spcPts val="0"/>
+              </a:spcAft>
+              <a:buNone/>
+            </a:pPr>
+            <a:r>
+              <a:rPr b="0" lang="en" sz="1800">
+                <a:latin typeface="Lato"/>
+                <a:ea typeface="Lato"/>
+                <a:cs typeface="Lato"/>
+                <a:sym typeface="Lato"/>
+              </a:rPr>
+              <a:t>Go ahead and </a:t>
+            </a:r>
+            <a:r>
+              <a:rPr lang="en" sz="1800">
+                <a:solidFill>
+                  <a:schemeClr val="accent2"/>
+                </a:solidFill>
+                <a:latin typeface="Lato"/>
+                <a:ea typeface="Lato"/>
+                <a:cs typeface="Lato"/>
+                <a:sym typeface="Lato"/>
+              </a:rPr>
+              <a:t>install the w</a:t>
+            </a:r>
+            <a:r>
+              <a:rPr lang="en" sz="1800">
+                <a:solidFill>
+                  <a:schemeClr val="accent2"/>
+                </a:solidFill>
+                <a:latin typeface="Lato"/>
+                <a:ea typeface="Lato"/>
+                <a:cs typeface="Lato"/>
+                <a:sym typeface="Lato"/>
+              </a:rPr>
+              <a:t>orkshop materials</a:t>
+            </a:r>
+            <a:r>
+              <a:rPr b="0" lang="en" sz="1800">
+                <a:solidFill>
+                  <a:schemeClr val="dk1"/>
+                </a:solidFill>
+                <a:latin typeface="Lato"/>
+                <a:ea typeface="Lato"/>
+                <a:cs typeface="Lato"/>
+                <a:sym typeface="Lato"/>
+              </a:rPr>
+              <a:t>, if you haven’t. Follow the instructions on GitHub.</a:t>
+            </a:r>
+            <a:endParaRPr sz="1100">
+              <a:solidFill>
+                <a:schemeClr val="dk1"/>
+              </a:solidFill>
+              <a:latin typeface="Lato"/>
+              <a:ea typeface="Lato"/>
+              <a:cs typeface="Lato"/>
+              <a:sym typeface="Lato"/>
+            </a:endParaRPr>
+          </a:p>
+          <a:p>
+            <a:pPr indent="0" lvl="0" marL="0" marR="0" rtl="0" algn="l">
+              <a:lnSpc>
+                <a:spcPct val="100000"/>
+              </a:lnSpc>
+              <a:spcBef>
+                <a:spcPts val="0"/>
+              </a:spcBef>
+              <a:spcAft>
+                <a:spcPts val="0"/>
+              </a:spcAft>
+              <a:buNone/>
+            </a:pPr>
+            <a:r>
+              <a:t/>
+            </a:r>
+            <a:endParaRPr b="0" sz="1800">
+              <a:latin typeface="Lato"/>
+              <a:ea typeface="Lato"/>
+              <a:cs typeface="Lato"/>
+              <a:sym typeface="Lato"/>
+            </a:endParaRPr>
+          </a:p>
+          <a:p>
+            <a:pPr indent="0" lvl="0" marL="0" marR="0" rtl="0" algn="l">
+              <a:lnSpc>
+                <a:spcPct val="100000"/>
+              </a:lnSpc>
+              <a:spcBef>
+                <a:spcPts val="0"/>
+              </a:spcBef>
+              <a:spcAft>
+                <a:spcPts val="0"/>
+              </a:spcAft>
+              <a:buNone/>
+            </a:pPr>
+            <a:r>
+              <a:rPr b="0" lang="en" sz="1800">
+                <a:latin typeface="Lato"/>
+                <a:ea typeface="Lato"/>
+                <a:cs typeface="Lato"/>
+                <a:sym typeface="Lato"/>
+              </a:rPr>
+              <a:t>Economist by training</a:t>
+            </a:r>
+            <a:endParaRPr b="0" sz="1800">
+              <a:latin typeface="Lato"/>
+              <a:ea typeface="Lato"/>
+              <a:cs typeface="Lato"/>
+              <a:sym typeface="Lato"/>
+            </a:endParaRPr>
+          </a:p>
+          <a:p>
+            <a:pPr indent="0" lvl="0" marL="0" marR="0" rtl="0" algn="l">
+              <a:lnSpc>
+                <a:spcPct val="100000"/>
+              </a:lnSpc>
+              <a:spcBef>
+                <a:spcPts val="0"/>
+              </a:spcBef>
+              <a:spcAft>
+                <a:spcPts val="0"/>
+              </a:spcAft>
+              <a:buNone/>
+            </a:pPr>
+            <a:r>
+              <a:t/>
+            </a:r>
+            <a:endParaRPr b="0" sz="1800">
+              <a:latin typeface="Lato"/>
+              <a:ea typeface="Lato"/>
+              <a:cs typeface="Lato"/>
+              <a:sym typeface="Lato"/>
+            </a:endParaRPr>
+          </a:p>
+          <a:p>
+            <a:pPr indent="0" lvl="0" marL="0" marR="0" rtl="0" algn="l">
+              <a:lnSpc>
+                <a:spcPct val="100000"/>
+              </a:lnSpc>
+              <a:spcBef>
+                <a:spcPts val="0"/>
+              </a:spcBef>
+              <a:spcAft>
+                <a:spcPts val="0"/>
+              </a:spcAft>
+              <a:buNone/>
+            </a:pPr>
+            <a:r>
+              <a:rPr b="0" lang="en" sz="1800">
+                <a:latin typeface="Lato"/>
+                <a:ea typeface="Lato"/>
+                <a:cs typeface="Lato"/>
+                <a:sym typeface="Lato"/>
+              </a:rPr>
+              <a:t>Data Science R&amp;D</a:t>
+            </a:r>
+            <a:r>
+              <a:rPr b="0" i="0" lang="en" sz="1800" u="none" cap="none" strike="noStrike">
+                <a:solidFill>
+                  <a:srgbClr val="555555"/>
+                </a:solidFill>
+                <a:latin typeface="Lato"/>
+                <a:ea typeface="Lato"/>
+                <a:cs typeface="Lato"/>
+                <a:sym typeface="Lato"/>
+              </a:rPr>
+              <a:t> and Product at Civis Analytics</a:t>
+            </a:r>
+            <a:endParaRPr b="0" i="0" sz="1800" u="none" cap="none" strike="noStrike">
+              <a:solidFill>
+                <a:srgbClr val="555555"/>
+              </a:solidFill>
+              <a:latin typeface="Lato"/>
+              <a:ea typeface="Lato"/>
+              <a:cs typeface="Lato"/>
+              <a:sym typeface="Lato"/>
+            </a:endParaRPr>
+          </a:p>
+          <a:p>
+            <a:pPr indent="0" lvl="0" marL="0" marR="0" rtl="0" algn="l">
+              <a:lnSpc>
+                <a:spcPct val="100000"/>
+              </a:lnSpc>
+              <a:spcBef>
+                <a:spcPts val="0"/>
+              </a:spcBef>
+              <a:spcAft>
+                <a:spcPts val="0"/>
+              </a:spcAft>
+              <a:buNone/>
+            </a:pPr>
+            <a:r>
+              <a:t/>
+            </a:r>
+            <a:endParaRPr b="0" sz="1800">
+              <a:latin typeface="Lato"/>
+              <a:ea typeface="Lato"/>
+              <a:cs typeface="Lato"/>
+              <a:sym typeface="Lato"/>
+            </a:endParaRPr>
+          </a:p>
+          <a:p>
+            <a:pPr indent="0" lvl="0" marL="0" marR="0" rtl="0" algn="l">
+              <a:lnSpc>
+                <a:spcPct val="100000"/>
+              </a:lnSpc>
+              <a:spcBef>
+                <a:spcPts val="0"/>
+              </a:spcBef>
+              <a:spcAft>
+                <a:spcPts val="0"/>
+              </a:spcAft>
+              <a:buNone/>
+            </a:pPr>
+            <a:r>
+              <a:rPr b="0" i="0" lang="en" sz="1800" u="none" cap="none" strike="noStrike">
+                <a:solidFill>
+                  <a:srgbClr val="555555"/>
+                </a:solidFill>
+                <a:latin typeface="Lato"/>
+                <a:ea typeface="Lato"/>
+                <a:cs typeface="Lato"/>
+                <a:sym typeface="Lato"/>
+              </a:rPr>
+              <a:t>Programming in </a:t>
+            </a:r>
+            <a:r>
+              <a:rPr b="0" lang="en" sz="1800">
+                <a:latin typeface="Lato"/>
+                <a:ea typeface="Lato"/>
+                <a:cs typeface="Lato"/>
+                <a:sym typeface="Lato"/>
+              </a:rPr>
+              <a:t>P</a:t>
+            </a:r>
+            <a:r>
+              <a:rPr b="0" i="0" lang="en" sz="1800" u="none" cap="none" strike="noStrike">
+                <a:solidFill>
+                  <a:srgbClr val="555555"/>
+                </a:solidFill>
+                <a:latin typeface="Lato"/>
+                <a:ea typeface="Lato"/>
+                <a:cs typeface="Lato"/>
+                <a:sym typeface="Lato"/>
+              </a:rPr>
+              <a:t>ython for 10 years</a:t>
+            </a:r>
+            <a:endParaRPr b="0" sz="1800">
+              <a:latin typeface="Lato"/>
+              <a:ea typeface="Lato"/>
+              <a:cs typeface="Lato"/>
+              <a:sym typeface="Lato"/>
+            </a:endParaRPr>
+          </a:p>
+          <a:p>
+            <a:pPr indent="0" lvl="0" marL="0" marR="0" rtl="0" algn="l">
+              <a:lnSpc>
+                <a:spcPct val="100000"/>
+              </a:lnSpc>
+              <a:spcBef>
+                <a:spcPts val="0"/>
+              </a:spcBef>
+              <a:spcAft>
+                <a:spcPts val="0"/>
+              </a:spcAft>
+              <a:buNone/>
+            </a:pPr>
+            <a:r>
+              <a:t/>
+            </a:r>
+            <a:endParaRPr b="0" sz="1800">
+              <a:latin typeface="Lato"/>
+              <a:ea typeface="Lato"/>
+              <a:cs typeface="Lato"/>
+              <a:sym typeface="Lato"/>
+            </a:endParaRPr>
+          </a:p>
+          <a:p>
+            <a:pPr indent="0" lvl="0" marL="0" marR="0" rtl="0" algn="l">
+              <a:lnSpc>
+                <a:spcPct val="100000"/>
+              </a:lnSpc>
+              <a:spcBef>
+                <a:spcPts val="0"/>
+              </a:spcBef>
+              <a:spcAft>
+                <a:spcPts val="0"/>
+              </a:spcAft>
+              <a:buNone/>
+            </a:pPr>
+            <a:r>
+              <a:rPr b="0" lang="en" sz="1800">
+                <a:latin typeface="Lato"/>
+                <a:ea typeface="Lato"/>
+                <a:cs typeface="Lato"/>
+                <a:sym typeface="Lato"/>
+              </a:rPr>
+              <a:t>Created statsmodels, e</a:t>
+            </a:r>
+            <a:r>
+              <a:rPr b="0" i="0" lang="en" sz="1800" u="none" cap="none" strike="noStrike">
+                <a:solidFill>
+                  <a:srgbClr val="555555"/>
+                </a:solidFill>
+                <a:latin typeface="Lato"/>
+                <a:ea typeface="Lato"/>
+                <a:cs typeface="Lato"/>
+                <a:sym typeface="Lato"/>
+              </a:rPr>
+              <a:t>arly pandas core team, and</a:t>
+            </a:r>
+            <a:r>
+              <a:rPr b="0" lang="en" sz="1800">
+                <a:latin typeface="Lato"/>
+                <a:ea typeface="Lato"/>
+                <a:cs typeface="Lato"/>
+                <a:sym typeface="Lato"/>
+              </a:rPr>
+              <a:t> </a:t>
+            </a:r>
+            <a:r>
+              <a:rPr b="0" i="0" lang="en" sz="1800" u="none" cap="none" strike="noStrike">
+                <a:solidFill>
+                  <a:srgbClr val="555555"/>
+                </a:solidFill>
+                <a:latin typeface="Lato"/>
+                <a:ea typeface="Lato"/>
+                <a:cs typeface="Lato"/>
+                <a:sym typeface="Lato"/>
+              </a:rPr>
+              <a:t>contributor to many projects</a:t>
+            </a:r>
+            <a:endParaRPr b="0" i="0" sz="1800" u="none" cap="none" strike="noStrike">
+              <a:solidFill>
+                <a:srgbClr val="555555"/>
+              </a:solidFill>
+              <a:latin typeface="Lato"/>
+              <a:ea typeface="Lato"/>
+              <a:cs typeface="Lato"/>
+              <a:sym typeface="Lato"/>
+            </a:endParaRPr>
+          </a:p>
+          <a:p>
+            <a:pPr indent="0" lvl="0" marL="0" marR="0" rtl="0" algn="l">
+              <a:lnSpc>
+                <a:spcPct val="100000"/>
+              </a:lnSpc>
+              <a:spcBef>
+                <a:spcPts val="600"/>
+              </a:spcBef>
+              <a:spcAft>
+                <a:spcPts val="0"/>
+              </a:spcAft>
+              <a:buNone/>
+            </a:pPr>
+            <a:r>
+              <a:t/>
+            </a:r>
+            <a:endParaRPr b="0" sz="1800">
+              <a:latin typeface="Lato"/>
+              <a:ea typeface="Lato"/>
+              <a:cs typeface="Lato"/>
+              <a:sym typeface="Lato"/>
+            </a:endParaRPr>
+          </a:p>
+          <a:p>
+            <a:pPr indent="0" lvl="0" marL="0" marR="0" rtl="0" algn="l">
+              <a:lnSpc>
+                <a:spcPct val="100000"/>
+              </a:lnSpc>
+              <a:spcBef>
+                <a:spcPts val="600"/>
+              </a:spcBef>
+              <a:spcAft>
+                <a:spcPts val="0"/>
+              </a:spcAft>
+              <a:buClr>
+                <a:schemeClr val="dk2"/>
+              </a:buClr>
+              <a:buSzPts val="1800"/>
+              <a:buFont typeface="Arial"/>
+              <a:buNone/>
+            </a:pPr>
+            <a:r>
+              <a:t/>
+            </a:r>
+            <a:endParaRPr b="0" i="0" sz="1800" u="none" cap="none" strike="noStrike">
+              <a:solidFill>
+                <a:srgbClr val="555555"/>
+              </a:solidFill>
+              <a:latin typeface="Lato"/>
+              <a:ea typeface="Lato"/>
+              <a:cs typeface="Lato"/>
+              <a:sym typeface="Lato"/>
+            </a:endParaRPr>
+          </a:p>
+          <a:p>
+            <a:pPr indent="0" lvl="0" marL="0" marR="0" rtl="0" algn="ctr">
+              <a:lnSpc>
+                <a:spcPct val="100000"/>
+              </a:lnSpc>
+              <a:spcBef>
+                <a:spcPts val="600"/>
+              </a:spcBef>
+              <a:spcAft>
+                <a:spcPts val="0"/>
+              </a:spcAft>
+              <a:buClr>
+                <a:schemeClr val="dk2"/>
+              </a:buClr>
+              <a:buSzPts val="1800"/>
+              <a:buFont typeface="Arial"/>
+              <a:buNone/>
+            </a:pPr>
+            <a:r>
+              <a:t/>
+            </a:r>
+            <a:endParaRPr b="0" i="0" sz="1800" u="none" cap="none" strike="noStrike">
+              <a:solidFill>
+                <a:srgbClr val="555555"/>
+              </a:solidFill>
+              <a:latin typeface="Lato"/>
+              <a:ea typeface="Lato"/>
+              <a:cs typeface="Lato"/>
+              <a:sym typeface="Lato"/>
+            </a:endParaRPr>
+          </a:p>
+        </p:txBody>
+      </p:sp>
+      <p:sp>
+        <p:nvSpPr>
+          <p:cNvPr id="203" name="Shape 203"/>
+          <p:cNvSpPr txBox="1"/>
+          <p:nvPr>
+            <p:ph type="title"/>
+          </p:nvPr>
+        </p:nvSpPr>
+        <p:spPr>
+          <a:xfrm>
+            <a:off x="455475" y="86625"/>
+            <a:ext cx="8216400" cy="610500"/>
+          </a:xfrm>
+          <a:prstGeom prst="rect">
+            <a:avLst/>
+          </a:prstGeom>
+          <a:noFill/>
+          <a:ln>
+            <a:noFill/>
+          </a:ln>
+        </p:spPr>
+        <p:txBody>
+          <a:bodyPr anchorCtr="0" anchor="ctr" bIns="68575" lIns="0" spcFirstLastPara="1" rIns="0" wrap="square" tIns="68575">
+            <a:noAutofit/>
+          </a:bodyPr>
+          <a:lstStyle/>
+          <a:p>
+            <a:pPr indent="0" lvl="0" marL="0" marR="0" rtl="0" algn="l">
+              <a:lnSpc>
+                <a:spcPct val="100000"/>
+              </a:lnSpc>
+              <a:spcBef>
+                <a:spcPts val="0"/>
+              </a:spcBef>
+              <a:spcAft>
+                <a:spcPts val="0"/>
+              </a:spcAft>
+              <a:buClr>
+                <a:schemeClr val="dk1"/>
+              </a:buClr>
+              <a:buSzPts val="2100"/>
+              <a:buFont typeface="Arial"/>
+              <a:buNone/>
+            </a:pPr>
+            <a:r>
+              <a:rPr lang="en" sz="3000">
+                <a:solidFill>
+                  <a:schemeClr val="accent2"/>
+                </a:solidFill>
+                <a:latin typeface="Lato"/>
+                <a:ea typeface="Lato"/>
+                <a:cs typeface="Lato"/>
+                <a:sym typeface="Lato"/>
+              </a:rPr>
+              <a:t>About </a:t>
+            </a:r>
+            <a:r>
+              <a:rPr lang="en">
+                <a:solidFill>
+                  <a:schemeClr val="accent2"/>
+                </a:solidFill>
+              </a:rPr>
+              <a:t>m</a:t>
+            </a:r>
+            <a:r>
+              <a:rPr lang="en" sz="3000">
+                <a:solidFill>
+                  <a:schemeClr val="accent2"/>
+                </a:solidFill>
+                <a:latin typeface="Lato"/>
+                <a:ea typeface="Lato"/>
+                <a:cs typeface="Lato"/>
+                <a:sym typeface="Lato"/>
+              </a:rPr>
+              <a:t>e</a:t>
+            </a:r>
+            <a:endParaRPr i="0" sz="3000" u="none" cap="none" strike="noStrike">
+              <a:solidFill>
+                <a:schemeClr val="accent2"/>
+              </a:solidFill>
+              <a:latin typeface="Lato"/>
+              <a:ea typeface="Lato"/>
+              <a:cs typeface="Lato"/>
+              <a:sym typeface="Lato"/>
+            </a:endParaRPr>
+          </a:p>
+        </p:txBody>
+      </p:sp>
+    </p:spTree>
+  </p:cSld>
+  <p:clrMapOvr>
+    <a:masterClrMapping/>
+  </p:clrMapOvr>
+</p:sld>
+</file>
+
+<file path=ppt/slides/slide3.xml><?xml version="1.0" encoding="utf-8"?>
+<p:sld xmlns:a="http://schemas.openxmlformats.org/drawingml/2006/main" xmlns:r="http://schemas.openxmlformats.org/officeDocument/2006/relationships" xmlns:mc="http://schemas.openxmlformats.org/markup-compatibility/2006" xmlns:mv="urn:schemas-microsoft-com:mac:vml" xmlns:p="http://schemas.openxmlformats.org/presentationml/2006/main" xmlns:c="http://schemas.openxmlformats.org/drawingml/2006/chart" xmlns:dgm="http://schemas.openxmlformats.org/drawingml/2006/diagram" xmlns:o="urn:schemas-microsoft-com:office:office" xmlns:v="urn:schemas-microsoft-com:vml" xmlns:pvml="urn:schemas-microsoft-com:office:powerpoint" xmlns:com="http://schemas.openxmlformats.org/drawingml/2006/compatibility" xmlns:p14="http://schemas.microsoft.com/office/powerpoint/2010/main" xmlns:p15="http://schemas.microsoft.com/office/powerpoint/2012/main">
+  <p:cSld>
+    <p:spTree>
+      <p:nvGrpSpPr>
+        <p:cNvPr id="207" name="Shape 207"/>
+        <p:cNvGrpSpPr/>
+        <p:nvPr/>
+      </p:nvGrpSpPr>
+      <p:grpSpPr>
+        <a:xfrm>
+          <a:off x="0" y="0"/>
+          <a:ext cx="0" cy="0"/>
+          <a:chOff x="0" y="0"/>
+          <a:chExt cx="0" cy="0"/>
+        </a:xfrm>
+      </p:grpSpPr>
+      <p:sp>
+        <p:nvSpPr>
+          <p:cNvPr id="208" name="Shape 208"/>
           <p:cNvSpPr txBox="1"/>
           <p:nvPr>
             <p:ph idx="1" type="body"/>
@@ -24229,68 +24445,20 @@
               <a:buNone/>
             </a:pPr>
             <a:r>
-              <a:rPr i="0" lang="en" sz="1800" u="none" cap="none" strike="noStrike">
-                <a:solidFill>
-                  <a:schemeClr val="accent2"/>
+              <a:rPr b="0" i="0" lang="en" sz="1800" u="none" cap="none" strike="noStrike">
+                <a:solidFill>
+                  <a:schemeClr val="dk1"/>
                 </a:solidFill>
                 <a:latin typeface="Lato"/>
                 <a:ea typeface="Lato"/>
                 <a:cs typeface="Lato"/>
                 <a:sym typeface="Lato"/>
               </a:rPr>
-              <a:t>Assumptions </a:t>
-            </a:r>
-            <a:r>
-              <a:rPr b="0" i="0" lang="en" sz="1800" u="none" cap="none" strike="noStrike">
-                <a:solidFill>
-                  <a:schemeClr val="dk1"/>
-                </a:solidFill>
-                <a:latin typeface="Lato"/>
-                <a:ea typeface="Lato"/>
-                <a:cs typeface="Lato"/>
-                <a:sym typeface="Lato"/>
-              </a:rPr>
-              <a:t>and</a:t>
-            </a:r>
-            <a:r>
-              <a:rPr i="0" lang="en" sz="1800" u="none" cap="none" strike="noStrike">
-                <a:solidFill>
-                  <a:schemeClr val="accent2"/>
-                </a:solidFill>
-                <a:latin typeface="Lato"/>
-                <a:ea typeface="Lato"/>
-                <a:cs typeface="Lato"/>
-                <a:sym typeface="Lato"/>
-              </a:rPr>
-              <a:t> </a:t>
-            </a:r>
-            <a:r>
-              <a:rPr lang="en" sz="1800">
-                <a:solidFill>
-                  <a:schemeClr val="accent2"/>
-                </a:solidFill>
-                <a:latin typeface="Lato"/>
-                <a:ea typeface="Lato"/>
-                <a:cs typeface="Lato"/>
-                <a:sym typeface="Lato"/>
-              </a:rPr>
-              <a:t>p</a:t>
-            </a:r>
-            <a:r>
-              <a:rPr i="0" lang="en" sz="1800" u="none" cap="none" strike="noStrike">
-                <a:solidFill>
-                  <a:schemeClr val="accent2"/>
-                </a:solidFill>
-                <a:latin typeface="Lato"/>
-                <a:ea typeface="Lato"/>
-                <a:cs typeface="Lato"/>
-                <a:sym typeface="Lato"/>
-              </a:rPr>
-              <a:t>rerequisites</a:t>
-            </a:r>
-            <a:endParaRPr i="0" sz="1800" u="none" cap="none" strike="noStrike">
+              <a:t>What are we going to do for 4 (!) hours?</a:t>
+            </a:r>
+            <a:endParaRPr b="0" i="0" sz="1800" u="none" cap="none" strike="noStrike">
               <a:solidFill>
-                <a:schemeClr val="accent2"/>
+                <a:schemeClr val="dk1"/>
               </a:solidFill>
               <a:latin typeface="Lato"/>
               <a:ea typeface="Lato"/>
@@ -24314,7 +24482,7 @@
             <a:r>
               <a:t/>
             </a:r>
-            <a:endParaRPr sz="1800">
+            <a:endParaRPr b="0" sz="1800">
               <a:latin typeface="Lato"/>
               <a:ea typeface="Lato"/>
               <a:cs typeface="Lato"/>
@@ -24327,7 +24495,7 @@
                 <a:spcPct val="100000"/>
               </a:lnSpc>
               <a:spcBef>
-                <a:spcPts val="600"/>
+                <a:spcPts val="0"/>
               </a:spcBef>
               <a:spcAft>
                 <a:spcPts val="0"/>
@@ -24344,22 +24512,19 @@
                 <a:cs typeface="Lato"/>
                 <a:sym typeface="Lato"/>
               </a:rPr>
-              <a:t>Everyone has had s</a:t>
-            </a:r>
-            <a:r>
-              <a:rPr b="0" i="0" lang="en" sz="1800" u="none" cap="none" strike="noStrike">
-                <a:solidFill>
-                  <a:schemeClr val="dk1"/>
-                </a:solidFill>
+              <a:t>This workshop is an</a:t>
+            </a:r>
+            <a:r>
+              <a:rPr b="0" lang="en" sz="1800">
                 <a:latin typeface="Lato"/>
                 <a:ea typeface="Lato"/>
                 <a:cs typeface="Lato"/>
                 <a:sym typeface="Lato"/>
               </a:rPr>
-              <a:t>ome exposure to</a:t>
-            </a:r>
-            <a:r>
-              <a:rPr i="0" lang="en" sz="1800" u="none" cap="none" strike="noStrike">
+              <a:t> </a:t>
+            </a:r>
+            <a:r>
+              <a:rPr lang="en" sz="1800">
                 <a:solidFill>
                   <a:schemeClr val="accent2"/>
                 </a:solidFill>
@@ -24368,10 +24533,10 @@
                 <a:cs typeface="Lato"/>
                 <a:sym typeface="Lato"/>
               </a:rPr>
-              <a:t> programming</a:t>
-            </a:r>
-            <a:r>
-              <a:rPr b="0" i="0" lang="en" sz="1800" u="none" cap="none" strike="noStrike">
+              <a:t>interactive</a:t>
+            </a:r>
+            <a:r>
+              <a:rPr lang="en" sz="1800">
                 <a:solidFill>
                   <a:schemeClr val="dk1"/>
                 </a:solidFill>
@@ -24380,9 +24545,21 @@
                 <a:cs typeface="Lato"/>
                 <a:sym typeface="Lato"/>
               </a:rPr>
-              <a:t>.</a:t>
-            </a:r>
-            <a:endParaRPr b="0" i="0" sz="1800" u="none" cap="none" strike="noStrike">
+              <a:t> </a:t>
+            </a:r>
+            <a:r>
+              <a:rPr b="0" lang="en" sz="1800">
+                <a:solidFill>
+                  <a:schemeClr val="dk1"/>
+                </a:solidFill>
+                <a:latin typeface="Lato"/>
+                <a:ea typeface="Lato"/>
+                <a:cs typeface="Lato"/>
+                <a:sym typeface="Lato"/>
+              </a:rPr>
+              <a:t>introduction to using python and the PyData stack to</a:t>
+            </a:r>
+            <a:endParaRPr b="0" sz="1800">
               <a:solidFill>
                 <a:schemeClr val="dk1"/>
               </a:solidFill>
@@ -24398,7 +24575,7 @@
                 <a:spcPct val="100000"/>
               </a:lnSpc>
               <a:spcBef>
-                <a:spcPts val="600"/>
+                <a:spcPts val="0"/>
               </a:spcBef>
               <a:spcAft>
                 <a:spcPts val="0"/>
@@ -24406,54 +24583,9 @@
               <a:buNone/>
             </a:pPr>
             <a:r>
-              <a:rPr b="0" lang="en" sz="1800">
-                <a:solidFill>
-                  <a:schemeClr val="dk1"/>
-                </a:solidFill>
-                <a:latin typeface="Lato"/>
-                <a:ea typeface="Lato"/>
-                <a:cs typeface="Lato"/>
-                <a:sym typeface="Lato"/>
-              </a:rPr>
-              <a:t>Everyone has had s</a:t>
-            </a:r>
-            <a:r>
-              <a:rPr b="0" i="0" lang="en" sz="1800" u="none" cap="none" strike="noStrike">
-                <a:solidFill>
-                  <a:schemeClr val="dk1"/>
-                </a:solidFill>
-                <a:latin typeface="Lato"/>
-                <a:ea typeface="Lato"/>
-                <a:cs typeface="Lato"/>
-                <a:sym typeface="Lato"/>
-              </a:rPr>
-              <a:t>ome exposure to </a:t>
-            </a:r>
-            <a:r>
-              <a:rPr i="0" lang="en" sz="1800" u="none" cap="none" strike="noStrike">
-                <a:solidFill>
-                  <a:schemeClr val="accent2"/>
-                </a:solidFill>
-                <a:latin typeface="Lato"/>
-                <a:ea typeface="Lato"/>
-                <a:cs typeface="Lato"/>
-                <a:sym typeface="Lato"/>
-              </a:rPr>
-              <a:t>Python basics</a:t>
-            </a:r>
-            <a:r>
-              <a:rPr b="0" i="0" lang="en" sz="1800" u="none" cap="none" strike="noStrike">
-                <a:solidFill>
-                  <a:schemeClr val="dk1"/>
-                </a:solidFill>
-                <a:latin typeface="Lato"/>
-                <a:ea typeface="Lato"/>
-                <a:cs typeface="Lato"/>
-                <a:sym typeface="Lato"/>
-              </a:rPr>
-              <a:t>.</a:t>
-            </a:r>
-            <a:endParaRPr b="0" i="0" sz="1800" u="none" cap="none" strike="noStrike">
+              <a:t/>
+            </a:r>
+            <a:endParaRPr b="0" sz="1800">
               <a:solidFill>
                 <a:schemeClr val="dk1"/>
               </a:solidFill>
@@ -24464,17 +24596,25 @@
             </a:endParaRPr>
           </a:p>
           <a:p>
-            <a:pPr indent="0" lvl="0" marL="0" rtl="0">
+            <a:pPr indent="-342900" lvl="0" marL="914400" marR="0" rtl="0" algn="l">
+              <a:lnSpc>
+                <a:spcPct val="100000"/>
+              </a:lnSpc>
               <a:spcBef>
                 <a:spcPts val="600"/>
               </a:spcBef>
               <a:spcAft>
                 <a:spcPts val="0"/>
               </a:spcAft>
-              <a:buNone/>
+              <a:buClr>
+                <a:schemeClr val="dk1"/>
+              </a:buClr>
+              <a:buSzPts val="1800"/>
+              <a:buFont typeface="Lato"/>
+              <a:buChar char="●"/>
             </a:pPr>
             <a:r>
-              <a:rPr b="0" lang="en" sz="1800">
+              <a:rPr b="0" i="0" lang="en" sz="1800" u="none" cap="none" strike="noStrike">
                 <a:solidFill>
                   <a:schemeClr val="dk1"/>
                 </a:solidFill>
@@ -24483,19 +24623,47 @@
                 <a:cs typeface="Lato"/>
                 <a:sym typeface="Lato"/>
               </a:rPr>
-              <a:t>Everyone has had some exposure to </a:t>
-            </a:r>
-            <a:r>
-              <a:rPr lang="en" sz="1800">
-                <a:solidFill>
-                  <a:schemeClr val="accent2"/>
+              <a:t>Read data</a:t>
+            </a:r>
+            <a:endParaRPr b="0" sz="1800">
+              <a:solidFill>
+                <a:schemeClr val="dk1"/>
+              </a:solidFill>
+              <a:latin typeface="Lato"/>
+              <a:ea typeface="Lato"/>
+              <a:cs typeface="Lato"/>
+              <a:sym typeface="Lato"/>
+            </a:endParaRPr>
+          </a:p>
+          <a:p>
+            <a:pPr indent="-342900" lvl="0" marL="914400" marR="0" rtl="0" algn="l">
+              <a:lnSpc>
+                <a:spcPct val="100000"/>
+              </a:lnSpc>
+              <a:spcBef>
+                <a:spcPts val="0"/>
+              </a:spcBef>
+              <a:spcAft>
+                <a:spcPts val="0"/>
+              </a:spcAft>
+              <a:buClr>
+                <a:schemeClr val="dk1"/>
+              </a:buClr>
+              <a:buSzPts val="1800"/>
+              <a:buFont typeface="Lato"/>
+              <a:buChar char="●"/>
+            </a:pPr>
+            <a:r>
+              <a:rPr b="0" i="0" lang="en" sz="1800" u="none" cap="none" strike="noStrike">
+                <a:solidFill>
+                  <a:schemeClr val="dk1"/>
                 </a:solidFill>
                 <a:latin typeface="Lato"/>
                 <a:ea typeface="Lato"/>
                 <a:cs typeface="Lato"/>
                 <a:sym typeface="Lato"/>
               </a:rPr>
-              <a:t>data science</a:t>
+              <a:t>Mung</a:t>
             </a:r>
             <a:r>
               <a:rPr b="0" lang="en" sz="1800">
@@ -24507,19 +24675,19 @@
                 <a:cs typeface="Lato"/>
                 <a:sym typeface="Lato"/>
               </a:rPr>
-              <a:t> and </a:t>
-            </a:r>
-            <a:r>
-              <a:rPr lang="en" sz="1800">
-                <a:solidFill>
-                  <a:schemeClr val="accent2"/>
+              <a:t>e</a:t>
+            </a:r>
+            <a:r>
+              <a:rPr b="0" i="0" lang="en" sz="1800" u="none" cap="none" strike="noStrike">
+                <a:solidFill>
+                  <a:schemeClr val="dk1"/>
                 </a:solidFill>
                 <a:latin typeface="Lato"/>
                 <a:ea typeface="Lato"/>
                 <a:cs typeface="Lato"/>
                 <a:sym typeface="Lato"/>
               </a:rPr>
-              <a:t>methods</a:t>
+              <a:t> data with </a:t>
             </a:r>
             <a:r>
               <a:rPr b="0" lang="en" sz="1800">
@@ -24531,7 +24699,259 @@
                 <a:cs typeface="Lato"/>
                 <a:sym typeface="Lato"/>
               </a:rPr>
-              <a:t>.</a:t>
+              <a:t>p</a:t>
+            </a:r>
+            <a:r>
+              <a:rPr b="0" i="0" lang="en" sz="1800" u="none" cap="none" strike="noStrike">
+                <a:solidFill>
+                  <a:schemeClr val="dk1"/>
+                </a:solidFill>
+                <a:latin typeface="Lato"/>
+                <a:ea typeface="Lato"/>
+                <a:cs typeface="Lato"/>
+                <a:sym typeface="Lato"/>
+              </a:rPr>
+              <a:t>andas</a:t>
+            </a:r>
+            <a:endParaRPr b="0" sz="1100">
+              <a:solidFill>
+                <a:schemeClr val="dk1"/>
+              </a:solidFill>
+              <a:latin typeface="Lato"/>
+              <a:ea typeface="Lato"/>
+              <a:cs typeface="Lato"/>
+              <a:sym typeface="Lato"/>
+            </a:endParaRPr>
+          </a:p>
+          <a:p>
+            <a:pPr indent="-342900" lvl="0" marL="914400" marR="0" rtl="0" algn="l">
+              <a:lnSpc>
+                <a:spcPct val="100000"/>
+              </a:lnSpc>
+              <a:spcBef>
+                <a:spcPts val="0"/>
+              </a:spcBef>
+              <a:spcAft>
+                <a:spcPts val="0"/>
+              </a:spcAft>
+              <a:buClr>
+                <a:schemeClr val="dk1"/>
+              </a:buClr>
+              <a:buSzPts val="1800"/>
+              <a:buFont typeface="Lato"/>
+              <a:buChar char="●"/>
+            </a:pPr>
+            <a:r>
+              <a:rPr b="0" i="0" lang="en" sz="1800" u="none" cap="none" strike="noStrike">
+                <a:solidFill>
+                  <a:schemeClr val="dk1"/>
+                </a:solidFill>
+                <a:latin typeface="Lato"/>
+                <a:ea typeface="Lato"/>
+                <a:cs typeface="Lato"/>
+                <a:sym typeface="Lato"/>
+              </a:rPr>
+              <a:t>Explor</a:t>
+            </a:r>
+            <a:r>
+              <a:rPr b="0" lang="en" sz="1800">
+                <a:solidFill>
+                  <a:schemeClr val="dk1"/>
+                </a:solidFill>
+                <a:latin typeface="Lato"/>
+                <a:ea typeface="Lato"/>
+                <a:cs typeface="Lato"/>
+                <a:sym typeface="Lato"/>
+              </a:rPr>
+              <a:t>e</a:t>
+            </a:r>
+            <a:r>
+              <a:rPr b="0" i="0" lang="en" sz="1800" u="none" cap="none" strike="noStrike">
+                <a:solidFill>
+                  <a:schemeClr val="dk1"/>
+                </a:solidFill>
+                <a:latin typeface="Lato"/>
+                <a:ea typeface="Lato"/>
+                <a:cs typeface="Lato"/>
+                <a:sym typeface="Lato"/>
+              </a:rPr>
+              <a:t> data with </a:t>
+            </a:r>
+            <a:r>
+              <a:rPr b="0" lang="en" sz="1800">
+                <a:solidFill>
+                  <a:schemeClr val="dk1"/>
+                </a:solidFill>
+                <a:latin typeface="Lato"/>
+                <a:ea typeface="Lato"/>
+                <a:cs typeface="Lato"/>
+                <a:sym typeface="Lato"/>
+              </a:rPr>
+              <a:t>p</a:t>
+            </a:r>
+            <a:r>
+              <a:rPr b="0" i="0" lang="en" sz="1800" u="none" cap="none" strike="noStrike">
+                <a:solidFill>
+                  <a:schemeClr val="dk1"/>
+                </a:solidFill>
+                <a:latin typeface="Lato"/>
+                <a:ea typeface="Lato"/>
+                <a:cs typeface="Lato"/>
+                <a:sym typeface="Lato"/>
+              </a:rPr>
+              <a:t>andas</a:t>
+            </a:r>
+            <a:endParaRPr b="0" sz="1100">
+              <a:solidFill>
+                <a:schemeClr val="dk1"/>
+              </a:solidFill>
+              <a:latin typeface="Lato"/>
+              <a:ea typeface="Lato"/>
+              <a:cs typeface="Lato"/>
+              <a:sym typeface="Lato"/>
+            </a:endParaRPr>
+          </a:p>
+          <a:p>
+            <a:pPr indent="-342900" lvl="0" marL="914400" marR="0" rtl="0" algn="l">
+              <a:lnSpc>
+                <a:spcPct val="100000"/>
+              </a:lnSpc>
+              <a:spcBef>
+                <a:spcPts val="0"/>
+              </a:spcBef>
+              <a:spcAft>
+                <a:spcPts val="0"/>
+              </a:spcAft>
+              <a:buClr>
+                <a:schemeClr val="dk1"/>
+              </a:buClr>
+              <a:buSzPts val="1800"/>
+              <a:buFont typeface="Lato"/>
+              <a:buChar char="●"/>
+            </a:pPr>
+            <a:r>
+              <a:rPr b="0" i="0" lang="en" sz="1800" u="none" cap="none" strike="noStrike">
+                <a:solidFill>
+                  <a:schemeClr val="dk1"/>
+                </a:solidFill>
+                <a:latin typeface="Lato"/>
+                <a:ea typeface="Lato"/>
+                <a:cs typeface="Lato"/>
+                <a:sym typeface="Lato"/>
+              </a:rPr>
+              <a:t>Introduc</a:t>
+            </a:r>
+            <a:r>
+              <a:rPr b="0" lang="en" sz="1800">
+                <a:solidFill>
+                  <a:schemeClr val="dk1"/>
+                </a:solidFill>
+                <a:latin typeface="Lato"/>
+                <a:ea typeface="Lato"/>
+                <a:cs typeface="Lato"/>
+                <a:sym typeface="Lato"/>
+              </a:rPr>
+              <a:t>e</a:t>
+            </a:r>
+            <a:r>
+              <a:rPr b="0" i="0" lang="en" sz="1800" u="none" cap="none" strike="noStrike">
+                <a:solidFill>
+                  <a:schemeClr val="dk1"/>
+                </a:solidFill>
+                <a:latin typeface="Lato"/>
+                <a:ea typeface="Lato"/>
+                <a:cs typeface="Lato"/>
+                <a:sym typeface="Lato"/>
+              </a:rPr>
+              <a:t> plotting in </a:t>
+            </a:r>
+            <a:r>
+              <a:rPr b="0" lang="en" sz="1800">
+                <a:solidFill>
+                  <a:schemeClr val="dk1"/>
+                </a:solidFill>
+                <a:latin typeface="Lato"/>
+                <a:ea typeface="Lato"/>
+                <a:cs typeface="Lato"/>
+                <a:sym typeface="Lato"/>
+              </a:rPr>
+              <a:t>p</a:t>
+            </a:r>
+            <a:r>
+              <a:rPr b="0" i="0" lang="en" sz="1800" u="none" cap="none" strike="noStrike">
+                <a:solidFill>
+                  <a:schemeClr val="dk1"/>
+                </a:solidFill>
+                <a:latin typeface="Lato"/>
+                <a:ea typeface="Lato"/>
+                <a:cs typeface="Lato"/>
+                <a:sym typeface="Lato"/>
+              </a:rPr>
+              <a:t>ython</a:t>
+            </a:r>
+            <a:endParaRPr b="0" sz="1100">
+              <a:solidFill>
+                <a:schemeClr val="dk1"/>
+              </a:solidFill>
+              <a:latin typeface="Lato"/>
+              <a:ea typeface="Lato"/>
+              <a:cs typeface="Lato"/>
+              <a:sym typeface="Lato"/>
+            </a:endParaRPr>
+          </a:p>
+          <a:p>
+            <a:pPr indent="-342900" lvl="0" marL="914400" marR="0" rtl="0" algn="l">
+              <a:lnSpc>
+                <a:spcPct val="100000"/>
+              </a:lnSpc>
+              <a:spcBef>
+                <a:spcPts val="0"/>
+              </a:spcBef>
+              <a:spcAft>
+                <a:spcPts val="0"/>
+              </a:spcAft>
+              <a:buClr>
+                <a:schemeClr val="dk1"/>
+              </a:buClr>
+              <a:buSzPts val="1800"/>
+              <a:buFont typeface="Lato"/>
+              <a:buChar char="●"/>
+            </a:pPr>
+            <a:r>
+              <a:rPr b="0" lang="en" sz="1800">
+                <a:solidFill>
+                  <a:schemeClr val="dk1"/>
+                </a:solidFill>
+                <a:latin typeface="Lato"/>
+                <a:ea typeface="Lato"/>
+                <a:cs typeface="Lato"/>
+                <a:sym typeface="Lato"/>
+              </a:rPr>
+              <a:t>Introduce </a:t>
+            </a:r>
+            <a:r>
+              <a:rPr b="0" i="0" lang="en" sz="1800" u="none" cap="none" strike="noStrike">
+                <a:solidFill>
+                  <a:schemeClr val="dk1"/>
+                </a:solidFill>
+                <a:latin typeface="Lato"/>
+                <a:ea typeface="Lato"/>
+                <a:cs typeface="Lato"/>
+                <a:sym typeface="Lato"/>
+              </a:rPr>
+              <a:t>scikit-learn </a:t>
+            </a:r>
+            <a:r>
+              <a:rPr b="0" lang="en" sz="1800">
+                <a:solidFill>
+                  <a:schemeClr val="dk1"/>
+                </a:solidFill>
+                <a:latin typeface="Lato"/>
+                <a:ea typeface="Lato"/>
+                <a:cs typeface="Lato"/>
+                <a:sym typeface="Lato"/>
+              </a:rPr>
+              <a:t>for machine learning</a:t>
             </a:r>
             <a:endParaRPr b="0" sz="1800">
               <a:solidFill>
@@ -24583,45 +25003,19 @@
               <a:buNone/>
             </a:pPr>
             <a:r>
-              <a:t/>
-            </a:r>
-            <a:endParaRPr sz="1800">
-              <a:solidFill>
-                <a:schemeClr val="dk1"/>
-              </a:solidFill>
-              <a:latin typeface="Lato"/>
-              <a:ea typeface="Lato"/>
-              <a:cs typeface="Lato"/>
-              <a:sym typeface="Lato"/>
-            </a:endParaRPr>
-          </a:p>
-          <a:p>
-            <a:pPr indent="0" lvl="0" marL="0" marR="0" rtl="0" algn="l">
-              <a:lnSpc>
-                <a:spcPct val="100000"/>
-              </a:lnSpc>
-              <a:spcBef>
-                <a:spcPts val="600"/>
-              </a:spcBef>
-              <a:spcAft>
-                <a:spcPts val="0"/>
-              </a:spcAft>
-              <a:buNone/>
-            </a:pPr>
-            <a:r>
-              <a:rPr i="0" lang="en" sz="1800" u="none" cap="none" strike="noStrike">
-                <a:solidFill>
-                  <a:schemeClr val="accent2"/>
+              <a:rPr b="0" i="0" lang="en" sz="1800" u="none" cap="none" strike="noStrike">
+                <a:solidFill>
+                  <a:schemeClr val="dk1"/>
                 </a:solidFill>
                 <a:latin typeface="Lato"/>
                 <a:ea typeface="Lato"/>
                 <a:cs typeface="Lato"/>
                 <a:sym typeface="Lato"/>
               </a:rPr>
-              <a:t>Feel free to stop me and ask questions through</a:t>
-            </a:r>
-            <a:r>
-              <a:rPr lang="en" sz="1800">
+              <a:t>By the end of the workshop, you will be able to write your own </a:t>
+            </a:r>
+            <a:r>
+              <a:rPr i="0" lang="en" sz="1800" u="none" cap="none" strike="noStrike">
                 <a:solidFill>
                   <a:schemeClr val="accent2"/>
                 </a:solidFill>
@@ -24630,11 +25024,23 @@
                 <a:cs typeface="Lato"/>
                 <a:sym typeface="Lato"/>
               </a:rPr>
-              <a:t>out.</a:t>
-            </a:r>
-            <a:endParaRPr sz="1100">
+              <a:t>well-structured, idiomatic Python code</a:t>
+            </a:r>
+            <a:r>
+              <a:rPr b="0" i="0" lang="en" sz="1800" u="none" cap="none" strike="noStrike">
+                <a:solidFill>
+                  <a:schemeClr val="dk1"/>
+                </a:solidFill>
+                <a:latin typeface="Lato"/>
+                <a:ea typeface="Lato"/>
+                <a:cs typeface="Lato"/>
+                <a:sym typeface="Lato"/>
+              </a:rPr>
+              <a:t> for data science.</a:t>
+            </a:r>
+            <a:endParaRPr b="0" i="0" sz="1800" u="none" cap="none" strike="noStrike">
               <a:solidFill>
-                <a:schemeClr val="accent2"/>
+                <a:schemeClr val="dk1"/>
               </a:solidFill>
               <a:latin typeface="Lato"/>
               <a:ea typeface="Lato"/>
@@ -24646,7 +25052,7 @@
       </p:sp>
       <p:sp>
         <p:nvSpPr>
-          <p:cNvPr id="256" name="Shape 256"/>
+          <p:cNvPr id="209" name="Shape 209"/>
           <p:cNvSpPr txBox="1"/>
           <p:nvPr>
             <p:ph type="title"/>
@@ -24694,55 +25100,7 @@
                   <a:schemeClr val="accent2"/>
                 </a:solidFill>
               </a:rPr>
-              <a:t>Before </a:t>
-            </a:r>
-            <a:r>
-              <a:rPr lang="en">
-                <a:solidFill>
-                  <a:schemeClr val="accent2"/>
-                </a:solidFill>
-              </a:rPr>
-              <a:t>w</a:t>
-            </a:r>
-            <a:r>
-              <a:rPr i="0" lang="en" u="none" cap="none" strike="noStrike">
-                <a:solidFill>
-                  <a:schemeClr val="accent2"/>
-                </a:solidFill>
-              </a:rPr>
-              <a:t>e </a:t>
-            </a:r>
-            <a:r>
-              <a:rPr lang="en">
-                <a:solidFill>
-                  <a:schemeClr val="accent2"/>
-                </a:solidFill>
-              </a:rPr>
-              <a:t>g</a:t>
-            </a:r>
-            <a:r>
-              <a:rPr i="0" lang="en" u="none" cap="none" strike="noStrike">
-                <a:solidFill>
-                  <a:schemeClr val="accent2"/>
-                </a:solidFill>
-              </a:rPr>
-              <a:t>et </a:t>
-            </a:r>
-            <a:r>
-              <a:rPr lang="en">
-                <a:solidFill>
-                  <a:schemeClr val="accent2"/>
-                </a:solidFill>
-              </a:rPr>
-              <a:t>s</a:t>
-            </a:r>
-            <a:r>
-              <a:rPr i="0" lang="en" u="none" cap="none" strike="noStrike">
-                <a:solidFill>
-                  <a:schemeClr val="accent2"/>
-                </a:solidFill>
-              </a:rPr>
-              <a:t>tarted</a:t>
+              <a:t>Agenda</a:t>
             </a:r>
             <a:endParaRPr i="0" u="none" cap="none" strike="noStrike">
               <a:solidFill>
@@ -24760,27 +25118,12 @@
 </p:sld>
 </file>
 
-<file path=ppt/slides/slide2.xml><?xml version="1.0" encoding="utf-8"?>
+<file path=ppt/slides/slide4.xml><?xml version="1.0" encoding="utf-8"?>
 <p:sld xmlns:a="http://schemas.openxmlformats.org/drawingml/2006/main" xmlns:r="http://schemas.openxmlformats.org/officeDocument/2006/relationships" xmlns:mc="http://schemas.openxmlformats.org/markup-compatibility/2006" xmlns:mv="urn:schemas-microsoft-com:mac:vml" xmlns:p="http://schemas.openxmlformats.org/presentationml/2006/main" xmlns:c="http://schemas.openxmlformats.org/drawingml/2006/chart" xmlns:dgm="http://schemas.openxmlformats.org/drawingml/2006/diagram" xmlns:o="urn:schemas-microsoft-com:office:office" xmlns:v="urn:schemas-microsoft-com:vml" xmlns:pvml="urn:schemas-microsoft-com:office:powerpoint" xmlns:com="http://schemas.openxmlformats.org/drawingml/2006/compatibility" xmlns:p14="http://schemas.microsoft.com/office/powerpoint/2010/main" xmlns:p15="http://schemas.microsoft.com/office/powerpoint/2012/main">
   <p:cSld>
-    <p:bg>
-      <p:bgPr>
-        <a:gradFill>
-          <a:gsLst>
-            <a:gs pos="0">
-              <a:srgbClr val="18B9FE"/>
-            </a:gs>
-            <a:gs pos="100000">
-              <a:srgbClr val="06658D"/>
-            </a:gs>
-          </a:gsLst>
-          <a:lin ang="5400012" scaled="0"/>
-        </a:gradFill>
-      </p:bgPr>
-    </p:bg>
     <p:spTree>
       <p:nvGrpSpPr>
-        <p:cNvPr id="206" name="Shape 206"/>
+        <p:cNvPr id="213" name="Shape 213"/>
         <p:cNvGrpSpPr/>
         <p:nvPr/>
       </p:nvGrpSpPr>
@@ -24794,309 +25137,7 @@
       </p:grpSpPr>
       <p:sp>
         <p:nvSpPr>
-          <p:cNvPr id="207" name="Shape 207"/>
-          <p:cNvSpPr txBox="1"/>
-          <p:nvPr>
-            <p:ph type="ctrTitle"/>
-          </p:nvPr>
-        </p:nvSpPr>
-        <p:spPr>
-          <a:xfrm>
-            <a:off x="311708" y="744575"/>
-            <a:ext cx="8520600" cy="2052450"/>
-          </a:xfrm>
-          <a:prstGeom prst="rect">
-            <a:avLst/>
-          </a:prstGeom>
-          <a:noFill/>
-          <a:ln>
-            <a:noFill/>
-          </a:ln>
-        </p:spPr>
-        <p:txBody>
-          <a:bodyPr anchorCtr="0" anchor="b" bIns="68575" lIns="68575" spcFirstLastPara="1" rIns="68575" wrap="square" tIns="68575">
-            <a:noAutofit/>
-          </a:bodyPr>
-          <a:lstStyle/>
-          <a:p>
-            <a:pPr indent="0" lvl="0" marL="0" marR="0" rtl="0" algn="l">
-              <a:lnSpc>
-                <a:spcPct val="100000"/>
-              </a:lnSpc>
-              <a:spcBef>
-                <a:spcPts val="0"/>
-              </a:spcBef>
-              <a:spcAft>
-                <a:spcPts val="0"/>
-              </a:spcAft>
-              <a:buClr>
-                <a:schemeClr val="dk1"/>
-              </a:buClr>
-              <a:buSzPts val="3800"/>
-              <a:buFont typeface="Arial"/>
-              <a:buNone/>
-            </a:pPr>
-            <a:r>
-              <a:rPr b="1" i="0" lang="en" sz="3800" u="none" cap="none" strike="noStrike">
-                <a:solidFill>
-                  <a:schemeClr val="lt1"/>
-                </a:solidFill>
-                <a:latin typeface="Lato"/>
-                <a:ea typeface="Lato"/>
-                <a:cs typeface="Lato"/>
-                <a:sym typeface="Lato"/>
-              </a:rPr>
-              <a:t>Introduction to Python for </a:t>
-            </a:r>
-            <a:br>
-              <a:rPr b="1" i="0" lang="en" sz="3800" u="none" cap="none" strike="noStrike">
-                <a:solidFill>
-                  <a:schemeClr val="lt1"/>
-                </a:solidFill>
-                <a:latin typeface="Lato"/>
-                <a:ea typeface="Lato"/>
-                <a:cs typeface="Lato"/>
-                <a:sym typeface="Lato"/>
-              </a:rPr>
-            </a:br>
-            <a:r>
-              <a:rPr b="1" i="0" lang="en" sz="3800" u="none" cap="none" strike="noStrike">
-                <a:solidFill>
-                  <a:schemeClr val="lt1"/>
-                </a:solidFill>
-                <a:latin typeface="Lato"/>
-                <a:ea typeface="Lato"/>
-                <a:cs typeface="Lato"/>
-                <a:sym typeface="Lato"/>
-              </a:rPr>
-              <a:t>Data Science</a:t>
-            </a:r>
-            <a:endParaRPr b="1" i="0" sz="3800" u="none" cap="none" strike="noStrike">
-              <a:solidFill>
-                <a:schemeClr val="lt1"/>
-              </a:solidFill>
-              <a:latin typeface="Lato"/>
-              <a:ea typeface="Lato"/>
-              <a:cs typeface="Lato"/>
-              <a:sym typeface="Lato"/>
-            </a:endParaRPr>
-          </a:p>
-          <a:p>
-            <a:pPr indent="0" lvl="0" marL="0" rtl="0">
-              <a:spcBef>
-                <a:spcPts val="600"/>
-              </a:spcBef>
-              <a:spcAft>
-                <a:spcPts val="0"/>
-              </a:spcAft>
-              <a:buClr>
-                <a:schemeClr val="dk2"/>
-              </a:buClr>
-              <a:buSzPts val="1800"/>
-              <a:buFont typeface="Arial"/>
-              <a:buNone/>
-            </a:pPr>
-            <a:r>
-              <a:rPr b="1" lang="en" sz="2100" u="sng">
-                <a:solidFill>
-                  <a:schemeClr val="accent1"/>
-                </a:solidFill>
-                <a:latin typeface="Lato"/>
-                <a:ea typeface="Lato"/>
-                <a:cs typeface="Lato"/>
-                <a:sym typeface="Lato"/>
-                <a:hlinkClick r:id="rId3"/>
-              </a:rPr>
-              <a:t>https://github.com/jseabold/odsc-east-python-2018</a:t>
-            </a:r>
-            <a:endParaRPr b="1" sz="2100">
-              <a:solidFill>
-                <a:schemeClr val="accent1"/>
-              </a:solidFill>
-              <a:latin typeface="Lato"/>
-              <a:ea typeface="Lato"/>
-              <a:cs typeface="Lato"/>
-              <a:sym typeface="Lato"/>
-            </a:endParaRPr>
-          </a:p>
-        </p:txBody>
-      </p:sp>
-      <p:sp>
-        <p:nvSpPr>
-          <p:cNvPr id="208" name="Shape 208"/>
-          <p:cNvSpPr txBox="1"/>
-          <p:nvPr>
-            <p:ph idx="1" type="subTitle"/>
-          </p:nvPr>
-        </p:nvSpPr>
-        <p:spPr>
-          <a:xfrm>
-            <a:off x="311700" y="2834125"/>
-            <a:ext cx="8520600" cy="792600"/>
-          </a:xfrm>
-          <a:prstGeom prst="rect">
-            <a:avLst/>
-          </a:prstGeom>
-        </p:spPr>
-        <p:txBody>
-          <a:bodyPr anchorCtr="0" anchor="t" bIns="68575" lIns="68575" spcFirstLastPara="1" rIns="68575" wrap="square" tIns="68575">
-            <a:noAutofit/>
-          </a:bodyPr>
-          <a:lstStyle/>
-          <a:p>
-            <a:pPr indent="0" lvl="0" marL="0" rtl="0">
-              <a:spcBef>
-                <a:spcPts val="0"/>
-              </a:spcBef>
-              <a:spcAft>
-                <a:spcPts val="0"/>
-              </a:spcAft>
-              <a:buClr>
-                <a:schemeClr val="dk2"/>
-              </a:buClr>
-              <a:buSzPts val="2100"/>
-              <a:buFont typeface="Arial"/>
-              <a:buNone/>
-            </a:pPr>
-            <a:r>
-              <a:rPr lang="en">
-                <a:latin typeface="Lato"/>
-                <a:ea typeface="Lato"/>
-                <a:cs typeface="Lato"/>
-                <a:sym typeface="Lato"/>
-              </a:rPr>
-              <a:t>5/1/2018</a:t>
-            </a:r>
-            <a:endParaRPr>
-              <a:latin typeface="Lato"/>
-              <a:ea typeface="Lato"/>
-              <a:cs typeface="Lato"/>
-              <a:sym typeface="Lato"/>
-            </a:endParaRPr>
-          </a:p>
-          <a:p>
-            <a:pPr indent="0" lvl="0" marL="0" rtl="0">
-              <a:spcBef>
-                <a:spcPts val="0"/>
-              </a:spcBef>
-              <a:spcAft>
-                <a:spcPts val="0"/>
-              </a:spcAft>
-              <a:buClr>
-                <a:schemeClr val="dk2"/>
-              </a:buClr>
-              <a:buSzPts val="2100"/>
-              <a:buFont typeface="Arial"/>
-              <a:buNone/>
-            </a:pPr>
-            <a:r>
-              <a:rPr lang="en" u="none">
-                <a:solidFill>
-                  <a:schemeClr val="lt1"/>
-                </a:solidFill>
-                <a:latin typeface="Lato"/>
-                <a:ea typeface="Lato"/>
-                <a:cs typeface="Lato"/>
-                <a:sym typeface="Lato"/>
-              </a:rPr>
-              <a:t>Skipper Seabold</a:t>
-            </a:r>
-            <a:r>
-              <a:rPr lang="en">
-                <a:latin typeface="Lato"/>
-                <a:ea typeface="Lato"/>
-                <a:cs typeface="Lato"/>
-                <a:sym typeface="Lato"/>
-              </a:rPr>
-              <a:t>, </a:t>
-            </a:r>
-            <a:r>
-              <a:rPr lang="en" u="none">
-                <a:solidFill>
-                  <a:schemeClr val="lt1"/>
-                </a:solidFill>
-                <a:latin typeface="Lato"/>
-                <a:ea typeface="Lato"/>
-                <a:cs typeface="Lato"/>
-                <a:sym typeface="Lato"/>
-              </a:rPr>
-              <a:t>Director of Data Science, Civis Analytics</a:t>
-            </a:r>
-            <a:endParaRPr>
-              <a:latin typeface="Lato"/>
-              <a:ea typeface="Lato"/>
-              <a:cs typeface="Lato"/>
-              <a:sym typeface="Lato"/>
-            </a:endParaRPr>
-          </a:p>
-          <a:p>
-            <a:pPr indent="0" lvl="0" marL="0" rtl="0">
-              <a:spcBef>
-                <a:spcPts val="0"/>
-              </a:spcBef>
-              <a:spcAft>
-                <a:spcPts val="0"/>
-              </a:spcAft>
-              <a:buClr>
-                <a:schemeClr val="dk2"/>
-              </a:buClr>
-              <a:buSzPts val="2100"/>
-              <a:buFont typeface="Arial"/>
-              <a:buNone/>
-            </a:pPr>
-            <a:r>
-              <a:rPr lang="en" u="sng">
-                <a:solidFill>
-                  <a:schemeClr val="accent1"/>
-                </a:solidFill>
-                <a:latin typeface="Lato"/>
-                <a:ea typeface="Lato"/>
-                <a:cs typeface="Lato"/>
-                <a:sym typeface="Lato"/>
-                <a:hlinkClick r:id="rId4"/>
-              </a:rPr>
-              <a:t>@jseabold</a:t>
-            </a:r>
-            <a:endParaRPr u="none">
-              <a:solidFill>
-                <a:schemeClr val="accent1"/>
-              </a:solidFill>
-              <a:latin typeface="Lato"/>
-              <a:ea typeface="Lato"/>
-              <a:cs typeface="Lato"/>
-              <a:sym typeface="Lato"/>
-            </a:endParaRPr>
-          </a:p>
-        </p:txBody>
-      </p:sp>
-    </p:spTree>
-  </p:cSld>
-  <p:clrMapOvr>
-    <a:masterClrMapping/>
-  </p:clrMapOvr>
-</p:sld>
-</file>
-
-<file path=ppt/slides/slide3.xml><?xml version="1.0" encoding="utf-8"?>
-<p:sld xmlns:a="http://schemas.openxmlformats.org/drawingml/2006/main" xmlns:r="http://schemas.openxmlformats.org/officeDocument/2006/relationships" xmlns:mc="http://schemas.openxmlformats.org/markup-compatibility/2006" xmlns:mv="urn:schemas-microsoft-com:mac:vml" xmlns:p="http://schemas.openxmlformats.org/presentationml/2006/main" xmlns:c="http://schemas.openxmlformats.org/drawingml/2006/chart" xmlns:dgm="http://schemas.openxmlformats.org/drawingml/2006/diagram" xmlns:o="urn:schemas-microsoft-com:office:office" xmlns:v="urn:schemas-microsoft-com:vml" xmlns:pvml="urn:schemas-microsoft-com:office:powerpoint" xmlns:com="http://schemas.openxmlformats.org/drawingml/2006/compatibility" xmlns:p14="http://schemas.microsoft.com/office/powerpoint/2010/main" xmlns:p15="http://schemas.microsoft.com/office/powerpoint/2012/main">
-  <p:cSld>
-    <p:spTree>
-      <p:nvGrpSpPr>
-        <p:cNvPr id="212" name="Shape 212"/>
-        <p:cNvGrpSpPr/>
-        <p:nvPr/>
-      </p:nvGrpSpPr>
-      <p:grpSpPr>
-        <a:xfrm>
-          <a:off x="0" y="0"/>
-          <a:ext cx="0" cy="0"/>
-          <a:chOff x="0" y="0"/>
-          <a:chExt cx="0" cy="0"/>
-        </a:xfrm>
-      </p:grpSpPr>
-      <p:sp>
-        <p:nvSpPr>
-          <p:cNvPr id="213" name="Shape 213"/>
+          <p:cNvPr id="214" name="Shape 214"/>
           <p:cNvSpPr txBox="1"/>
           <p:nvPr>
             <p:ph idx="1" type="body"/>
@@ -25121,7 +25162,10 @@
           </a:bodyPr>
           <a:lstStyle/>
           <a:p>
-            <a:pPr indent="0" lvl="0" marL="0" rtl="0">
+            <a:pPr indent="0" lvl="0" marL="0" marR="0" rtl="0" algn="l">
+              <a:lnSpc>
+                <a:spcPct val="100000"/>
+              </a:lnSpc>
               <a:spcBef>
                 <a:spcPts val="600"/>
               </a:spcBef>
@@ -25132,50 +25176,17 @@
             </a:pPr>
             <a:r>
               <a:rPr b="0" lang="en" sz="1800">
+                <a:solidFill>
+                  <a:schemeClr val="dk1"/>
+                </a:solidFill>
                 <a:latin typeface="Lato"/>
                 <a:ea typeface="Lato"/>
                 <a:cs typeface="Lato"/>
                 <a:sym typeface="Lato"/>
               </a:rPr>
-              <a:t>Go ahead and </a:t>
-            </a:r>
-            <a:r>
-              <a:rPr lang="en" sz="1800">
-                <a:solidFill>
-                  <a:schemeClr val="accent2"/>
-                </a:solidFill>
-                <a:latin typeface="Lato"/>
-                <a:ea typeface="Lato"/>
-                <a:cs typeface="Lato"/>
-                <a:sym typeface="Lato"/>
-              </a:rPr>
-              <a:t>install the w</a:t>
-            </a:r>
-            <a:r>
-              <a:rPr lang="en" sz="1800">
-                <a:solidFill>
-                  <a:schemeClr val="accent2"/>
-                </a:solidFill>
-                <a:latin typeface="Lato"/>
-                <a:ea typeface="Lato"/>
-                <a:cs typeface="Lato"/>
-                <a:sym typeface="Lato"/>
-              </a:rPr>
-              <a:t>orkshop materials</a:t>
-            </a:r>
-            <a:r>
-              <a:rPr b="0" lang="en" sz="1800">
-                <a:solidFill>
-                  <a:schemeClr val="dk1"/>
-                </a:solidFill>
-                <a:latin typeface="Lato"/>
-                <a:ea typeface="Lato"/>
-                <a:cs typeface="Lato"/>
-                <a:sym typeface="Lato"/>
-              </a:rPr>
-              <a:t>, if you haven’t. Follow the instructions on GitHub.</a:t>
-            </a:r>
-            <a:endParaRPr sz="1100">
+              <a:t>There are a few existing definitions</a:t>
+            </a:r>
+            <a:endParaRPr b="0" sz="1800">
               <a:solidFill>
                 <a:schemeClr val="dk1"/>
               </a:solidFill>
@@ -25191,7 +25202,7 @@
                 <a:spcPct val="100000"/>
               </a:lnSpc>
               <a:spcBef>
-                <a:spcPts val="0"/>
+                <a:spcPts val="600"/>
               </a:spcBef>
               <a:spcAft>
                 <a:spcPts val="0"/>
@@ -25202,101 +25213,8 @@
               <a:t/>
             </a:r>
             <a:endParaRPr b="0" sz="1800">
-              <a:latin typeface="Lato"/>
-              <a:ea typeface="Lato"/>
-              <a:cs typeface="Lato"/>
-              <a:sym typeface="Lato"/>
-            </a:endParaRPr>
-          </a:p>
-          <a:p>
-            <a:pPr indent="0" lvl="0" marL="0" marR="0" rtl="0" algn="l">
-              <a:lnSpc>
-                <a:spcPct val="100000"/>
-              </a:lnSpc>
-              <a:spcBef>
-                <a:spcPts val="0"/>
-              </a:spcBef>
-              <a:spcAft>
-                <a:spcPts val="0"/>
-              </a:spcAft>
-              <a:buNone/>
-            </a:pPr>
-            <a:r>
-              <a:rPr b="0" lang="en" sz="1800">
-                <a:latin typeface="Lato"/>
-                <a:ea typeface="Lato"/>
-                <a:cs typeface="Lato"/>
-                <a:sym typeface="Lato"/>
-              </a:rPr>
-              <a:t>Economist by training</a:t>
-            </a:r>
-            <a:endParaRPr b="0" sz="1800">
-              <a:latin typeface="Lato"/>
-              <a:ea typeface="Lato"/>
-              <a:cs typeface="Lato"/>
-              <a:sym typeface="Lato"/>
-            </a:endParaRPr>
-          </a:p>
-          <a:p>
-            <a:pPr indent="0" lvl="0" marL="0" marR="0" rtl="0" algn="l">
-              <a:lnSpc>
-                <a:spcPct val="100000"/>
-              </a:lnSpc>
-              <a:spcBef>
-                <a:spcPts val="0"/>
-              </a:spcBef>
-              <a:spcAft>
-                <a:spcPts val="0"/>
-              </a:spcAft>
-              <a:buNone/>
-            </a:pPr>
-            <a:r>
-              <a:t/>
-            </a:r>
-            <a:endParaRPr b="0" sz="1800">
-              <a:latin typeface="Lato"/>
-              <a:ea typeface="Lato"/>
-              <a:cs typeface="Lato"/>
-              <a:sym typeface="Lato"/>
-            </a:endParaRPr>
-          </a:p>
-          <a:p>
-            <a:pPr indent="0" lvl="0" marL="0" marR="0" rtl="0" algn="l">
-              <a:lnSpc>
-                <a:spcPct val="100000"/>
-              </a:lnSpc>
-              <a:spcBef>
-                <a:spcPts val="0"/>
-              </a:spcBef>
-              <a:spcAft>
-                <a:spcPts val="0"/>
-              </a:spcAft>
-              <a:buNone/>
-            </a:pPr>
-            <a:r>
-              <a:rPr b="0" lang="en" sz="1800">
-                <a:latin typeface="Lato"/>
-                <a:ea typeface="Lato"/>
-                <a:cs typeface="Lato"/>
-                <a:sym typeface="Lato"/>
-              </a:rPr>
-              <a:t>Data Science R&amp;D</a:t>
-            </a:r>
-            <a:r>
-              <a:rPr b="0" i="0" lang="en" sz="1800" u="none" cap="none" strike="noStrike">
-                <a:solidFill>
-                  <a:srgbClr val="555555"/>
-                </a:solidFill>
-                <a:latin typeface="Lato"/>
-                <a:ea typeface="Lato"/>
-                <a:cs typeface="Lato"/>
-                <a:sym typeface="Lato"/>
-              </a:rPr>
-              <a:t> at Civis Analytics</a:t>
-            </a:r>
-            <a:endParaRPr b="0" i="0" sz="1800" u="none" cap="none" strike="noStrike">
               <a:solidFill>
-                <a:srgbClr val="555555"/>
+                <a:schemeClr val="dk1"/>
               </a:solidFill>
               <a:latin typeface="Lato"/>
               <a:ea typeface="Lato"/>
@@ -25310,7 +25228,7 @@
                 <a:spcPct val="100000"/>
               </a:lnSpc>
               <a:spcBef>
-                <a:spcPts val="0"/>
+                <a:spcPts val="600"/>
               </a:spcBef>
               <a:spcAft>
                 <a:spcPts val="0"/>
@@ -25318,9 +25236,153 @@
               <a:buNone/>
             </a:pPr>
             <a:r>
-              <a:t/>
-            </a:r>
-            <a:endParaRPr b="0" sz="1800">
+              <a:rPr i="0" lang="en" sz="1800" u="none" cap="none" strike="noStrike">
+                <a:solidFill>
+                  <a:schemeClr val="accent2"/>
+                </a:solidFill>
+                <a:latin typeface="Lato"/>
+                <a:ea typeface="Lato"/>
+                <a:cs typeface="Lato"/>
+                <a:sym typeface="Lato"/>
+              </a:rPr>
+              <a:t>Obtain</a:t>
+            </a:r>
+            <a:r>
+              <a:rPr b="0" i="0" lang="en" sz="1800" u="none" cap="none" strike="noStrike">
+                <a:solidFill>
+                  <a:schemeClr val="dk1"/>
+                </a:solidFill>
+                <a:latin typeface="Lato"/>
+                <a:ea typeface="Lato"/>
+                <a:cs typeface="Lato"/>
+                <a:sym typeface="Lato"/>
+              </a:rPr>
+              <a:t>, </a:t>
+            </a:r>
+            <a:r>
+              <a:rPr i="0" lang="en" sz="1800" u="none" cap="none" strike="noStrike">
+                <a:solidFill>
+                  <a:schemeClr val="accent2"/>
+                </a:solidFill>
+                <a:latin typeface="Lato"/>
+                <a:ea typeface="Lato"/>
+                <a:cs typeface="Lato"/>
+                <a:sym typeface="Lato"/>
+              </a:rPr>
+              <a:t>Scrub</a:t>
+            </a:r>
+            <a:r>
+              <a:rPr b="0" i="0" lang="en" sz="1800" u="none" cap="none" strike="noStrike">
+                <a:solidFill>
+                  <a:schemeClr val="dk1"/>
+                </a:solidFill>
+                <a:latin typeface="Lato"/>
+                <a:ea typeface="Lato"/>
+                <a:cs typeface="Lato"/>
+                <a:sym typeface="Lato"/>
+              </a:rPr>
+              <a:t>, </a:t>
+            </a:r>
+            <a:r>
+              <a:rPr i="0" lang="en" sz="1800" u="none" cap="none" strike="noStrike">
+                <a:solidFill>
+                  <a:schemeClr val="accent2"/>
+                </a:solidFill>
+                <a:latin typeface="Lato"/>
+                <a:ea typeface="Lato"/>
+                <a:cs typeface="Lato"/>
+                <a:sym typeface="Lato"/>
+              </a:rPr>
+              <a:t>Explore</a:t>
+            </a:r>
+            <a:r>
+              <a:rPr b="0" i="0" lang="en" sz="1800" u="none" cap="none" strike="noStrike">
+                <a:solidFill>
+                  <a:schemeClr val="dk1"/>
+                </a:solidFill>
+                <a:latin typeface="Lato"/>
+                <a:ea typeface="Lato"/>
+                <a:cs typeface="Lato"/>
+                <a:sym typeface="Lato"/>
+              </a:rPr>
+              <a:t>, </a:t>
+            </a:r>
+            <a:r>
+              <a:rPr i="0" lang="en" sz="1800" u="none" cap="none" strike="noStrike">
+                <a:solidFill>
+                  <a:schemeClr val="accent2"/>
+                </a:solidFill>
+                <a:latin typeface="Lato"/>
+                <a:ea typeface="Lato"/>
+                <a:cs typeface="Lato"/>
+                <a:sym typeface="Lato"/>
+              </a:rPr>
+              <a:t>Model</a:t>
+            </a:r>
+            <a:r>
+              <a:rPr b="0" i="0" lang="en" sz="1800" u="none" cap="none" strike="noStrike">
+                <a:solidFill>
+                  <a:schemeClr val="dk1"/>
+                </a:solidFill>
+                <a:latin typeface="Lato"/>
+                <a:ea typeface="Lato"/>
+                <a:cs typeface="Lato"/>
+                <a:sym typeface="Lato"/>
+              </a:rPr>
+              <a:t>, and </a:t>
+            </a:r>
+            <a:r>
+              <a:rPr i="0" lang="en" sz="1800" u="none" cap="none" strike="noStrike">
+                <a:solidFill>
+                  <a:schemeClr val="accent2"/>
+                </a:solidFill>
+                <a:latin typeface="Lato"/>
+                <a:ea typeface="Lato"/>
+                <a:cs typeface="Lato"/>
+                <a:sym typeface="Lato"/>
+              </a:rPr>
+              <a:t>iNterpret</a:t>
+            </a:r>
+            <a:r>
+              <a:rPr b="0" i="0" lang="en" sz="1800" u="none" cap="none" strike="noStrike">
+                <a:solidFill>
+                  <a:schemeClr val="dk1"/>
+                </a:solidFill>
+                <a:latin typeface="Lato"/>
+                <a:ea typeface="Lato"/>
+                <a:cs typeface="Lato"/>
+                <a:sym typeface="Lato"/>
+              </a:rPr>
+              <a:t> (</a:t>
+            </a:r>
+            <a:r>
+              <a:rPr i="0" lang="en" sz="1800" u="none" cap="none" strike="noStrike">
+                <a:solidFill>
+                  <a:srgbClr val="0194D3"/>
+                </a:solidFill>
+                <a:latin typeface="Lato"/>
+                <a:ea typeface="Lato"/>
+                <a:cs typeface="Lato"/>
+                <a:sym typeface="Lato"/>
+              </a:rPr>
+              <a:t>OSEMN</a:t>
+            </a:r>
+            <a:r>
+              <a:rPr b="0" i="0" lang="en" sz="1800" u="none" cap="none" strike="noStrike">
+                <a:solidFill>
+                  <a:schemeClr val="dk1"/>
+                </a:solidFill>
+                <a:latin typeface="Lato"/>
+                <a:ea typeface="Lato"/>
+                <a:cs typeface="Lato"/>
+                <a:sym typeface="Lato"/>
+              </a:rPr>
+              <a:t>)  </a:t>
+            </a:r>
+            <a:endParaRPr b="0" i="0" sz="1800" u="none" cap="none" strike="noStrike">
+              <a:solidFill>
+                <a:schemeClr val="dk1"/>
+              </a:solidFill>
               <a:latin typeface="Lato"/>
               <a:ea typeface="Lato"/>
               <a:cs typeface="Lato"/>
@@ -25328,12 +25390,12 @@
             </a:endParaRPr>
           </a:p>
           <a:p>
-            <a:pPr indent="0" lvl="0" marL="0" marR="0" rtl="0" algn="l">
+            <a:pPr indent="457200" lvl="0" marL="0" marR="0" rtl="0" algn="l">
               <a:lnSpc>
                 <a:spcPct val="100000"/>
               </a:lnSpc>
               <a:spcBef>
-                <a:spcPts val="0"/>
+                <a:spcPts val="600"/>
               </a:spcBef>
               <a:spcAft>
                 <a:spcPts val="0"/>
@@ -25343,103 +25405,18 @@
             <a:r>
               <a:rPr b="0" i="0" lang="en" sz="1800" u="none" cap="none" strike="noStrike">
                 <a:solidFill>
-                  <a:srgbClr val="555555"/>
+                  <a:schemeClr val="dk1"/>
                 </a:solidFill>
                 <a:latin typeface="Lato"/>
                 <a:ea typeface="Lato"/>
                 <a:cs typeface="Lato"/>
                 <a:sym typeface="Lato"/>
               </a:rPr>
-              <a:t>Programming in python for 10 years</a:t>
-            </a:r>
-            <a:endParaRPr b="0" sz="1800">
-              <a:latin typeface="Lato"/>
-              <a:ea typeface="Lato"/>
-              <a:cs typeface="Lato"/>
-              <a:sym typeface="Lato"/>
-            </a:endParaRPr>
-          </a:p>
-          <a:p>
-            <a:pPr indent="0" lvl="0" marL="0" marR="0" rtl="0" algn="l">
-              <a:lnSpc>
-                <a:spcPct val="100000"/>
-              </a:lnSpc>
-              <a:spcBef>
-                <a:spcPts val="0"/>
-              </a:spcBef>
-              <a:spcAft>
-                <a:spcPts val="0"/>
-              </a:spcAft>
-              <a:buNone/>
-            </a:pPr>
-            <a:r>
-              <a:t/>
-            </a:r>
-            <a:endParaRPr b="0" sz="1800">
-              <a:latin typeface="Lato"/>
-              <a:ea typeface="Lato"/>
-              <a:cs typeface="Lato"/>
-              <a:sym typeface="Lato"/>
-            </a:endParaRPr>
-          </a:p>
-          <a:p>
-            <a:pPr indent="0" lvl="0" marL="0" marR="0" rtl="0" algn="l">
-              <a:lnSpc>
-                <a:spcPct val="100000"/>
-              </a:lnSpc>
-              <a:spcBef>
-                <a:spcPts val="0"/>
-              </a:spcBef>
-              <a:spcAft>
-                <a:spcPts val="0"/>
-              </a:spcAft>
-              <a:buNone/>
-            </a:pPr>
-            <a:r>
-              <a:rPr b="0" lang="en" sz="1800">
-                <a:latin typeface="Lato"/>
-                <a:ea typeface="Lato"/>
-                <a:cs typeface="Lato"/>
-                <a:sym typeface="Lato"/>
-              </a:rPr>
-              <a:t>Created statsmodels, e</a:t>
-            </a:r>
-            <a:r>
-              <a:rPr b="0" i="0" lang="en" sz="1800" u="none" cap="none" strike="noStrike">
-                <a:solidFill>
-                  <a:srgbClr val="555555"/>
-                </a:solidFill>
-                <a:latin typeface="Lato"/>
-                <a:ea typeface="Lato"/>
-                <a:cs typeface="Lato"/>
-                <a:sym typeface="Lato"/>
-              </a:rPr>
-              <a:t>arly pandas core team, and</a:t>
-            </a:r>
-            <a:r>
-              <a:rPr b="0" lang="en" sz="1800">
-                <a:latin typeface="Lato"/>
-                <a:ea typeface="Lato"/>
-                <a:cs typeface="Lato"/>
-                <a:sym typeface="Lato"/>
-              </a:rPr>
-              <a:t> </a:t>
-            </a:r>
-            <a:r>
-              <a:rPr b="0" i="0" lang="en" sz="1800" u="none" cap="none" strike="noStrike">
-                <a:solidFill>
-                  <a:srgbClr val="555555"/>
-                </a:solidFill>
-                <a:latin typeface="Lato"/>
-                <a:ea typeface="Lato"/>
-                <a:cs typeface="Lato"/>
-                <a:sym typeface="Lato"/>
-              </a:rPr>
-              <a:t>contributor to many projects</a:t>
+              <a:t>Mason and Wiggins, 2010</a:t>
             </a:r>
             <a:endParaRPr b="0" i="0" sz="1800" u="none" cap="none" strike="noStrike">
               <a:solidFill>
-                <a:srgbClr val="555555"/>
+                <a:schemeClr val="dk1"/>
               </a:solidFill>
               <a:latin typeface="Lato"/>
               <a:ea typeface="Lato"/>
@@ -25464,6 +25441,9 @@
               <a:t/>
             </a:r>
             <a:endParaRPr b="0" sz="1800">
+              <a:solidFill>
+                <a:schemeClr val="dk1"/>
+              </a:solidFill>
               <a:latin typeface="Lato"/>
               <a:ea typeface="Lato"/>
               <a:cs typeface="Lato"/>
@@ -25481,19 +25461,143 @@
               <a:spcAft>
                 <a:spcPts val="0"/>
               </a:spcAft>
-              <a:buClr>
-                <a:schemeClr val="dk2"/>
-              </a:buClr>
-              <a:buSzPts val="1800"/>
-              <a:buFont typeface="Arial"/>
               <a:buNone/>
             </a:pPr>
             <a:r>
-              <a:t/>
-            </a:r>
-            <a:endParaRPr b="0" i="0" sz="1800" u="none" cap="none" strike="noStrike">
+              <a:rPr b="0" i="0" lang="en" sz="1800" u="none" cap="none" strike="noStrike">
+                <a:solidFill>
+                  <a:schemeClr val="dk1"/>
+                </a:solidFill>
+                <a:latin typeface="Lato"/>
+                <a:ea typeface="Lato"/>
+                <a:cs typeface="Lato"/>
+                <a:sym typeface="Lato"/>
+              </a:rPr>
+              <a:t>The “ability to </a:t>
+            </a:r>
+            <a:r>
+              <a:rPr b="0" lang="en" sz="1800">
+                <a:solidFill>
+                  <a:schemeClr val="dk1"/>
+                </a:solidFill>
+                <a:latin typeface="Lato"/>
+                <a:ea typeface="Lato"/>
+                <a:cs typeface="Lato"/>
+                <a:sym typeface="Lato"/>
+              </a:rPr>
+              <a:t>[create]</a:t>
+            </a:r>
+            <a:r>
+              <a:rPr b="0" i="0" lang="en" sz="1800" u="none" cap="none" strike="noStrike">
+                <a:solidFill>
+                  <a:schemeClr val="dk1"/>
+                </a:solidFill>
+                <a:latin typeface="Lato"/>
+                <a:ea typeface="Lato"/>
+                <a:cs typeface="Lato"/>
+                <a:sym typeface="Lato"/>
+              </a:rPr>
+              <a:t> </a:t>
+            </a:r>
+            <a:r>
+              <a:rPr i="0" lang="en" sz="1800" u="none" cap="none" strike="noStrike">
+                <a:solidFill>
+                  <a:schemeClr val="accent2"/>
+                </a:solidFill>
+                <a:latin typeface="Lato"/>
+                <a:ea typeface="Lato"/>
+                <a:cs typeface="Lato"/>
+                <a:sym typeface="Lato"/>
+              </a:rPr>
+              <a:t>prototype-level</a:t>
+            </a:r>
+            <a:r>
+              <a:rPr b="0" i="0" lang="en" sz="1800" u="none" cap="none" strike="noStrike">
+                <a:solidFill>
+                  <a:schemeClr val="dk1"/>
+                </a:solidFill>
+                <a:latin typeface="Lato"/>
+                <a:ea typeface="Lato"/>
+                <a:cs typeface="Lato"/>
+                <a:sym typeface="Lato"/>
+              </a:rPr>
+              <a:t> versions of </a:t>
+            </a:r>
+            <a:r>
+              <a:rPr b="0" lang="en" sz="1800">
+                <a:solidFill>
+                  <a:schemeClr val="dk1"/>
+                </a:solidFill>
+                <a:latin typeface="Lato"/>
+                <a:ea typeface="Lato"/>
+                <a:cs typeface="Lato"/>
+                <a:sym typeface="Lato"/>
+              </a:rPr>
+              <a:t>...</a:t>
+            </a:r>
+            <a:r>
+              <a:rPr b="0" i="0" lang="en" sz="1800" u="none" cap="none" strike="noStrike">
+                <a:solidFill>
+                  <a:schemeClr val="dk1"/>
+                </a:solidFill>
+                <a:latin typeface="Lato"/>
+                <a:ea typeface="Lato"/>
+                <a:cs typeface="Lato"/>
+                <a:sym typeface="Lato"/>
+              </a:rPr>
+              <a:t> the steps needed to derive </a:t>
+            </a:r>
+            <a:r>
+              <a:rPr i="0" lang="en" sz="1800" u="none" cap="none" strike="noStrike">
+                <a:solidFill>
+                  <a:schemeClr val="accent2"/>
+                </a:solidFill>
+                <a:latin typeface="Lato"/>
+                <a:ea typeface="Lato"/>
+                <a:cs typeface="Lato"/>
+                <a:sym typeface="Lato"/>
+              </a:rPr>
+              <a:t>new insights</a:t>
+            </a:r>
+            <a:r>
+              <a:rPr b="0" i="0" lang="en" sz="1800" u="none" cap="none" strike="noStrike">
+                <a:solidFill>
+                  <a:schemeClr val="dk1"/>
+                </a:solidFill>
+                <a:latin typeface="Lato"/>
+                <a:ea typeface="Lato"/>
+                <a:cs typeface="Lato"/>
+                <a:sym typeface="Lato"/>
+              </a:rPr>
+              <a:t> or build </a:t>
+            </a:r>
+            <a:r>
+              <a:rPr i="0" lang="en" sz="1800" u="none" cap="none" strike="noStrike">
+                <a:solidFill>
+                  <a:schemeClr val="accent2"/>
+                </a:solidFill>
+                <a:latin typeface="Lato"/>
+                <a:ea typeface="Lato"/>
+                <a:cs typeface="Lato"/>
+                <a:sym typeface="Lato"/>
+              </a:rPr>
+              <a:t>data products</a:t>
+            </a:r>
+            <a:r>
+              <a:rPr b="0" i="0" lang="en" sz="1800" u="none" cap="none" strike="noStrike">
+                <a:solidFill>
+                  <a:schemeClr val="dk1"/>
+                </a:solidFill>
+                <a:latin typeface="Lato"/>
+                <a:ea typeface="Lato"/>
+                <a:cs typeface="Lato"/>
+                <a:sym typeface="Lato"/>
+              </a:rPr>
+              <a:t>”</a:t>
+            </a:r>
+            <a:endParaRPr b="0" i="1" sz="1800">
               <a:solidFill>
-                <a:srgbClr val="555555"/>
+                <a:schemeClr val="dk1"/>
               </a:solidFill>
               <a:latin typeface="Lato"/>
               <a:ea typeface="Lato"/>
@@ -25502,7 +25606,7 @@
             </a:endParaRPr>
           </a:p>
           <a:p>
-            <a:pPr indent="0" lvl="0" marL="0" marR="0" rtl="0" algn="ctr">
+            <a:pPr indent="457200" lvl="0" marL="0" marR="0" rtl="0" algn="l">
               <a:lnSpc>
                 <a:spcPct val="100000"/>
               </a:lnSpc>
@@ -25512,19 +25616,61 @@
               <a:spcAft>
                 <a:spcPts val="0"/>
               </a:spcAft>
-              <a:buClr>
-                <a:schemeClr val="dk2"/>
-              </a:buClr>
-              <a:buSzPts val="1800"/>
-              <a:buFont typeface="Arial"/>
               <a:buNone/>
             </a:pPr>
             <a:r>
+              <a:rPr b="0" i="1" lang="en" sz="1800" u="none" cap="none" strike="noStrike">
+                <a:solidFill>
+                  <a:schemeClr val="dk1"/>
+                </a:solidFill>
+                <a:latin typeface="Lato"/>
+                <a:ea typeface="Lato"/>
+                <a:cs typeface="Lato"/>
+                <a:sym typeface="Lato"/>
+              </a:rPr>
+              <a:t>Analyzing the Analyzers, </a:t>
+            </a:r>
+            <a:r>
+              <a:rPr b="0" i="0" lang="en" sz="1800" u="none" cap="none" strike="noStrike">
+                <a:solidFill>
+                  <a:schemeClr val="dk1"/>
+                </a:solidFill>
+                <a:latin typeface="Lato"/>
+                <a:ea typeface="Lato"/>
+                <a:cs typeface="Lato"/>
+                <a:sym typeface="Lato"/>
+              </a:rPr>
+              <a:t>2013</a:t>
+            </a:r>
+            <a:endParaRPr sz="1800">
+              <a:solidFill>
+                <a:schemeClr val="dk1"/>
+              </a:solidFill>
+              <a:latin typeface="Lato"/>
+              <a:ea typeface="Lato"/>
+              <a:cs typeface="Lato"/>
+              <a:sym typeface="Lato"/>
+            </a:endParaRPr>
+          </a:p>
+          <a:p>
+            <a:pPr indent="0" lvl="0" marL="0" marR="0" rtl="0" algn="l">
+              <a:lnSpc>
+                <a:spcPct val="100000"/>
+              </a:lnSpc>
+              <a:spcBef>
+                <a:spcPts val="600"/>
+              </a:spcBef>
+              <a:spcAft>
+                <a:spcPts val="0"/>
+              </a:spcAft>
+              <a:buNone/>
+            </a:pPr>
+            <a:r>
               <a:t/>
             </a:r>
-            <a:endParaRPr b="0" i="0" sz="1800" u="none" cap="none" strike="noStrike">
+            <a:endParaRPr i="0" sz="1800" u="none" cap="none" strike="noStrike">
               <a:solidFill>
-                <a:srgbClr val="555555"/>
+                <a:schemeClr val="dk1"/>
               </a:solidFill>
               <a:latin typeface="Lato"/>
               <a:ea typeface="Lato"/>
@@ -25536,7 +25682,7 @@
       </p:sp>
       <p:sp>
         <p:nvSpPr>
-          <p:cNvPr id="214" name="Shape 214"/>
+          <p:cNvPr id="215" name="Shape 215"/>
           <p:cNvSpPr txBox="1"/>
           <p:nvPr>
             <p:ph type="title"/>
@@ -25579,45 +25725,17 @@
               <a:buNone/>
             </a:pPr>
             <a:r>
-              <a:rPr lang="en" sz="3000">
+              <a:rPr i="0" lang="en" u="none" cap="none" strike="noStrike">
                 <a:solidFill>
                   <a:schemeClr val="accent2"/>
                 </a:solidFill>
-                <a:latin typeface="Lato"/>
-                <a:ea typeface="Lato"/>
-                <a:cs typeface="Lato"/>
-                <a:sym typeface="Lato"/>
               </a:rPr>
-              <a:t>About </a:t>
-            </a:r>
-            <a:r>
-              <a:rPr lang="en">
-                <a:solidFill>
-                  <a:schemeClr val="accent2"/>
-                </a:solidFill>
-              </a:rPr>
-              <a:t>m</a:t>
-            </a:r>
-            <a:r>
-              <a:rPr lang="en" sz="3000">
-                <a:solidFill>
-                  <a:schemeClr val="accent2"/>
-                </a:solidFill>
-                <a:latin typeface="Lato"/>
-                <a:ea typeface="Lato"/>
-                <a:cs typeface="Lato"/>
-                <a:sym typeface="Lato"/>
-              </a:rPr>
-              <a:t>e</a:t>
-            </a:r>
-            <a:endParaRPr i="0" sz="3000" u="none" cap="none" strike="noStrike">
+              <a:t>What is Data Science?</a:t>
+            </a:r>
+            <a:endParaRPr i="0" u="none" cap="none" strike="noStrike">
               <a:solidFill>
                 <a:schemeClr val="accent2"/>
               </a:solidFill>
-              <a:latin typeface="Lato"/>
-              <a:ea typeface="Lato"/>
-              <a:cs typeface="Lato"/>
-              <a:sym typeface="Lato"/>
             </a:endParaRPr>
           </a:p>
         </p:txBody>
@@ -25630,12 +25748,12 @@
 </p:sld>
 </file>
 
-<file path=ppt/slides/slide4.xml><?xml version="1.0" encoding="utf-8"?>
+<file path=ppt/slides/slide5.xml><?xml version="1.0" encoding="utf-8"?>
 <p:sld xmlns:a="http://schemas.openxmlformats.org/drawingml/2006/main" xmlns:r="http://schemas.openxmlformats.org/officeDocument/2006/relationships" xmlns:mc="http://schemas.openxmlformats.org/markup-compatibility/2006" xmlns:mv="urn:schemas-microsoft-com:mac:vml" xmlns:p="http://schemas.openxmlformats.org/presentationml/2006/main" xmlns:c="http://schemas.openxmlformats.org/drawingml/2006/chart" xmlns:dgm="http://schemas.openxmlformats.org/drawingml/2006/diagram" xmlns:o="urn:schemas-microsoft-com:office:office" xmlns:v="urn:schemas-microsoft-com:vml" xmlns:pvml="urn:schemas-microsoft-com:office:powerpoint" xmlns:com="http://schemas.openxmlformats.org/drawingml/2006/compatibility" xmlns:p14="http://schemas.microsoft.com/office/powerpoint/2010/main" xmlns:p15="http://schemas.microsoft.com/office/powerpoint/2012/main">
   <p:cSld>
     <p:spTree>
       <p:nvGrpSpPr>
-        <p:cNvPr id="218" name="Shape 218"/>
+        <p:cNvPr id="219" name="Shape 219"/>
         <p:cNvGrpSpPr/>
         <p:nvPr/>
       </p:nvGrpSpPr>
@@ -25649,7 +25767,609 @@
       </p:grpSpPr>
       <p:sp>
         <p:nvSpPr>
-          <p:cNvPr id="219" name="Shape 219"/>
+          <p:cNvPr id="220" name="Shape 220"/>
+          <p:cNvSpPr txBox="1"/>
+          <p:nvPr>
+            <p:ph idx="1" type="body"/>
+          </p:nvPr>
+        </p:nvSpPr>
+        <p:spPr>
+          <a:xfrm>
+            <a:off x="455613" y="939362"/>
+            <a:ext cx="8216400" cy="3793500"/>
+          </a:xfrm>
+          <a:prstGeom prst="rect">
+            <a:avLst/>
+          </a:prstGeom>
+        </p:spPr>
+        <p:txBody>
+          <a:bodyPr anchorCtr="0" anchor="t" bIns="91425" lIns="91425" spcFirstLastPara="1" rIns="91425" wrap="square" tIns="91425">
+            <a:noAutofit/>
+          </a:bodyPr>
+          <a:lstStyle/>
+          <a:p>
+            <a:pPr indent="0" lvl="0" marL="0" rtl="0">
+              <a:spcBef>
+                <a:spcPts val="600"/>
+              </a:spcBef>
+              <a:spcAft>
+                <a:spcPts val="0"/>
+              </a:spcAft>
+              <a:buNone/>
+            </a:pPr>
+            <a:r>
+              <a:rPr b="0" lang="en" sz="1800">
+                <a:solidFill>
+                  <a:schemeClr val="dk1"/>
+                </a:solidFill>
+                <a:latin typeface="Lato"/>
+                <a:ea typeface="Lato"/>
+                <a:cs typeface="Lato"/>
+                <a:sym typeface="Lato"/>
+              </a:rPr>
+              <a:t>Using </a:t>
+            </a:r>
+            <a:r>
+              <a:rPr lang="en" sz="1800">
+                <a:solidFill>
+                  <a:schemeClr val="accent2"/>
+                </a:solidFill>
+                <a:latin typeface="Lato"/>
+                <a:ea typeface="Lato"/>
+                <a:cs typeface="Lato"/>
+                <a:sym typeface="Lato"/>
+              </a:rPr>
+              <a:t>multidisciplinary methods</a:t>
+            </a:r>
+            <a:r>
+              <a:rPr b="0" lang="en" sz="1800">
+                <a:solidFill>
+                  <a:schemeClr val="dk1"/>
+                </a:solidFill>
+                <a:latin typeface="Lato"/>
+                <a:ea typeface="Lato"/>
+                <a:cs typeface="Lato"/>
+                <a:sym typeface="Lato"/>
+              </a:rPr>
+              <a:t> to understand and have a positive </a:t>
+            </a:r>
+            <a:r>
+              <a:rPr lang="en" sz="1800">
+                <a:solidFill>
+                  <a:schemeClr val="accent2"/>
+                </a:solidFill>
+                <a:latin typeface="Lato"/>
+                <a:ea typeface="Lato"/>
+                <a:cs typeface="Lato"/>
+                <a:sym typeface="Lato"/>
+              </a:rPr>
+              <a:t>impact</a:t>
+            </a:r>
+            <a:r>
+              <a:rPr b="0" lang="en" sz="1800">
+                <a:solidFill>
+                  <a:schemeClr val="dk1"/>
+                </a:solidFill>
+                <a:latin typeface="Lato"/>
+                <a:ea typeface="Lato"/>
+                <a:cs typeface="Lato"/>
+                <a:sym typeface="Lato"/>
+              </a:rPr>
+              <a:t> on a </a:t>
+            </a:r>
+            <a:r>
+              <a:rPr lang="en" sz="1800">
+                <a:solidFill>
+                  <a:schemeClr val="accent2"/>
+                </a:solidFill>
+                <a:latin typeface="Lato"/>
+                <a:ea typeface="Lato"/>
+                <a:cs typeface="Lato"/>
+                <a:sym typeface="Lato"/>
+              </a:rPr>
+              <a:t>business process</a:t>
+            </a:r>
+            <a:r>
+              <a:rPr b="0" lang="en" sz="1800">
+                <a:solidFill>
+                  <a:schemeClr val="dk1"/>
+                </a:solidFill>
+                <a:latin typeface="Lato"/>
+                <a:ea typeface="Lato"/>
+                <a:cs typeface="Lato"/>
+                <a:sym typeface="Lato"/>
+              </a:rPr>
+              <a:t> or </a:t>
+            </a:r>
+            <a:r>
+              <a:rPr lang="en" sz="1800">
+                <a:solidFill>
+                  <a:schemeClr val="accent2"/>
+                </a:solidFill>
+                <a:latin typeface="Lato"/>
+                <a:ea typeface="Lato"/>
+                <a:cs typeface="Lato"/>
+                <a:sym typeface="Lato"/>
+              </a:rPr>
+              <a:t>product</a:t>
+            </a:r>
+            <a:endParaRPr sz="1800">
+              <a:solidFill>
+                <a:schemeClr val="accent2"/>
+              </a:solidFill>
+              <a:latin typeface="Lato"/>
+              <a:ea typeface="Lato"/>
+              <a:cs typeface="Lato"/>
+              <a:sym typeface="Lato"/>
+            </a:endParaRPr>
+          </a:p>
+          <a:p>
+            <a:pPr indent="-228600" lvl="1" marL="431800" rtl="0">
+              <a:spcBef>
+                <a:spcPts val="600"/>
+              </a:spcBef>
+              <a:spcAft>
+                <a:spcPts val="0"/>
+              </a:spcAft>
+              <a:buClr>
+                <a:schemeClr val="dk1"/>
+              </a:buClr>
+              <a:buSzPts val="1800"/>
+              <a:buFont typeface="Lato"/>
+              <a:buChar char="●"/>
+            </a:pPr>
+            <a:r>
+              <a:rPr b="1" lang="en" sz="1800">
+                <a:solidFill>
+                  <a:schemeClr val="accent2"/>
+                </a:solidFill>
+                <a:latin typeface="Lato"/>
+                <a:ea typeface="Lato"/>
+                <a:cs typeface="Lato"/>
+                <a:sym typeface="Lato"/>
+              </a:rPr>
+              <a:t>Route optimization</a:t>
+            </a:r>
+            <a:r>
+              <a:rPr lang="en" sz="1800">
+                <a:solidFill>
+                  <a:schemeClr val="dk1"/>
+                </a:solidFill>
+                <a:latin typeface="Lato"/>
+                <a:ea typeface="Lato"/>
+                <a:cs typeface="Lato"/>
+                <a:sym typeface="Lato"/>
+              </a:rPr>
+              <a:t> in a supply chain</a:t>
+            </a:r>
+            <a:endParaRPr sz="1800">
+              <a:solidFill>
+                <a:schemeClr val="dk1"/>
+              </a:solidFill>
+              <a:latin typeface="Lato"/>
+              <a:ea typeface="Lato"/>
+              <a:cs typeface="Lato"/>
+              <a:sym typeface="Lato"/>
+            </a:endParaRPr>
+          </a:p>
+          <a:p>
+            <a:pPr indent="-228600" lvl="1" marL="431800" rtl="0">
+              <a:spcBef>
+                <a:spcPts val="600"/>
+              </a:spcBef>
+              <a:spcAft>
+                <a:spcPts val="0"/>
+              </a:spcAft>
+              <a:buClr>
+                <a:schemeClr val="dk1"/>
+              </a:buClr>
+              <a:buSzPts val="1800"/>
+              <a:buFont typeface="Lato"/>
+              <a:buChar char="●"/>
+            </a:pPr>
+            <a:r>
+              <a:rPr b="1" lang="en" sz="1800">
+                <a:solidFill>
+                  <a:schemeClr val="accent2"/>
+                </a:solidFill>
+                <a:latin typeface="Lato"/>
+                <a:ea typeface="Lato"/>
+                <a:cs typeface="Lato"/>
+                <a:sym typeface="Lato"/>
+              </a:rPr>
+              <a:t>Conjoint analysis</a:t>
+            </a:r>
+            <a:r>
+              <a:rPr lang="en" sz="1800">
+                <a:solidFill>
+                  <a:schemeClr val="dk1"/>
+                </a:solidFill>
+                <a:latin typeface="Lato"/>
+                <a:ea typeface="Lato"/>
+                <a:cs typeface="Lato"/>
+                <a:sym typeface="Lato"/>
+              </a:rPr>
+              <a:t> for product ideation</a:t>
+            </a:r>
+            <a:endParaRPr sz="1800">
+              <a:solidFill>
+                <a:schemeClr val="dk1"/>
+              </a:solidFill>
+              <a:latin typeface="Lato"/>
+              <a:ea typeface="Lato"/>
+              <a:cs typeface="Lato"/>
+              <a:sym typeface="Lato"/>
+            </a:endParaRPr>
+          </a:p>
+          <a:p>
+            <a:pPr indent="-228600" lvl="1" marL="431800" rtl="0">
+              <a:spcBef>
+                <a:spcPts val="600"/>
+              </a:spcBef>
+              <a:spcAft>
+                <a:spcPts val="0"/>
+              </a:spcAft>
+              <a:buClr>
+                <a:schemeClr val="dk1"/>
+              </a:buClr>
+              <a:buSzPts val="1800"/>
+              <a:buFont typeface="Lato"/>
+              <a:buChar char="●"/>
+            </a:pPr>
+            <a:r>
+              <a:rPr b="1" lang="en" sz="1800">
+                <a:solidFill>
+                  <a:schemeClr val="accent2"/>
+                </a:solidFill>
+                <a:latin typeface="Lato"/>
+                <a:ea typeface="Lato"/>
+                <a:cs typeface="Lato"/>
+                <a:sym typeface="Lato"/>
+              </a:rPr>
+              <a:t>Attribution modeling</a:t>
+            </a:r>
+            <a:r>
+              <a:rPr lang="en" sz="1800">
+                <a:solidFill>
+                  <a:schemeClr val="dk1"/>
+                </a:solidFill>
+                <a:latin typeface="Lato"/>
+                <a:ea typeface="Lato"/>
+                <a:cs typeface="Lato"/>
+                <a:sym typeface="Lato"/>
+              </a:rPr>
+              <a:t> for connecting marketing spend to outcomes</a:t>
+            </a:r>
+            <a:endParaRPr sz="1800">
+              <a:solidFill>
+                <a:schemeClr val="dk1"/>
+              </a:solidFill>
+              <a:latin typeface="Lato"/>
+              <a:ea typeface="Lato"/>
+              <a:cs typeface="Lato"/>
+              <a:sym typeface="Lato"/>
+            </a:endParaRPr>
+          </a:p>
+          <a:p>
+            <a:pPr indent="-228600" lvl="1" marL="431800" rtl="0">
+              <a:spcBef>
+                <a:spcPts val="600"/>
+              </a:spcBef>
+              <a:spcAft>
+                <a:spcPts val="0"/>
+              </a:spcAft>
+              <a:buClr>
+                <a:schemeClr val="dk1"/>
+              </a:buClr>
+              <a:buSzPts val="1800"/>
+              <a:buFont typeface="Lato"/>
+              <a:buChar char="●"/>
+            </a:pPr>
+            <a:r>
+              <a:rPr b="1" lang="en" sz="1800">
+                <a:solidFill>
+                  <a:schemeClr val="accent2"/>
+                </a:solidFill>
+                <a:latin typeface="Lato"/>
+                <a:ea typeface="Lato"/>
+                <a:cs typeface="Lato"/>
+                <a:sym typeface="Lato"/>
+              </a:rPr>
+              <a:t>Marketing spend optimization</a:t>
+            </a:r>
+            <a:r>
+              <a:rPr lang="en" sz="1800">
+                <a:solidFill>
+                  <a:schemeClr val="dk1"/>
+                </a:solidFill>
+                <a:latin typeface="Lato"/>
+                <a:ea typeface="Lato"/>
+                <a:cs typeface="Lato"/>
+                <a:sym typeface="Lato"/>
+              </a:rPr>
+              <a:t> for efficient outreach given a budget</a:t>
+            </a:r>
+            <a:endParaRPr sz="1800">
+              <a:solidFill>
+                <a:schemeClr val="dk1"/>
+              </a:solidFill>
+              <a:latin typeface="Lato"/>
+              <a:ea typeface="Lato"/>
+              <a:cs typeface="Lato"/>
+              <a:sym typeface="Lato"/>
+            </a:endParaRPr>
+          </a:p>
+          <a:p>
+            <a:pPr indent="-228600" lvl="1" marL="431800" rtl="0">
+              <a:spcBef>
+                <a:spcPts val="600"/>
+              </a:spcBef>
+              <a:spcAft>
+                <a:spcPts val="0"/>
+              </a:spcAft>
+              <a:buClr>
+                <a:schemeClr val="dk1"/>
+              </a:buClr>
+              <a:buSzPts val="1800"/>
+              <a:buFont typeface="Lato"/>
+              <a:buChar char="●"/>
+            </a:pPr>
+            <a:r>
+              <a:rPr b="1" lang="en" sz="1800">
+                <a:solidFill>
+                  <a:schemeClr val="accent2"/>
+                </a:solidFill>
+                <a:latin typeface="Lato"/>
+                <a:ea typeface="Lato"/>
+                <a:cs typeface="Lato"/>
+                <a:sym typeface="Lato"/>
+              </a:rPr>
+              <a:t>Effectiveness testing</a:t>
+            </a:r>
+            <a:r>
+              <a:rPr lang="en" sz="1800">
+                <a:solidFill>
+                  <a:schemeClr val="dk1"/>
+                </a:solidFill>
+                <a:latin typeface="Lato"/>
+                <a:ea typeface="Lato"/>
+                <a:cs typeface="Lato"/>
+                <a:sym typeface="Lato"/>
+              </a:rPr>
+              <a:t> for creative or offers</a:t>
+            </a:r>
+            <a:endParaRPr sz="1800">
+              <a:solidFill>
+                <a:schemeClr val="dk1"/>
+              </a:solidFill>
+              <a:latin typeface="Lato"/>
+              <a:ea typeface="Lato"/>
+              <a:cs typeface="Lato"/>
+              <a:sym typeface="Lato"/>
+            </a:endParaRPr>
+          </a:p>
+          <a:p>
+            <a:pPr indent="-228600" lvl="1" marL="431800" rtl="0">
+              <a:spcBef>
+                <a:spcPts val="600"/>
+              </a:spcBef>
+              <a:spcAft>
+                <a:spcPts val="0"/>
+              </a:spcAft>
+              <a:buClr>
+                <a:schemeClr val="dk1"/>
+              </a:buClr>
+              <a:buSzPts val="1800"/>
+              <a:buFont typeface="Lato"/>
+              <a:buChar char="●"/>
+            </a:pPr>
+            <a:r>
+              <a:rPr b="1" lang="en" sz="1800">
+                <a:solidFill>
+                  <a:schemeClr val="accent2"/>
+                </a:solidFill>
+                <a:latin typeface="Lato"/>
+                <a:ea typeface="Lato"/>
+                <a:cs typeface="Lato"/>
+                <a:sym typeface="Lato"/>
+              </a:rPr>
+              <a:t>Detecting fraud</a:t>
+            </a:r>
+            <a:r>
+              <a:rPr lang="en" sz="1800">
+                <a:solidFill>
+                  <a:schemeClr val="dk1"/>
+                </a:solidFill>
+                <a:latin typeface="Lato"/>
+                <a:ea typeface="Lato"/>
+                <a:cs typeface="Lato"/>
+                <a:sym typeface="Lato"/>
+              </a:rPr>
+              <a:t> in insurance claims</a:t>
+            </a:r>
+            <a:endParaRPr sz="1800">
+              <a:solidFill>
+                <a:schemeClr val="dk1"/>
+              </a:solidFill>
+              <a:latin typeface="Lato"/>
+              <a:ea typeface="Lato"/>
+              <a:cs typeface="Lato"/>
+              <a:sym typeface="Lato"/>
+            </a:endParaRPr>
+          </a:p>
+          <a:p>
+            <a:pPr indent="-228600" lvl="1" marL="431800" rtl="0">
+              <a:spcBef>
+                <a:spcPts val="600"/>
+              </a:spcBef>
+              <a:spcAft>
+                <a:spcPts val="0"/>
+              </a:spcAft>
+              <a:buClr>
+                <a:schemeClr val="dk1"/>
+              </a:buClr>
+              <a:buSzPts val="1800"/>
+              <a:buFont typeface="Lato"/>
+              <a:buChar char="●"/>
+            </a:pPr>
+            <a:r>
+              <a:rPr lang="en" sz="1800">
+                <a:solidFill>
+                  <a:schemeClr val="dk1"/>
+                </a:solidFill>
+                <a:latin typeface="Lato"/>
+                <a:ea typeface="Lato"/>
+                <a:cs typeface="Lato"/>
+                <a:sym typeface="Lato"/>
+              </a:rPr>
+              <a:t>Predicting and influencing </a:t>
+            </a:r>
+            <a:r>
+              <a:rPr b="1" lang="en" sz="1800">
+                <a:solidFill>
+                  <a:schemeClr val="accent2"/>
+                </a:solidFill>
+                <a:latin typeface="Lato"/>
+                <a:ea typeface="Lato"/>
+                <a:cs typeface="Lato"/>
+                <a:sym typeface="Lato"/>
+              </a:rPr>
+              <a:t>employee or customer retention</a:t>
+            </a:r>
+            <a:endParaRPr b="1" sz="1800">
+              <a:solidFill>
+                <a:schemeClr val="accent2"/>
+              </a:solidFill>
+              <a:latin typeface="Lato"/>
+              <a:ea typeface="Lato"/>
+              <a:cs typeface="Lato"/>
+              <a:sym typeface="Lato"/>
+            </a:endParaRPr>
+          </a:p>
+          <a:p>
+            <a:pPr indent="-228600" lvl="1" marL="431800" rtl="0">
+              <a:spcBef>
+                <a:spcPts val="600"/>
+              </a:spcBef>
+              <a:spcAft>
+                <a:spcPts val="0"/>
+              </a:spcAft>
+              <a:buClr>
+                <a:schemeClr val="dk1"/>
+              </a:buClr>
+              <a:buSzPts val="1800"/>
+              <a:buFont typeface="Lato"/>
+              <a:buChar char="●"/>
+            </a:pPr>
+            <a:r>
+              <a:rPr lang="en" sz="1800">
+                <a:solidFill>
+                  <a:schemeClr val="dk1"/>
+                </a:solidFill>
+                <a:latin typeface="Lato"/>
+                <a:ea typeface="Lato"/>
+                <a:cs typeface="Lato"/>
+                <a:sym typeface="Lato"/>
+              </a:rPr>
+              <a:t>Understanding </a:t>
+            </a:r>
+            <a:r>
+              <a:rPr b="1" lang="en" sz="1800">
+                <a:solidFill>
+                  <a:schemeClr val="accent2"/>
+                </a:solidFill>
+                <a:latin typeface="Lato"/>
+                <a:ea typeface="Lato"/>
+                <a:cs typeface="Lato"/>
+                <a:sym typeface="Lato"/>
+              </a:rPr>
+              <a:t>who is likely to vote</a:t>
+            </a:r>
+            <a:endParaRPr sz="1800">
+              <a:latin typeface="Lato"/>
+              <a:ea typeface="Lato"/>
+              <a:cs typeface="Lato"/>
+              <a:sym typeface="Lato"/>
+            </a:endParaRPr>
+          </a:p>
+        </p:txBody>
+      </p:sp>
+      <p:sp>
+        <p:nvSpPr>
+          <p:cNvPr id="221" name="Shape 221"/>
+          <p:cNvSpPr txBox="1"/>
+          <p:nvPr>
+            <p:ph type="title"/>
+          </p:nvPr>
+        </p:nvSpPr>
+        <p:spPr>
+          <a:xfrm>
+            <a:off x="455475" y="86625"/>
+            <a:ext cx="8216400" cy="610500"/>
+          </a:xfrm>
+          <a:prstGeom prst="rect">
+            <a:avLst/>
+          </a:prstGeom>
+        </p:spPr>
+        <p:txBody>
+          <a:bodyPr anchorCtr="0" anchor="ctr" bIns="91425" lIns="91425" spcFirstLastPara="1" rIns="91425" wrap="square" tIns="91425">
+            <a:noAutofit/>
+          </a:bodyPr>
+          <a:lstStyle/>
+          <a:p>
+            <a:pPr indent="0" lvl="0" marL="0">
+              <a:spcBef>
+                <a:spcPts val="0"/>
+              </a:spcBef>
+              <a:spcAft>
+                <a:spcPts val="0"/>
+              </a:spcAft>
+              <a:buNone/>
+            </a:pPr>
+            <a:r>
+              <a:rPr lang="en">
+                <a:solidFill>
+                  <a:schemeClr val="accent2"/>
+                </a:solidFill>
+              </a:rPr>
+              <a:t>Data Science exists to drive better outcomes</a:t>
+            </a:r>
+            <a:endParaRPr>
+              <a:solidFill>
+                <a:schemeClr val="accent2"/>
+              </a:solidFill>
+            </a:endParaRPr>
+          </a:p>
+        </p:txBody>
+      </p:sp>
+    </p:spTree>
+  </p:cSld>
+  <p:clrMapOvr>
+    <a:masterClrMapping/>
+  </p:clrMapOvr>
+</p:sld>
+</file>
+
+<file path=ppt/slides/slide6.xml><?xml version="1.0" encoding="utf-8"?>
+<p:sld xmlns:a="http://schemas.openxmlformats.org/drawingml/2006/main" xmlns:r="http://schemas.openxmlformats.org/officeDocument/2006/relationships" xmlns:mc="http://schemas.openxmlformats.org/markup-compatibility/2006" xmlns:mv="urn:schemas-microsoft-com:mac:vml" xmlns:p="http://schemas.openxmlformats.org/presentationml/2006/main" xmlns:c="http://schemas.openxmlformats.org/drawingml/2006/chart" xmlns:dgm="http://schemas.openxmlformats.org/drawingml/2006/diagram" xmlns:o="urn:schemas-microsoft-com:office:office" xmlns:v="urn:schemas-microsoft-com:vml" xmlns:pvml="urn:schemas-microsoft-com:office:powerpoint" xmlns:com="http://schemas.openxmlformats.org/drawingml/2006/compatibility" xmlns:p14="http://schemas.microsoft.com/office/powerpoint/2010/main" xmlns:p15="http://schemas.microsoft.com/office/powerpoint/2012/main">
+  <p:cSld>
+    <p:spTree>
+      <p:nvGrpSpPr>
+        <p:cNvPr id="225" name="Shape 225"/>
+        <p:cNvGrpSpPr/>
+        <p:nvPr/>
+      </p:nvGrpSpPr>
+      <p:grpSpPr>
+        <a:xfrm>
+          <a:off x="0" y="0"/>
+          <a:ext cx="0" cy="0"/>
+          <a:chOff x="0" y="0"/>
+          <a:chExt cx="0" cy="0"/>
+        </a:xfrm>
+      </p:grpSpPr>
+      <p:sp>
+        <p:nvSpPr>
+          <p:cNvPr id="226" name="Shape 226"/>
           <p:cNvSpPr txBox="1"/>
           <p:nvPr>
             <p:ph idx="1" type="body"/>
@@ -25687,7 +26407,7 @@
               <a:buNone/>
             </a:pPr>
             <a:r>
-              <a:rPr b="0" i="0" lang="en" sz="1800" u="none" cap="none" strike="noStrike">
+              <a:rPr b="0" lang="en" sz="1800">
                 <a:solidFill>
                   <a:schemeClr val="dk1"/>
                 </a:solidFill>
@@ -25696,9 +26416,69 @@
                 <a:cs typeface="Lato"/>
                 <a:sym typeface="Lato"/>
               </a:rPr>
-              <a:t>What are we going to do for 4 (!) hours?</a:t>
-            </a:r>
-            <a:endParaRPr b="0" i="0" sz="1800" u="none" cap="none" strike="noStrike">
+              <a:t>We </a:t>
+            </a:r>
+            <a:r>
+              <a:rPr lang="en" sz="1800">
+                <a:solidFill>
+                  <a:schemeClr val="accent2"/>
+                </a:solidFill>
+                <a:latin typeface="Lato"/>
+                <a:ea typeface="Lato"/>
+                <a:cs typeface="Lato"/>
+                <a:sym typeface="Lato"/>
+              </a:rPr>
+              <a:t>c</a:t>
+            </a:r>
+            <a:r>
+              <a:rPr i="0" lang="en" sz="1800" u="none" cap="none" strike="noStrike">
+                <a:solidFill>
+                  <a:schemeClr val="accent2"/>
+                </a:solidFill>
+                <a:latin typeface="Lato"/>
+                <a:ea typeface="Lato"/>
+                <a:cs typeface="Lato"/>
+                <a:sym typeface="Lato"/>
+              </a:rPr>
+              <a:t>ollaborat</a:t>
+            </a:r>
+            <a:r>
+              <a:rPr lang="en" sz="1800">
+                <a:solidFill>
+                  <a:schemeClr val="accent2"/>
+                </a:solidFill>
+                <a:latin typeface="Lato"/>
+                <a:ea typeface="Lato"/>
+                <a:cs typeface="Lato"/>
+                <a:sym typeface="Lato"/>
+              </a:rPr>
+              <a:t>e</a:t>
+            </a:r>
+            <a:r>
+              <a:rPr b="0" i="0" lang="en" sz="1800" u="none" cap="none" strike="noStrike">
+                <a:solidFill>
+                  <a:schemeClr val="dk1"/>
+                </a:solidFill>
+                <a:latin typeface="Lato"/>
+                <a:ea typeface="Lato"/>
+                <a:cs typeface="Lato"/>
+                <a:sym typeface="Lato"/>
+              </a:rPr>
+              <a:t> across disciplines</a:t>
+            </a:r>
+            <a:r>
+              <a:rPr b="0" lang="en" sz="1800">
+                <a:solidFill>
+                  <a:schemeClr val="dk1"/>
+                </a:solidFill>
+                <a:latin typeface="Lato"/>
+                <a:ea typeface="Lato"/>
+                <a:cs typeface="Lato"/>
+                <a:sym typeface="Lato"/>
+              </a:rPr>
+              <a:t>. </a:t>
+            </a:r>
+            <a:endParaRPr b="0" sz="1800">
               <a:solidFill>
                 <a:schemeClr val="dk1"/>
               </a:solidFill>
@@ -25725,83 +26505,6 @@
               <a:t/>
             </a:r>
             <a:endParaRPr b="0" sz="1800">
-              <a:latin typeface="Lato"/>
-              <a:ea typeface="Lato"/>
-              <a:cs typeface="Lato"/>
-              <a:sym typeface="Lato"/>
-            </a:endParaRPr>
-          </a:p>
-          <a:p>
-            <a:pPr indent="0" lvl="0" marL="0" marR="0" rtl="0" algn="l">
-              <a:lnSpc>
-                <a:spcPct val="100000"/>
-              </a:lnSpc>
-              <a:spcBef>
-                <a:spcPts val="0"/>
-              </a:spcBef>
-              <a:spcAft>
-                <a:spcPts val="0"/>
-              </a:spcAft>
-              <a:buNone/>
-            </a:pPr>
-            <a:r>
-              <a:rPr b="0" lang="en" sz="1800">
-                <a:solidFill>
-                  <a:schemeClr val="dk1"/>
-                </a:solidFill>
-                <a:latin typeface="Lato"/>
-                <a:ea typeface="Lato"/>
-                <a:cs typeface="Lato"/>
-                <a:sym typeface="Lato"/>
-              </a:rPr>
-              <a:t>This workshop is an</a:t>
-            </a:r>
-            <a:r>
-              <a:rPr b="0" lang="en" sz="1800">
-                <a:latin typeface="Lato"/>
-                <a:ea typeface="Lato"/>
-                <a:cs typeface="Lato"/>
-                <a:sym typeface="Lato"/>
-              </a:rPr>
-              <a:t> </a:t>
-            </a:r>
-            <a:r>
-              <a:rPr lang="en" sz="1800">
-                <a:solidFill>
-                  <a:schemeClr val="accent2"/>
-                </a:solidFill>
-                <a:latin typeface="Lato"/>
-                <a:ea typeface="Lato"/>
-                <a:cs typeface="Lato"/>
-                <a:sym typeface="Lato"/>
-              </a:rPr>
-              <a:t>interactive</a:t>
-            </a:r>
-            <a:r>
-              <a:rPr lang="en" sz="1800">
-                <a:solidFill>
-                  <a:schemeClr val="dk1"/>
-                </a:solidFill>
-                <a:latin typeface="Lato"/>
-                <a:ea typeface="Lato"/>
-                <a:cs typeface="Lato"/>
-                <a:sym typeface="Lato"/>
-              </a:rPr>
-              <a:t> </a:t>
-            </a:r>
-            <a:r>
-              <a:rPr b="0" lang="en" sz="1800">
-                <a:solidFill>
-                  <a:schemeClr val="dk1"/>
-                </a:solidFill>
-                <a:latin typeface="Lato"/>
-                <a:ea typeface="Lato"/>
-                <a:cs typeface="Lato"/>
-                <a:sym typeface="Lato"/>
-              </a:rPr>
-              <a:t>introduction to using python and the PyData stack to</a:t>
-            </a:r>
-            <a:endParaRPr b="0" sz="1800">
               <a:solidFill>
                 <a:schemeClr val="dk1"/>
               </a:solidFill>
@@ -25825,38 +26528,7 @@
               <a:buNone/>
             </a:pPr>
             <a:r>
-              <a:t/>
-            </a:r>
-            <a:endParaRPr b="0" sz="1800">
-              <a:solidFill>
-                <a:schemeClr val="dk1"/>
-              </a:solidFill>
-              <a:latin typeface="Lato"/>
-              <a:ea typeface="Lato"/>
-              <a:cs typeface="Lato"/>
-              <a:sym typeface="Lato"/>
-            </a:endParaRPr>
-          </a:p>
-          <a:p>
-            <a:pPr indent="-342900" lvl="0" marL="914400" marR="0" rtl="0" algn="l">
-              <a:lnSpc>
-                <a:spcPct val="100000"/>
-              </a:lnSpc>
-              <a:spcBef>
-                <a:spcPts val="600"/>
-              </a:spcBef>
-              <a:spcAft>
-                <a:spcPts val="0"/>
-              </a:spcAft>
-              <a:buClr>
-                <a:schemeClr val="dk1"/>
-              </a:buClr>
-              <a:buSzPts val="1800"/>
-              <a:buFont typeface="Lato"/>
-              <a:buChar char="●"/>
-            </a:pPr>
-            <a:r>
-              <a:rPr b="0" i="0" lang="en" sz="1800" u="none" cap="none" strike="noStrike">
+              <a:rPr b="0" lang="en" sz="1800">
                 <a:solidFill>
                   <a:schemeClr val="dk1"/>
                 </a:solidFill>
@@ -25865,36 +26537,8 @@
                 <a:cs typeface="Lato"/>
                 <a:sym typeface="Lato"/>
               </a:rPr>
-              <a:t>Read data</a:t>
-            </a:r>
-            <a:endParaRPr b="0" sz="1800">
-              <a:solidFill>
-                <a:schemeClr val="dk1"/>
-              </a:solidFill>
-              <a:latin typeface="Lato"/>
-              <a:ea typeface="Lato"/>
-              <a:cs typeface="Lato"/>
-              <a:sym typeface="Lato"/>
-            </a:endParaRPr>
-          </a:p>
-          <a:p>
-            <a:pPr indent="-342900" lvl="0" marL="914400" marR="0" rtl="0" algn="l">
-              <a:lnSpc>
-                <a:spcPct val="100000"/>
-              </a:lnSpc>
-              <a:spcBef>
-                <a:spcPts val="0"/>
-              </a:spcBef>
-              <a:spcAft>
-                <a:spcPts val="0"/>
-              </a:spcAft>
-              <a:buClr>
-                <a:schemeClr val="dk1"/>
-              </a:buClr>
-              <a:buSzPts val="1800"/>
-              <a:buFont typeface="Lato"/>
-              <a:buChar char="●"/>
-            </a:pPr>
+              <a:t>Not only do w</a:t>
+            </a:r>
             <a:r>
               <a:rPr b="0" i="0" lang="en" sz="1800" u="none" cap="none" strike="noStrike">
                 <a:solidFill>
@@ -25905,7 +26549,7 @@
                 <a:cs typeface="Lato"/>
                 <a:sym typeface="Lato"/>
               </a:rPr>
-              <a:t>Mung</a:t>
+              <a:t>e </a:t>
             </a:r>
             <a:r>
               <a:rPr b="0" lang="en" sz="1800">
@@ -25917,7 +26561,7 @@
                 <a:cs typeface="Lato"/>
                 <a:sym typeface="Lato"/>
               </a:rPr>
-              <a:t>e</a:t>
+              <a:t>need to</a:t>
             </a:r>
             <a:r>
               <a:rPr b="0" i="0" lang="en" sz="1800" u="none" cap="none" strike="noStrike">
@@ -25929,19 +26573,19 @@
                 <a:cs typeface="Lato"/>
                 <a:sym typeface="Lato"/>
               </a:rPr>
-              <a:t> data with </a:t>
-            </a:r>
-            <a:r>
-              <a:rPr b="0" lang="en" sz="1800">
-                <a:solidFill>
-                  <a:schemeClr val="dk1"/>
+              <a:t> speak the same </a:t>
+            </a:r>
+            <a:r>
+              <a:rPr i="0" lang="en" sz="1800" u="none" cap="none" strike="noStrike">
+                <a:solidFill>
+                  <a:schemeClr val="accent2"/>
                 </a:solidFill>
                 <a:latin typeface="Lato"/>
                 <a:ea typeface="Lato"/>
                 <a:cs typeface="Lato"/>
                 <a:sym typeface="Lato"/>
               </a:rPr>
-              <a:t>p</a:t>
+              <a:t>language of mathematics</a:t>
             </a:r>
             <a:r>
               <a:rPr b="0" i="0" lang="en" sz="1800" u="none" cap="none" strike="noStrike">
@@ -25953,74 +26597,46 @@
                 <a:cs typeface="Lato"/>
                 <a:sym typeface="Lato"/>
               </a:rPr>
-              <a:t>andas</a:t>
-            </a:r>
-            <a:endParaRPr b="0" sz="1100">
-              <a:solidFill>
-                <a:schemeClr val="dk1"/>
-              </a:solidFill>
-              <a:latin typeface="Lato"/>
-              <a:ea typeface="Lato"/>
-              <a:cs typeface="Lato"/>
-              <a:sym typeface="Lato"/>
-            </a:endParaRPr>
-          </a:p>
-          <a:p>
-            <a:pPr indent="-342900" lvl="0" marL="914400" marR="0" rtl="0" algn="l">
-              <a:lnSpc>
-                <a:spcPct val="100000"/>
-              </a:lnSpc>
-              <a:spcBef>
-                <a:spcPts val="0"/>
-              </a:spcBef>
-              <a:spcAft>
-                <a:spcPts val="0"/>
-              </a:spcAft>
-              <a:buClr>
-                <a:schemeClr val="dk1"/>
-              </a:buClr>
-              <a:buSzPts val="1800"/>
-              <a:buFont typeface="Lato"/>
-              <a:buChar char="●"/>
-            </a:pPr>
-            <a:r>
-              <a:rPr b="0" i="0" lang="en" sz="1800" u="none" cap="none" strike="noStrike">
-                <a:solidFill>
-                  <a:schemeClr val="dk1"/>
+              <a:t> we must </a:t>
+            </a:r>
+            <a:r>
+              <a:rPr i="0" lang="en" sz="1800" u="none" cap="none" strike="noStrike">
+                <a:solidFill>
+                  <a:schemeClr val="accent2"/>
                 </a:solidFill>
                 <a:latin typeface="Lato"/>
                 <a:ea typeface="Lato"/>
                 <a:cs typeface="Lato"/>
                 <a:sym typeface="Lato"/>
               </a:rPr>
-              <a:t>Explor</a:t>
-            </a:r>
-            <a:r>
-              <a:rPr b="0" lang="en" sz="1800">
-                <a:solidFill>
-                  <a:schemeClr val="dk1"/>
+              <a:t>share </a:t>
+            </a:r>
+            <a:r>
+              <a:rPr lang="en" sz="1800">
+                <a:solidFill>
+                  <a:schemeClr val="accent2"/>
                 </a:solidFill>
                 <a:latin typeface="Lato"/>
                 <a:ea typeface="Lato"/>
                 <a:cs typeface="Lato"/>
                 <a:sym typeface="Lato"/>
               </a:rPr>
-              <a:t>e</a:t>
-            </a:r>
-            <a:r>
-              <a:rPr b="0" i="0" lang="en" sz="1800" u="none" cap="none" strike="noStrike">
-                <a:solidFill>
-                  <a:schemeClr val="dk1"/>
+              <a:t>similar</a:t>
+            </a:r>
+            <a:r>
+              <a:rPr i="0" lang="en" sz="1800" u="none" cap="none" strike="noStrike">
+                <a:solidFill>
+                  <a:schemeClr val="accent2"/>
                 </a:solidFill>
                 <a:latin typeface="Lato"/>
                 <a:ea typeface="Lato"/>
                 <a:cs typeface="Lato"/>
                 <a:sym typeface="Lato"/>
               </a:rPr>
-              <a:t> data with </a:t>
-            </a:r>
-            <a:r>
-              <a:rPr b="0" lang="en" sz="1800">
+              <a:t> processes and tools</a:t>
+            </a:r>
+            <a:r>
+              <a:rPr b="0" i="0" lang="en" sz="1800" u="none" cap="none" strike="noStrike">
                 <a:solidFill>
                   <a:schemeClr val="dk1"/>
                 </a:solidFill>
@@ -26029,173 +26645,9 @@
                 <a:cs typeface="Lato"/>
                 <a:sym typeface="Lato"/>
               </a:rPr>
-              <a:t>p</a:t>
-            </a:r>
-            <a:r>
-              <a:rPr b="0" i="0" lang="en" sz="1800" u="none" cap="none" strike="noStrike">
-                <a:solidFill>
-                  <a:schemeClr val="dk1"/>
-                </a:solidFill>
-                <a:latin typeface="Lato"/>
-                <a:ea typeface="Lato"/>
-                <a:cs typeface="Lato"/>
-                <a:sym typeface="Lato"/>
-              </a:rPr>
-              <a:t>andas</a:t>
-            </a:r>
-            <a:endParaRPr b="0" sz="1100">
-              <a:solidFill>
-                <a:schemeClr val="dk1"/>
-              </a:solidFill>
-              <a:latin typeface="Lato"/>
-              <a:ea typeface="Lato"/>
-              <a:cs typeface="Lato"/>
-              <a:sym typeface="Lato"/>
-            </a:endParaRPr>
-          </a:p>
-          <a:p>
-            <a:pPr indent="-342900" lvl="0" marL="914400" marR="0" rtl="0" algn="l">
-              <a:lnSpc>
-                <a:spcPct val="100000"/>
-              </a:lnSpc>
-              <a:spcBef>
-                <a:spcPts val="0"/>
-              </a:spcBef>
-              <a:spcAft>
-                <a:spcPts val="0"/>
-              </a:spcAft>
-              <a:buClr>
-                <a:schemeClr val="dk1"/>
-              </a:buClr>
-              <a:buSzPts val="1800"/>
-              <a:buFont typeface="Lato"/>
-              <a:buChar char="●"/>
-            </a:pPr>
-            <a:r>
-              <a:rPr b="0" i="0" lang="en" sz="1800" u="none" cap="none" strike="noStrike">
-                <a:solidFill>
-                  <a:schemeClr val="dk1"/>
-                </a:solidFill>
-                <a:latin typeface="Lato"/>
-                <a:ea typeface="Lato"/>
-                <a:cs typeface="Lato"/>
-                <a:sym typeface="Lato"/>
-              </a:rPr>
-              <a:t>Introduc</a:t>
-            </a:r>
-            <a:r>
-              <a:rPr b="0" lang="en" sz="1800">
-                <a:solidFill>
-                  <a:schemeClr val="dk1"/>
-                </a:solidFill>
-                <a:latin typeface="Lato"/>
-                <a:ea typeface="Lato"/>
-                <a:cs typeface="Lato"/>
-                <a:sym typeface="Lato"/>
-              </a:rPr>
-              <a:t>e</a:t>
-            </a:r>
-            <a:r>
-              <a:rPr b="0" i="0" lang="en" sz="1800" u="none" cap="none" strike="noStrike">
-                <a:solidFill>
-                  <a:schemeClr val="dk1"/>
-                </a:solidFill>
-                <a:latin typeface="Lato"/>
-                <a:ea typeface="Lato"/>
-                <a:cs typeface="Lato"/>
-                <a:sym typeface="Lato"/>
-              </a:rPr>
-              <a:t> plotting in </a:t>
-            </a:r>
-            <a:r>
-              <a:rPr b="0" lang="en" sz="1800">
-                <a:solidFill>
-                  <a:schemeClr val="dk1"/>
-                </a:solidFill>
-                <a:latin typeface="Lato"/>
-                <a:ea typeface="Lato"/>
-                <a:cs typeface="Lato"/>
-                <a:sym typeface="Lato"/>
-              </a:rPr>
-              <a:t>p</a:t>
-            </a:r>
-            <a:r>
-              <a:rPr b="0" i="0" lang="en" sz="1800" u="none" cap="none" strike="noStrike">
-                <a:solidFill>
-                  <a:schemeClr val="dk1"/>
-                </a:solidFill>
-                <a:latin typeface="Lato"/>
-                <a:ea typeface="Lato"/>
-                <a:cs typeface="Lato"/>
-                <a:sym typeface="Lato"/>
-              </a:rPr>
-              <a:t>ython</a:t>
-            </a:r>
-            <a:endParaRPr b="0" sz="1100">
-              <a:solidFill>
-                <a:schemeClr val="dk1"/>
-              </a:solidFill>
-              <a:latin typeface="Lato"/>
-              <a:ea typeface="Lato"/>
-              <a:cs typeface="Lato"/>
-              <a:sym typeface="Lato"/>
-            </a:endParaRPr>
-          </a:p>
-          <a:p>
-            <a:pPr indent="-342900" lvl="0" marL="914400" marR="0" rtl="0" algn="l">
-              <a:lnSpc>
-                <a:spcPct val="100000"/>
-              </a:lnSpc>
-              <a:spcBef>
-                <a:spcPts val="0"/>
-              </a:spcBef>
-              <a:spcAft>
-                <a:spcPts val="0"/>
-              </a:spcAft>
-              <a:buClr>
-                <a:schemeClr val="dk1"/>
-              </a:buClr>
-              <a:buSzPts val="1800"/>
-              <a:buFont typeface="Lato"/>
-              <a:buChar char="●"/>
-            </a:pPr>
-            <a:r>
-              <a:rPr b="0" lang="en" sz="1800">
-                <a:solidFill>
-                  <a:schemeClr val="dk1"/>
-                </a:solidFill>
-                <a:latin typeface="Lato"/>
-                <a:ea typeface="Lato"/>
-                <a:cs typeface="Lato"/>
-                <a:sym typeface="Lato"/>
-              </a:rPr>
-              <a:t>Introduce </a:t>
-            </a:r>
-            <a:r>
-              <a:rPr b="0" i="0" lang="en" sz="1800" u="none" cap="none" strike="noStrike">
-                <a:solidFill>
-                  <a:schemeClr val="dk1"/>
-                </a:solidFill>
-                <a:latin typeface="Lato"/>
-                <a:ea typeface="Lato"/>
-                <a:cs typeface="Lato"/>
-                <a:sym typeface="Lato"/>
-              </a:rPr>
-              <a:t>scikit-learn </a:t>
-            </a:r>
-            <a:r>
-              <a:rPr b="0" lang="en" sz="1800">
-                <a:solidFill>
-                  <a:schemeClr val="dk1"/>
-                </a:solidFill>
-                <a:latin typeface="Lato"/>
-                <a:ea typeface="Lato"/>
-                <a:cs typeface="Lato"/>
-                <a:sym typeface="Lato"/>
-              </a:rPr>
-              <a:t>for machine learning</a:t>
-            </a:r>
-            <a:endParaRPr b="0" sz="1800">
+              <a:t> to produce impactful data science.</a:t>
+            </a:r>
+            <a:endParaRPr b="0" i="0" sz="1800" u="none" cap="none" strike="noStrike">
               <a:solidFill>
                 <a:schemeClr val="dk1"/>
               </a:solidFill>
@@ -26211,7 +26663,7 @@
                 <a:spcPct val="100000"/>
               </a:lnSpc>
               <a:spcBef>
-                <a:spcPts val="600"/>
+                <a:spcPts val="0"/>
               </a:spcBef>
               <a:spcAft>
                 <a:spcPts val="0"/>
@@ -26245,7 +26697,7 @@
               <a:buNone/>
             </a:pPr>
             <a:r>
-              <a:rPr b="0" i="0" lang="en" sz="1800" u="none" cap="none" strike="noStrike">
+              <a:rPr b="0" lang="en" sz="1800">
                 <a:solidFill>
                   <a:schemeClr val="dk1"/>
                 </a:solidFill>
@@ -26254,22 +26706,22 @@
                 <a:cs typeface="Lato"/>
                 <a:sym typeface="Lato"/>
               </a:rPr>
-              <a:t>By the end of the workshop, you will be able to write your own </a:t>
-            </a:r>
-            <a:r>
-              <a:rPr i="0" lang="en" sz="1800" u="none" cap="none" strike="noStrike">
-                <a:solidFill>
-                  <a:schemeClr val="accent2"/>
+              <a:t>Some of t</a:t>
+            </a:r>
+            <a:r>
+              <a:rPr b="0" i="0" lang="en" sz="1800" u="none" cap="none" strike="noStrike">
+                <a:solidFill>
+                  <a:schemeClr val="dk1"/>
                 </a:solidFill>
                 <a:latin typeface="Lato"/>
                 <a:ea typeface="Lato"/>
                 <a:cs typeface="Lato"/>
                 <a:sym typeface="Lato"/>
               </a:rPr>
-              <a:t>well-structured, idiomatic Python code</a:t>
-            </a:r>
-            <a:r>
-              <a:rPr b="0" i="0" lang="en" sz="1800" u="none" cap="none" strike="noStrike">
+              <a:t>hese processes and tools </a:t>
+            </a:r>
+            <a:r>
+              <a:rPr b="0" lang="en" sz="1800">
                 <a:solidFill>
                   <a:schemeClr val="dk1"/>
                 </a:solidFill>
@@ -26278,9 +26730,347 @@
                 <a:cs typeface="Lato"/>
                 <a:sym typeface="Lato"/>
               </a:rPr>
-              <a:t> for data science.</a:t>
-            </a:r>
-            <a:endParaRPr b="0" i="0" sz="1800" u="none" cap="none" strike="noStrike">
+              <a:t>come from agile </a:t>
+            </a:r>
+            <a:r>
+              <a:rPr lang="en" sz="1800">
+                <a:solidFill>
+                  <a:schemeClr val="accent2"/>
+                </a:solidFill>
+                <a:latin typeface="Lato"/>
+                <a:ea typeface="Lato"/>
+                <a:cs typeface="Lato"/>
+                <a:sym typeface="Lato"/>
+              </a:rPr>
+              <a:t>product development</a:t>
+            </a:r>
+            <a:r>
+              <a:rPr b="0" lang="en" sz="1800">
+                <a:solidFill>
+                  <a:schemeClr val="dk1"/>
+                </a:solidFill>
+                <a:latin typeface="Lato"/>
+                <a:ea typeface="Lato"/>
+                <a:cs typeface="Lato"/>
+                <a:sym typeface="Lato"/>
+              </a:rPr>
+              <a:t> and </a:t>
+            </a:r>
+            <a:r>
+              <a:rPr lang="en" sz="1800">
+                <a:solidFill>
+                  <a:schemeClr val="accent2"/>
+                </a:solidFill>
+                <a:latin typeface="Lato"/>
+                <a:ea typeface="Lato"/>
+                <a:cs typeface="Lato"/>
+                <a:sym typeface="Lato"/>
+              </a:rPr>
+              <a:t>software engineering</a:t>
+            </a:r>
+            <a:r>
+              <a:rPr b="0" i="0" lang="en" sz="1800" u="none" cap="none" strike="noStrike">
+                <a:solidFill>
+                  <a:schemeClr val="dk1"/>
+                </a:solidFill>
+                <a:latin typeface="Lato"/>
+                <a:ea typeface="Lato"/>
+                <a:cs typeface="Lato"/>
+                <a:sym typeface="Lato"/>
+              </a:rPr>
+              <a:t>.</a:t>
+            </a:r>
+            <a:endParaRPr b="0" sz="1800">
+              <a:solidFill>
+                <a:schemeClr val="dk1"/>
+              </a:solidFill>
+              <a:latin typeface="Lato"/>
+              <a:ea typeface="Lato"/>
+              <a:cs typeface="Lato"/>
+              <a:sym typeface="Lato"/>
+            </a:endParaRPr>
+          </a:p>
+          <a:p>
+            <a:pPr indent="0" lvl="0" marL="0" marR="0" rtl="0" algn="l">
+              <a:lnSpc>
+                <a:spcPct val="100000"/>
+              </a:lnSpc>
+              <a:spcBef>
+                <a:spcPts val="0"/>
+              </a:spcBef>
+              <a:spcAft>
+                <a:spcPts val="0"/>
+              </a:spcAft>
+              <a:buNone/>
+            </a:pPr>
+            <a:r>
+              <a:t/>
+            </a:r>
+            <a:endParaRPr b="0" sz="1800">
+              <a:solidFill>
+                <a:schemeClr val="dk1"/>
+              </a:solidFill>
+              <a:latin typeface="Lato"/>
+              <a:ea typeface="Lato"/>
+              <a:cs typeface="Lato"/>
+              <a:sym typeface="Lato"/>
+            </a:endParaRPr>
+          </a:p>
+          <a:p>
+            <a:pPr indent="0" lvl="0" marL="0" marR="0" rtl="0" algn="l">
+              <a:lnSpc>
+                <a:spcPct val="100000"/>
+              </a:lnSpc>
+              <a:spcBef>
+                <a:spcPts val="600"/>
+              </a:spcBef>
+              <a:spcAft>
+                <a:spcPts val="0"/>
+              </a:spcAft>
+              <a:buNone/>
+            </a:pPr>
+            <a:r>
+              <a:rPr b="0" i="0" lang="en" sz="1800" u="none" cap="none" strike="noStrike">
+                <a:solidFill>
+                  <a:schemeClr val="dk1"/>
+                </a:solidFill>
+                <a:latin typeface="Lato"/>
+                <a:ea typeface="Lato"/>
+                <a:cs typeface="Lato"/>
+                <a:sym typeface="Lato"/>
+              </a:rPr>
+              <a:t>Processes like </a:t>
+            </a:r>
+            <a:r>
+              <a:rPr i="0" lang="en" sz="1800" u="none" cap="none" strike="noStrike">
+                <a:solidFill>
+                  <a:schemeClr val="accent2"/>
+                </a:solidFill>
+                <a:latin typeface="Lato"/>
+                <a:ea typeface="Lato"/>
+                <a:cs typeface="Lato"/>
+                <a:sym typeface="Lato"/>
+              </a:rPr>
+              <a:t>design sprints</a:t>
+            </a:r>
+            <a:r>
+              <a:rPr b="0" lang="en" sz="1800">
+                <a:solidFill>
+                  <a:schemeClr val="dk1"/>
+                </a:solidFill>
+                <a:latin typeface="Lato"/>
+                <a:ea typeface="Lato"/>
+                <a:cs typeface="Lato"/>
+                <a:sym typeface="Lato"/>
+              </a:rPr>
+              <a:t>, </a:t>
+            </a:r>
+            <a:r>
+              <a:rPr i="0" lang="en" sz="1800" u="none" cap="none" strike="noStrike">
+                <a:solidFill>
+                  <a:schemeClr val="accent2"/>
+                </a:solidFill>
+                <a:latin typeface="Lato"/>
+                <a:ea typeface="Lato"/>
+                <a:cs typeface="Lato"/>
+                <a:sym typeface="Lato"/>
+              </a:rPr>
+              <a:t>project planning</a:t>
+            </a:r>
+            <a:r>
+              <a:rPr b="0" i="0" lang="en" sz="1800" u="none" cap="none" strike="noStrike">
+                <a:solidFill>
+                  <a:schemeClr val="dk1"/>
+                </a:solidFill>
+                <a:latin typeface="Lato"/>
+                <a:ea typeface="Lato"/>
+                <a:cs typeface="Lato"/>
+                <a:sym typeface="Lato"/>
+              </a:rPr>
+              <a:t>, </a:t>
+            </a:r>
+            <a:r>
+              <a:rPr i="0" lang="en" sz="1800" u="none" cap="none" strike="noStrike">
+                <a:solidFill>
+                  <a:schemeClr val="accent2"/>
+                </a:solidFill>
+                <a:latin typeface="Lato"/>
+                <a:ea typeface="Lato"/>
+                <a:cs typeface="Lato"/>
+                <a:sym typeface="Lato"/>
+              </a:rPr>
+              <a:t>planning poker</a:t>
+            </a:r>
+            <a:r>
+              <a:rPr b="0" i="0" lang="en" sz="1800" u="none" cap="none" strike="noStrike">
+                <a:solidFill>
+                  <a:schemeClr val="dk1"/>
+                </a:solidFill>
+                <a:latin typeface="Lato"/>
+                <a:ea typeface="Lato"/>
+                <a:cs typeface="Lato"/>
+                <a:sym typeface="Lato"/>
+              </a:rPr>
+              <a:t>, and </a:t>
+            </a:r>
+            <a:r>
+              <a:rPr i="0" lang="en" sz="1800" u="none" cap="none" strike="noStrike">
+                <a:solidFill>
+                  <a:schemeClr val="accent2"/>
+                </a:solidFill>
+                <a:latin typeface="Lato"/>
+                <a:ea typeface="Lato"/>
+                <a:cs typeface="Lato"/>
+                <a:sym typeface="Lato"/>
+              </a:rPr>
+              <a:t>daily standups</a:t>
+            </a:r>
+            <a:r>
+              <a:rPr b="0" lang="en" sz="1800">
+                <a:solidFill>
+                  <a:schemeClr val="dk1"/>
+                </a:solidFill>
+                <a:latin typeface="Lato"/>
+                <a:ea typeface="Lato"/>
+                <a:cs typeface="Lato"/>
+                <a:sym typeface="Lato"/>
+              </a:rPr>
+              <a:t>. </a:t>
+            </a:r>
+            <a:endParaRPr b="0" sz="1800">
+              <a:solidFill>
+                <a:schemeClr val="dk1"/>
+              </a:solidFill>
+              <a:latin typeface="Lato"/>
+              <a:ea typeface="Lato"/>
+              <a:cs typeface="Lato"/>
+              <a:sym typeface="Lato"/>
+            </a:endParaRPr>
+          </a:p>
+          <a:p>
+            <a:pPr indent="0" lvl="0" marL="0" marR="0" rtl="0" algn="l">
+              <a:lnSpc>
+                <a:spcPct val="100000"/>
+              </a:lnSpc>
+              <a:spcBef>
+                <a:spcPts val="0"/>
+              </a:spcBef>
+              <a:spcAft>
+                <a:spcPts val="0"/>
+              </a:spcAft>
+              <a:buNone/>
+            </a:pPr>
+            <a:r>
+              <a:t/>
+            </a:r>
+            <a:endParaRPr b="0" sz="1800">
+              <a:solidFill>
+                <a:schemeClr val="dk1"/>
+              </a:solidFill>
+              <a:latin typeface="Lato"/>
+              <a:ea typeface="Lato"/>
+              <a:cs typeface="Lato"/>
+              <a:sym typeface="Lato"/>
+            </a:endParaRPr>
+          </a:p>
+          <a:p>
+            <a:pPr indent="0" lvl="0" marL="0" marR="0" rtl="0" algn="l">
+              <a:lnSpc>
+                <a:spcPct val="100000"/>
+              </a:lnSpc>
+              <a:spcBef>
+                <a:spcPts val="600"/>
+              </a:spcBef>
+              <a:spcAft>
+                <a:spcPts val="0"/>
+              </a:spcAft>
+              <a:buNone/>
+            </a:pPr>
+            <a:r>
+              <a:rPr b="0" i="0" lang="en" sz="1800" u="none" cap="none" strike="noStrike">
+                <a:solidFill>
+                  <a:schemeClr val="dk1"/>
+                </a:solidFill>
+                <a:latin typeface="Lato"/>
+                <a:ea typeface="Lato"/>
+                <a:cs typeface="Lato"/>
+                <a:sym typeface="Lato"/>
+              </a:rPr>
+              <a:t>Tools like </a:t>
+            </a:r>
+            <a:r>
+              <a:rPr i="0" lang="en" sz="1800" u="none" cap="none" strike="noStrike">
+                <a:solidFill>
+                  <a:schemeClr val="accent2"/>
+                </a:solidFill>
+                <a:latin typeface="Lato"/>
+                <a:ea typeface="Lato"/>
+                <a:cs typeface="Lato"/>
+                <a:sym typeface="Lato"/>
+              </a:rPr>
+              <a:t>version control</a:t>
+            </a:r>
+            <a:r>
+              <a:rPr b="0" i="0" lang="en" sz="1800" u="none" cap="none" strike="noStrike">
+                <a:solidFill>
+                  <a:schemeClr val="dk1"/>
+                </a:solidFill>
+                <a:latin typeface="Lato"/>
+                <a:ea typeface="Lato"/>
+                <a:cs typeface="Lato"/>
+                <a:sym typeface="Lato"/>
+              </a:rPr>
+              <a:t>, </a:t>
+            </a:r>
+            <a:r>
+              <a:rPr i="0" lang="en" sz="1800" u="none" cap="none" strike="noStrike">
+                <a:solidFill>
+                  <a:schemeClr val="accent2"/>
+                </a:solidFill>
+                <a:latin typeface="Lato"/>
+                <a:ea typeface="Lato"/>
+                <a:cs typeface="Lato"/>
+                <a:sym typeface="Lato"/>
+              </a:rPr>
+              <a:t>open source languages</a:t>
+            </a:r>
+            <a:r>
+              <a:rPr b="0" i="0" lang="en" sz="1800" u="none" cap="none" strike="noStrike">
+                <a:solidFill>
+                  <a:schemeClr val="dk1"/>
+                </a:solidFill>
+                <a:latin typeface="Lato"/>
+                <a:ea typeface="Lato"/>
+                <a:cs typeface="Lato"/>
+                <a:sym typeface="Lato"/>
+              </a:rPr>
+              <a:t>, and linux </a:t>
+            </a:r>
+            <a:r>
+              <a:rPr i="0" lang="en" sz="1800" u="none" cap="none" strike="noStrike">
+                <a:solidFill>
+                  <a:schemeClr val="accent2"/>
+                </a:solidFill>
+                <a:latin typeface="Lato"/>
+                <a:ea typeface="Lato"/>
+                <a:cs typeface="Lato"/>
+                <a:sym typeface="Lato"/>
+              </a:rPr>
+              <a:t>software containers</a:t>
+            </a:r>
+            <a:r>
+              <a:rPr i="0" lang="en" sz="1800" u="none" cap="none" strike="noStrike">
+                <a:solidFill>
+                  <a:schemeClr val="dk1"/>
+                </a:solidFill>
+                <a:latin typeface="Lato"/>
+                <a:ea typeface="Lato"/>
+                <a:cs typeface="Lato"/>
+                <a:sym typeface="Lato"/>
+              </a:rPr>
+              <a:t>.</a:t>
+            </a:r>
+            <a:endParaRPr i="0" sz="1800" u="none" cap="none" strike="noStrike">
               <a:solidFill>
                 <a:schemeClr val="dk1"/>
               </a:solidFill>
@@ -26294,7 +27084,7 @@
       </p:sp>
       <p:sp>
         <p:nvSpPr>
-          <p:cNvPr id="220" name="Shape 220"/>
+          <p:cNvPr id="227" name="Shape 227"/>
           <p:cNvSpPr txBox="1"/>
           <p:nvPr>
             <p:ph type="title"/>
@@ -26342,7 +27132,55 @@
                   <a:schemeClr val="accent2"/>
                 </a:solidFill>
               </a:rPr>
-              <a:t>Agenda</a:t>
+              <a:t>How </a:t>
+            </a:r>
+            <a:r>
+              <a:rPr lang="en">
+                <a:solidFill>
+                  <a:schemeClr val="accent2"/>
+                </a:solidFill>
+              </a:rPr>
+              <a:t>d</a:t>
+            </a:r>
+            <a:r>
+              <a:rPr lang="en" u="none" cap="none" strike="noStrike">
+                <a:solidFill>
+                  <a:schemeClr val="accent2"/>
+                </a:solidFill>
+              </a:rPr>
+              <a:t>o </a:t>
+            </a:r>
+            <a:r>
+              <a:rPr lang="en">
+                <a:solidFill>
+                  <a:schemeClr val="accent2"/>
+                </a:solidFill>
+              </a:rPr>
+              <a:t>w</a:t>
+            </a:r>
+            <a:r>
+              <a:rPr lang="en" u="none" cap="none" strike="noStrike">
+                <a:solidFill>
+                  <a:schemeClr val="accent2"/>
+                </a:solidFill>
+              </a:rPr>
+              <a:t>e </a:t>
+            </a:r>
+            <a:r>
+              <a:rPr i="1" lang="en" u="none" cap="none" strike="noStrike">
+                <a:solidFill>
+                  <a:schemeClr val="accent2"/>
+                </a:solidFill>
+              </a:rPr>
+              <a:t>do</a:t>
+            </a:r>
+            <a:r>
+              <a:rPr i="0" lang="en" u="none" cap="none" strike="noStrike">
+                <a:solidFill>
+                  <a:schemeClr val="accent2"/>
+                </a:solidFill>
+              </a:rPr>
+              <a:t> Data Science?</a:t>
             </a:r>
             <a:endParaRPr i="0" u="none" cap="none" strike="noStrike">
               <a:solidFill>
@@ -26360,12 +27198,12 @@
 </p:sld>
 </file>
 
-<file path=ppt/slides/slide5.xml><?xml version="1.0" encoding="utf-8"?>
+<file path=ppt/slides/slide7.xml><?xml version="1.0" encoding="utf-8"?>
 <p:sld xmlns:a="http://schemas.openxmlformats.org/drawingml/2006/main" xmlns:r="http://schemas.openxmlformats.org/officeDocument/2006/relationships" xmlns:mc="http://schemas.openxmlformats.org/markup-compatibility/2006" xmlns:mv="urn:schemas-microsoft-com:mac:vml" xmlns:p="http://schemas.openxmlformats.org/presentationml/2006/main" xmlns:c="http://schemas.openxmlformats.org/drawingml/2006/chart" xmlns:dgm="http://schemas.openxmlformats.org/drawingml/2006/diagram" xmlns:o="urn:schemas-microsoft-com:office:office" xmlns:v="urn:schemas-microsoft-com:vml" xmlns:pvml="urn:schemas-microsoft-com:office:powerpoint" xmlns:com="http://schemas.openxmlformats.org/drawingml/2006/compatibility" xmlns:p14="http://schemas.microsoft.com/office/powerpoint/2010/main" xmlns:p15="http://schemas.microsoft.com/office/powerpoint/2012/main">
   <p:cSld>
     <p:spTree>
       <p:nvGrpSpPr>
-        <p:cNvPr id="224" name="Shape 224"/>
+        <p:cNvPr id="231" name="Shape 231"/>
         <p:cNvGrpSpPr/>
         <p:nvPr/>
       </p:nvGrpSpPr>
@@ -26379,7 +27217,7 @@
       </p:grpSpPr>
       <p:sp>
         <p:nvSpPr>
-          <p:cNvPr id="225" name="Shape 225"/>
+          <p:cNvPr id="232" name="Shape 232"/>
           <p:cNvSpPr txBox="1"/>
           <p:nvPr>
             <p:ph idx="1" type="body"/>
@@ -26409,7 +27247,7 @@
                 <a:spcPct val="100000"/>
               </a:lnSpc>
               <a:spcBef>
-                <a:spcPts val="600"/>
+                <a:spcPts val="0"/>
               </a:spcBef>
               <a:spcAft>
                 <a:spcPts val="0"/>
@@ -26417,20 +27255,162 @@
               <a:buNone/>
             </a:pPr>
             <a:r>
-              <a:rPr b="0" lang="en" sz="1800">
-                <a:solidFill>
-                  <a:schemeClr val="dk1"/>
+              <a:rPr lang="en" sz="1800">
+                <a:solidFill>
+                  <a:schemeClr val="accent2"/>
                 </a:solidFill>
                 <a:latin typeface="Lato"/>
                 <a:ea typeface="Lato"/>
                 <a:cs typeface="Lato"/>
                 <a:sym typeface="Lato"/>
               </a:rPr>
-              <a:t>There are a few existing definitions</a:t>
+              <a:t>Python</a:t>
+            </a:r>
+            <a:r>
+              <a:rPr b="0" lang="en" sz="1800">
+                <a:latin typeface="Lato"/>
+                <a:ea typeface="Lato"/>
+                <a:cs typeface="Lato"/>
+                <a:sym typeface="Lato"/>
+              </a:rPr>
+              <a:t> is one of these open source languages that you may </a:t>
+            </a:r>
+            <a:r>
+              <a:rPr lang="en" sz="1800">
+                <a:solidFill>
+                  <a:schemeClr val="accent2"/>
+                </a:solidFill>
+                <a:latin typeface="Lato"/>
+                <a:ea typeface="Lato"/>
+                <a:cs typeface="Lato"/>
+                <a:sym typeface="Lato"/>
+              </a:rPr>
+              <a:t>choose</a:t>
+            </a:r>
+            <a:r>
+              <a:rPr b="0" lang="en" sz="1800">
+                <a:latin typeface="Lato"/>
+                <a:ea typeface="Lato"/>
+                <a:cs typeface="Lato"/>
+                <a:sym typeface="Lato"/>
+              </a:rPr>
+              <a:t> to use. </a:t>
             </a:r>
             <a:endParaRPr b="0" sz="1800">
+              <a:latin typeface="Lato"/>
+              <a:ea typeface="Lato"/>
+              <a:cs typeface="Lato"/>
+              <a:sym typeface="Lato"/>
+            </a:endParaRPr>
+          </a:p>
+          <a:p>
+            <a:pPr indent="0" lvl="0" marL="0" marR="0" rtl="0" algn="l">
+              <a:lnSpc>
+                <a:spcPct val="100000"/>
+              </a:lnSpc>
+              <a:spcBef>
+                <a:spcPts val="0"/>
+              </a:spcBef>
+              <a:spcAft>
+                <a:spcPts val="0"/>
+              </a:spcAft>
+              <a:buNone/>
+            </a:pPr>
+            <a:r>
+              <a:t/>
+            </a:r>
+            <a:endParaRPr b="0" sz="1800">
+              <a:latin typeface="Lato"/>
+              <a:ea typeface="Lato"/>
+              <a:cs typeface="Lato"/>
+              <a:sym typeface="Lato"/>
+            </a:endParaRPr>
+          </a:p>
+          <a:p>
+            <a:pPr indent="0" lvl="0" marL="0" marR="0" rtl="0" algn="l">
+              <a:lnSpc>
+                <a:spcPct val="100000"/>
+              </a:lnSpc>
+              <a:spcBef>
+                <a:spcPts val="0"/>
+              </a:spcBef>
+              <a:spcAft>
+                <a:spcPts val="0"/>
+              </a:spcAft>
+              <a:buNone/>
+            </a:pPr>
+            <a:r>
+              <a:rPr b="0" lang="en" sz="1800">
+                <a:latin typeface="Lato"/>
+                <a:ea typeface="Lato"/>
+                <a:cs typeface="Lato"/>
+                <a:sym typeface="Lato"/>
+              </a:rPr>
+              <a:t>It’s a</a:t>
+            </a:r>
+            <a:r>
+              <a:rPr b="0" i="0" lang="en" sz="1800" u="none" cap="none" strike="noStrike">
+                <a:solidFill>
+                  <a:srgbClr val="555555"/>
+                </a:solidFill>
+                <a:latin typeface="Lato"/>
+                <a:ea typeface="Lato"/>
+                <a:cs typeface="Lato"/>
+                <a:sym typeface="Lato"/>
+              </a:rPr>
+              <a:t> </a:t>
+            </a:r>
+            <a:r>
+              <a:rPr i="0" lang="en" sz="1800" u="none" cap="none" strike="noStrike">
+                <a:solidFill>
+                  <a:schemeClr val="accent2"/>
+                </a:solidFill>
+                <a:latin typeface="Lato"/>
+                <a:ea typeface="Lato"/>
+                <a:cs typeface="Lato"/>
+                <a:sym typeface="Lato"/>
+              </a:rPr>
+              <a:t>full-featured</a:t>
+            </a:r>
+            <a:r>
+              <a:rPr b="0" i="0" lang="en" sz="1800" u="none" cap="none" strike="noStrike">
+                <a:solidFill>
+                  <a:srgbClr val="555555"/>
+                </a:solidFill>
+                <a:latin typeface="Lato"/>
+                <a:ea typeface="Lato"/>
+                <a:cs typeface="Lato"/>
+                <a:sym typeface="Lato"/>
+              </a:rPr>
+              <a:t> language with </a:t>
+            </a:r>
+            <a:r>
+              <a:rPr i="0" lang="en" sz="1800" u="none" cap="none" strike="noStrike">
+                <a:solidFill>
+                  <a:schemeClr val="accent2"/>
+                </a:solidFill>
+                <a:latin typeface="Lato"/>
+                <a:ea typeface="Lato"/>
+                <a:cs typeface="Lato"/>
+                <a:sym typeface="Lato"/>
+              </a:rPr>
+              <a:t>many, many packages</a:t>
+            </a:r>
+            <a:r>
+              <a:rPr b="0" i="0" lang="en" sz="1800" u="none" cap="none" strike="noStrike">
+                <a:solidFill>
+                  <a:srgbClr val="555555"/>
+                </a:solidFill>
+                <a:latin typeface="Lato"/>
+                <a:ea typeface="Lato"/>
+                <a:cs typeface="Lato"/>
+                <a:sym typeface="Lato"/>
+              </a:rPr>
+              <a:t> for making data science tasks easier.</a:t>
+            </a:r>
+            <a:endParaRPr b="0" i="0" sz="1800" u="none" cap="none" strike="noStrike">
               <a:solidFill>
-                <a:schemeClr val="dk1"/>
+                <a:srgbClr val="555555"/>
               </a:solidFill>
               <a:latin typeface="Lato"/>
               <a:ea typeface="Lato"/>
@@ -26444,7 +27424,7 @@
                 <a:spcPct val="100000"/>
               </a:lnSpc>
               <a:spcBef>
-                <a:spcPts val="600"/>
+                <a:spcPts val="0"/>
               </a:spcBef>
               <a:spcAft>
                 <a:spcPts val="0"/>
@@ -26455,6 +27435,171 @@
               <a:t/>
             </a:r>
             <a:endParaRPr b="0" sz="1800">
+              <a:latin typeface="Lato"/>
+              <a:ea typeface="Lato"/>
+              <a:cs typeface="Lato"/>
+              <a:sym typeface="Lato"/>
+            </a:endParaRPr>
+          </a:p>
+          <a:p>
+            <a:pPr indent="0" lvl="0" marL="0" marR="0" rtl="0" algn="l">
+              <a:lnSpc>
+                <a:spcPct val="100000"/>
+              </a:lnSpc>
+              <a:spcBef>
+                <a:spcPts val="0"/>
+              </a:spcBef>
+              <a:spcAft>
+                <a:spcPts val="0"/>
+              </a:spcAft>
+              <a:buNone/>
+            </a:pPr>
+            <a:r>
+              <a:rPr b="0" lang="en" sz="1800">
+                <a:latin typeface="Lato"/>
+                <a:ea typeface="Lato"/>
+                <a:cs typeface="Lato"/>
+                <a:sym typeface="Lato"/>
+              </a:rPr>
+              <a:t>There are r</a:t>
+            </a:r>
+            <a:r>
+              <a:rPr b="0" i="0" lang="en" sz="1800" u="none" cap="none" strike="noStrike">
+                <a:solidFill>
+                  <a:srgbClr val="555555"/>
+                </a:solidFill>
+                <a:latin typeface="Lato"/>
+                <a:ea typeface="Lato"/>
+                <a:cs typeface="Lato"/>
+                <a:sym typeface="Lato"/>
+              </a:rPr>
+              <a:t>obust libraries and services for </a:t>
+            </a:r>
+            <a:r>
+              <a:rPr i="0" lang="en" sz="1800" u="none" cap="none" strike="noStrike">
+                <a:solidFill>
+                  <a:schemeClr val="accent2"/>
+                </a:solidFill>
+                <a:latin typeface="Lato"/>
+                <a:ea typeface="Lato"/>
+                <a:cs typeface="Lato"/>
+                <a:sym typeface="Lato"/>
+              </a:rPr>
+              <a:t>testing</a:t>
+            </a:r>
+            <a:r>
+              <a:rPr b="0" i="0" lang="en" sz="1800" u="none" cap="none" strike="noStrike">
+                <a:solidFill>
+                  <a:srgbClr val="555555"/>
+                </a:solidFill>
+                <a:latin typeface="Lato"/>
+                <a:ea typeface="Lato"/>
+                <a:cs typeface="Lato"/>
+                <a:sym typeface="Lato"/>
+              </a:rPr>
+              <a:t> your code and methods</a:t>
+            </a:r>
+            <a:endParaRPr b="0" sz="1800">
+              <a:latin typeface="Lato"/>
+              <a:ea typeface="Lato"/>
+              <a:cs typeface="Lato"/>
+              <a:sym typeface="Lato"/>
+            </a:endParaRPr>
+          </a:p>
+          <a:p>
+            <a:pPr indent="0" lvl="0" marL="0" marR="0" rtl="0" algn="l">
+              <a:lnSpc>
+                <a:spcPct val="100000"/>
+              </a:lnSpc>
+              <a:spcBef>
+                <a:spcPts val="0"/>
+              </a:spcBef>
+              <a:spcAft>
+                <a:spcPts val="0"/>
+              </a:spcAft>
+              <a:buNone/>
+            </a:pPr>
+            <a:r>
+              <a:t/>
+            </a:r>
+            <a:endParaRPr b="0" sz="1800">
+              <a:latin typeface="Lato"/>
+              <a:ea typeface="Lato"/>
+              <a:cs typeface="Lato"/>
+              <a:sym typeface="Lato"/>
+            </a:endParaRPr>
+          </a:p>
+          <a:p>
+            <a:pPr indent="0" lvl="0" marL="0" marR="0" rtl="0" algn="l">
+              <a:lnSpc>
+                <a:spcPct val="100000"/>
+              </a:lnSpc>
+              <a:spcBef>
+                <a:spcPts val="0"/>
+              </a:spcBef>
+              <a:spcAft>
+                <a:spcPts val="0"/>
+              </a:spcAft>
+              <a:buNone/>
+            </a:pPr>
+            <a:r>
+              <a:rPr b="0" lang="en" sz="1800">
+                <a:latin typeface="Lato"/>
+                <a:ea typeface="Lato"/>
+                <a:cs typeface="Lato"/>
+                <a:sym typeface="Lato"/>
+              </a:rPr>
+              <a:t>It m</a:t>
+            </a:r>
+            <a:r>
+              <a:rPr b="0" i="0" lang="en" sz="1800" u="none" cap="none" strike="noStrike">
+                <a:solidFill>
+                  <a:srgbClr val="555555"/>
+                </a:solidFill>
+                <a:latin typeface="Lato"/>
+                <a:ea typeface="Lato"/>
+                <a:cs typeface="Lato"/>
+                <a:sym typeface="Lato"/>
+              </a:rPr>
+              <a:t>akes it easy to write </a:t>
+            </a:r>
+            <a:r>
+              <a:rPr lang="en" sz="1800" u="none" cap="none" strike="noStrike">
+                <a:solidFill>
+                  <a:schemeClr val="accent2"/>
+                </a:solidFill>
+                <a:latin typeface="Lato"/>
+                <a:ea typeface="Lato"/>
+                <a:cs typeface="Lato"/>
+                <a:sym typeface="Lato"/>
+              </a:rPr>
+              <a:t>defensive</a:t>
+            </a:r>
+            <a:r>
+              <a:rPr i="0" lang="en" sz="1800" u="none" cap="none" strike="noStrike">
+                <a:solidFill>
+                  <a:schemeClr val="accent2"/>
+                </a:solidFill>
+                <a:latin typeface="Lato"/>
+                <a:ea typeface="Lato"/>
+                <a:cs typeface="Lato"/>
+                <a:sym typeface="Lato"/>
+              </a:rPr>
+              <a:t> code</a:t>
+            </a:r>
+            <a:r>
+              <a:rPr b="0" i="0" lang="en" sz="1800" u="none" cap="none" strike="noStrike">
+                <a:solidFill>
+                  <a:schemeClr val="dk1"/>
+                </a:solidFill>
+                <a:latin typeface="Lato"/>
+                <a:ea typeface="Lato"/>
+                <a:cs typeface="Lato"/>
+                <a:sym typeface="Lato"/>
+              </a:rPr>
+              <a:t>.</a:t>
+            </a:r>
+            <a:endParaRPr b="0" i="0" sz="1800" u="none" cap="none" strike="noStrike">
               <a:solidFill>
                 <a:schemeClr val="dk1"/>
               </a:solidFill>
@@ -26470,7 +27615,7 @@
                 <a:spcPct val="100000"/>
               </a:lnSpc>
               <a:spcBef>
-                <a:spcPts val="600"/>
+                <a:spcPts val="0"/>
               </a:spcBef>
               <a:spcAft>
                 <a:spcPts val="0"/>
@@ -26478,153 +27623,9 @@
               <a:buNone/>
             </a:pPr>
             <a:r>
-              <a:rPr i="0" lang="en" sz="1800" u="none" cap="none" strike="noStrike">
-                <a:solidFill>
-                  <a:schemeClr val="accent2"/>
-                </a:solidFill>
-                <a:latin typeface="Lato"/>
-                <a:ea typeface="Lato"/>
-                <a:cs typeface="Lato"/>
-                <a:sym typeface="Lato"/>
-              </a:rPr>
-              <a:t>Obtain</a:t>
-            </a:r>
-            <a:r>
-              <a:rPr b="0" i="0" lang="en" sz="1800" u="none" cap="none" strike="noStrike">
-                <a:solidFill>
-                  <a:schemeClr val="dk1"/>
-                </a:solidFill>
-                <a:latin typeface="Lato"/>
-                <a:ea typeface="Lato"/>
-                <a:cs typeface="Lato"/>
-                <a:sym typeface="Lato"/>
-              </a:rPr>
-              <a:t>, </a:t>
-            </a:r>
-            <a:r>
-              <a:rPr i="0" lang="en" sz="1800" u="none" cap="none" strike="noStrike">
-                <a:solidFill>
-                  <a:schemeClr val="accent2"/>
-                </a:solidFill>
-                <a:latin typeface="Lato"/>
-                <a:ea typeface="Lato"/>
-                <a:cs typeface="Lato"/>
-                <a:sym typeface="Lato"/>
-              </a:rPr>
-              <a:t>Scrub</a:t>
-            </a:r>
-            <a:r>
-              <a:rPr b="0" i="0" lang="en" sz="1800" u="none" cap="none" strike="noStrike">
-                <a:solidFill>
-                  <a:schemeClr val="dk1"/>
-                </a:solidFill>
-                <a:latin typeface="Lato"/>
-                <a:ea typeface="Lato"/>
-                <a:cs typeface="Lato"/>
-                <a:sym typeface="Lato"/>
-              </a:rPr>
-              <a:t>, </a:t>
-            </a:r>
-            <a:r>
-              <a:rPr i="0" lang="en" sz="1800" u="none" cap="none" strike="noStrike">
-                <a:solidFill>
-                  <a:schemeClr val="accent2"/>
-                </a:solidFill>
-                <a:latin typeface="Lato"/>
-                <a:ea typeface="Lato"/>
-                <a:cs typeface="Lato"/>
-                <a:sym typeface="Lato"/>
-              </a:rPr>
-              <a:t>Explore</a:t>
-            </a:r>
-            <a:r>
-              <a:rPr b="0" i="0" lang="en" sz="1800" u="none" cap="none" strike="noStrike">
-                <a:solidFill>
-                  <a:schemeClr val="dk1"/>
-                </a:solidFill>
-                <a:latin typeface="Lato"/>
-                <a:ea typeface="Lato"/>
-                <a:cs typeface="Lato"/>
-                <a:sym typeface="Lato"/>
-              </a:rPr>
-              <a:t>, </a:t>
-            </a:r>
-            <a:r>
-              <a:rPr i="0" lang="en" sz="1800" u="none" cap="none" strike="noStrike">
-                <a:solidFill>
-                  <a:schemeClr val="accent2"/>
-                </a:solidFill>
-                <a:latin typeface="Lato"/>
-                <a:ea typeface="Lato"/>
-                <a:cs typeface="Lato"/>
-                <a:sym typeface="Lato"/>
-              </a:rPr>
-              <a:t>Model</a:t>
-            </a:r>
-            <a:r>
-              <a:rPr b="0" i="0" lang="en" sz="1800" u="none" cap="none" strike="noStrike">
-                <a:solidFill>
-                  <a:schemeClr val="dk1"/>
-                </a:solidFill>
-                <a:latin typeface="Lato"/>
-                <a:ea typeface="Lato"/>
-                <a:cs typeface="Lato"/>
-                <a:sym typeface="Lato"/>
-              </a:rPr>
-              <a:t>, and </a:t>
-            </a:r>
-            <a:r>
-              <a:rPr i="0" lang="en" sz="1800" u="none" cap="none" strike="noStrike">
-                <a:solidFill>
-                  <a:schemeClr val="accent2"/>
-                </a:solidFill>
-                <a:latin typeface="Lato"/>
-                <a:ea typeface="Lato"/>
-                <a:cs typeface="Lato"/>
-                <a:sym typeface="Lato"/>
-              </a:rPr>
-              <a:t>iNterpret</a:t>
-            </a:r>
-            <a:r>
-              <a:rPr b="0" i="0" lang="en" sz="1800" u="none" cap="none" strike="noStrike">
-                <a:solidFill>
-                  <a:schemeClr val="dk1"/>
-                </a:solidFill>
-                <a:latin typeface="Lato"/>
-                <a:ea typeface="Lato"/>
-                <a:cs typeface="Lato"/>
-                <a:sym typeface="Lato"/>
-              </a:rPr>
-              <a:t> (</a:t>
-            </a:r>
-            <a:r>
-              <a:rPr i="0" lang="en" sz="1800" u="none" cap="none" strike="noStrike">
-                <a:solidFill>
-                  <a:srgbClr val="0194D3"/>
-                </a:solidFill>
-                <a:latin typeface="Lato"/>
-                <a:ea typeface="Lato"/>
-                <a:cs typeface="Lato"/>
-                <a:sym typeface="Lato"/>
-              </a:rPr>
-              <a:t>OSEMN</a:t>
-            </a:r>
-            <a:r>
-              <a:rPr b="0" i="0" lang="en" sz="1800" u="none" cap="none" strike="noStrike">
-                <a:solidFill>
-                  <a:schemeClr val="dk1"/>
-                </a:solidFill>
-                <a:latin typeface="Lato"/>
-                <a:ea typeface="Lato"/>
-                <a:cs typeface="Lato"/>
-                <a:sym typeface="Lato"/>
-              </a:rPr>
-              <a:t>)  </a:t>
-            </a:r>
-            <a:endParaRPr b="0" i="0" sz="1800" u="none" cap="none" strike="noStrike">
-              <a:solidFill>
-                <a:schemeClr val="dk1"/>
-              </a:solidFill>
+              <a:t/>
+            </a:r>
+            <a:endParaRPr b="0" sz="1800">
               <a:latin typeface="Lato"/>
               <a:ea typeface="Lato"/>
               <a:cs typeface="Lato"/>
@@ -26632,12 +27633,12 @@
             </a:endParaRPr>
           </a:p>
           <a:p>
-            <a:pPr indent="457200" lvl="0" marL="0" marR="0" rtl="0" algn="l">
+            <a:pPr indent="0" lvl="0" marL="0" marR="0" rtl="0" algn="l">
               <a:lnSpc>
                 <a:spcPct val="100000"/>
               </a:lnSpc>
               <a:spcBef>
-                <a:spcPts val="600"/>
+                <a:spcPts val="0"/>
               </a:spcBef>
               <a:spcAft>
                 <a:spcPts val="0"/>
@@ -26645,20 +27646,65 @@
               <a:buNone/>
             </a:pPr>
             <a:r>
-              <a:rPr b="0" i="0" lang="en" sz="1800" u="none" cap="none" strike="noStrike">
-                <a:solidFill>
-                  <a:schemeClr val="dk1"/>
+              <a:rPr lang="en" sz="1800">
+                <a:solidFill>
+                  <a:schemeClr val="accent2"/>
                 </a:solidFill>
                 <a:latin typeface="Lato"/>
                 <a:ea typeface="Lato"/>
                 <a:cs typeface="Lato"/>
                 <a:sym typeface="Lato"/>
               </a:rPr>
-              <a:t>Mason and Wiggins, 2010</a:t>
+              <a:t>Readability counts</a:t>
+            </a:r>
+            <a:r>
+              <a:rPr b="0" lang="en" sz="1800">
+                <a:latin typeface="Lato"/>
+                <a:ea typeface="Lato"/>
+                <a:cs typeface="Lato"/>
+                <a:sym typeface="Lato"/>
+              </a:rPr>
+              <a:t> and </a:t>
+            </a:r>
+            <a:r>
+              <a:rPr lang="en" sz="1800">
+                <a:solidFill>
+                  <a:schemeClr val="accent2"/>
+                </a:solidFill>
+                <a:latin typeface="Lato"/>
+                <a:ea typeface="Lato"/>
+                <a:cs typeface="Lato"/>
+                <a:sym typeface="Lato"/>
+              </a:rPr>
+              <a:t>s</a:t>
+            </a:r>
+            <a:r>
+              <a:rPr i="0" lang="en" sz="1800" u="none" cap="none" strike="noStrike">
+                <a:solidFill>
+                  <a:schemeClr val="accent2"/>
+                </a:solidFill>
+                <a:latin typeface="Lato"/>
+                <a:ea typeface="Lato"/>
+                <a:cs typeface="Lato"/>
+                <a:sym typeface="Lato"/>
+              </a:rPr>
+              <a:t>tyle matters</a:t>
+            </a:r>
+            <a:r>
+              <a:rPr b="0" i="0" lang="en" sz="1800" u="none" cap="none" strike="noStrike">
+                <a:solidFill>
+                  <a:srgbClr val="555555"/>
+                </a:solidFill>
+                <a:latin typeface="Lato"/>
+                <a:ea typeface="Lato"/>
+                <a:cs typeface="Lato"/>
+                <a:sym typeface="Lato"/>
+              </a:rPr>
+              <a:t>.</a:t>
             </a:r>
             <a:endParaRPr b="0" i="0" sz="1800" u="none" cap="none" strike="noStrike">
               <a:solidFill>
-                <a:schemeClr val="dk1"/>
+                <a:srgbClr val="555555"/>
               </a:solidFill>
               <a:latin typeface="Lato"/>
               <a:ea typeface="Lato"/>
@@ -26672,7 +27718,7 @@
                 <a:spcPct val="100000"/>
               </a:lnSpc>
               <a:spcBef>
-                <a:spcPts val="600"/>
+                <a:spcPts val="0"/>
               </a:spcBef>
               <a:spcAft>
                 <a:spcPts val="0"/>
@@ -26683,6 +27729,74 @@
               <a:t/>
             </a:r>
             <a:endParaRPr b="0" sz="1800">
+              <a:latin typeface="Lato"/>
+              <a:ea typeface="Lato"/>
+              <a:cs typeface="Lato"/>
+              <a:sym typeface="Lato"/>
+            </a:endParaRPr>
+          </a:p>
+          <a:p>
+            <a:pPr indent="0" lvl="0" marL="0" marR="0" rtl="0" algn="l">
+              <a:lnSpc>
+                <a:spcPct val="100000"/>
+              </a:lnSpc>
+              <a:spcBef>
+                <a:spcPts val="0"/>
+              </a:spcBef>
+              <a:spcAft>
+                <a:spcPts val="0"/>
+              </a:spcAft>
+              <a:buNone/>
+            </a:pPr>
+            <a:r>
+              <a:rPr b="0" i="0" lang="en" sz="1800" u="none" cap="none" strike="noStrike">
+                <a:solidFill>
+                  <a:srgbClr val="555555"/>
+                </a:solidFill>
+                <a:latin typeface="Lato"/>
+                <a:ea typeface="Lato"/>
+                <a:cs typeface="Lato"/>
+                <a:sym typeface="Lato"/>
+              </a:rPr>
+              <a:t>Straightforward to go </a:t>
+            </a:r>
+            <a:r>
+              <a:rPr i="0" lang="en" sz="1800" u="none" cap="none" strike="noStrike">
+                <a:solidFill>
+                  <a:schemeClr val="accent2"/>
+                </a:solidFill>
+                <a:latin typeface="Lato"/>
+                <a:ea typeface="Lato"/>
+                <a:cs typeface="Lato"/>
+                <a:sym typeface="Lato"/>
+              </a:rPr>
+              <a:t>from prototype to </a:t>
+            </a:r>
+            <a:r>
+              <a:rPr lang="en" sz="1800">
+                <a:solidFill>
+                  <a:schemeClr val="accent2"/>
+                </a:solidFill>
+                <a:latin typeface="Lato"/>
+                <a:ea typeface="Lato"/>
+                <a:cs typeface="Lato"/>
+                <a:sym typeface="Lato"/>
+              </a:rPr>
+              <a:t>production</a:t>
+            </a:r>
+            <a:r>
+              <a:rPr b="0" lang="en" sz="1800">
+                <a:solidFill>
+                  <a:schemeClr val="dk1"/>
+                </a:solidFill>
+                <a:latin typeface="Lato"/>
+                <a:ea typeface="Lato"/>
+                <a:cs typeface="Lato"/>
+                <a:sym typeface="Lato"/>
+              </a:rPr>
+              <a:t>.</a:t>
+            </a:r>
+            <a:endParaRPr b="0" i="0" sz="1800" u="none" cap="none" strike="noStrike">
               <a:solidFill>
                 <a:schemeClr val="dk1"/>
               </a:solidFill>
@@ -26698,7 +27812,7 @@
                 <a:spcPct val="100000"/>
               </a:lnSpc>
               <a:spcBef>
-                <a:spcPts val="600"/>
+                <a:spcPts val="0"/>
               </a:spcBef>
               <a:spcAft>
                 <a:spcPts val="0"/>
@@ -26706,188 +27820,9 @@
               <a:buNone/>
             </a:pPr>
             <a:r>
-              <a:rPr b="0" i="0" lang="en" sz="1800" u="none" cap="none" strike="noStrike">
-                <a:solidFill>
-                  <a:schemeClr val="dk1"/>
-                </a:solidFill>
-                <a:latin typeface="Lato"/>
-                <a:ea typeface="Lato"/>
-                <a:cs typeface="Lato"/>
-                <a:sym typeface="Lato"/>
-              </a:rPr>
-              <a:t>The “ability to </a:t>
-            </a:r>
-            <a:r>
-              <a:rPr b="0" lang="en" sz="1800">
-                <a:solidFill>
-                  <a:schemeClr val="dk1"/>
-                </a:solidFill>
-                <a:latin typeface="Lato"/>
-                <a:ea typeface="Lato"/>
-                <a:cs typeface="Lato"/>
-                <a:sym typeface="Lato"/>
-              </a:rPr>
-              <a:t>[create]</a:t>
-            </a:r>
-            <a:r>
-              <a:rPr b="0" i="0" lang="en" sz="1800" u="none" cap="none" strike="noStrike">
-                <a:solidFill>
-                  <a:schemeClr val="dk1"/>
-                </a:solidFill>
-                <a:latin typeface="Lato"/>
-                <a:ea typeface="Lato"/>
-                <a:cs typeface="Lato"/>
-                <a:sym typeface="Lato"/>
-              </a:rPr>
-              <a:t> </a:t>
-            </a:r>
-            <a:r>
-              <a:rPr i="0" lang="en" sz="1800" u="none" cap="none" strike="noStrike">
-                <a:solidFill>
-                  <a:schemeClr val="accent2"/>
-                </a:solidFill>
-                <a:latin typeface="Lato"/>
-                <a:ea typeface="Lato"/>
-                <a:cs typeface="Lato"/>
-                <a:sym typeface="Lato"/>
-              </a:rPr>
-              <a:t>prototype-level</a:t>
-            </a:r>
-            <a:r>
-              <a:rPr b="0" i="0" lang="en" sz="1800" u="none" cap="none" strike="noStrike">
-                <a:solidFill>
-                  <a:schemeClr val="dk1"/>
-                </a:solidFill>
-                <a:latin typeface="Lato"/>
-                <a:ea typeface="Lato"/>
-                <a:cs typeface="Lato"/>
-                <a:sym typeface="Lato"/>
-              </a:rPr>
-              <a:t> versions of </a:t>
-            </a:r>
-            <a:r>
-              <a:rPr b="0" lang="en" sz="1800">
-                <a:solidFill>
-                  <a:schemeClr val="dk1"/>
-                </a:solidFill>
-                <a:latin typeface="Lato"/>
-                <a:ea typeface="Lato"/>
-                <a:cs typeface="Lato"/>
-                <a:sym typeface="Lato"/>
-              </a:rPr>
-              <a:t>...</a:t>
-            </a:r>
-            <a:r>
-              <a:rPr b="0" i="0" lang="en" sz="1800" u="none" cap="none" strike="noStrike">
-                <a:solidFill>
-                  <a:schemeClr val="dk1"/>
-                </a:solidFill>
-                <a:latin typeface="Lato"/>
-                <a:ea typeface="Lato"/>
-                <a:cs typeface="Lato"/>
-                <a:sym typeface="Lato"/>
-              </a:rPr>
-              <a:t> the steps needed to derive </a:t>
-            </a:r>
-            <a:r>
-              <a:rPr i="0" lang="en" sz="1800" u="none" cap="none" strike="noStrike">
-                <a:solidFill>
-                  <a:schemeClr val="accent2"/>
-                </a:solidFill>
-                <a:latin typeface="Lato"/>
-                <a:ea typeface="Lato"/>
-                <a:cs typeface="Lato"/>
-                <a:sym typeface="Lato"/>
-              </a:rPr>
-              <a:t>new insights</a:t>
-            </a:r>
-            <a:r>
-              <a:rPr b="0" i="0" lang="en" sz="1800" u="none" cap="none" strike="noStrike">
-                <a:solidFill>
-                  <a:schemeClr val="dk1"/>
-                </a:solidFill>
-                <a:latin typeface="Lato"/>
-                <a:ea typeface="Lato"/>
-                <a:cs typeface="Lato"/>
-                <a:sym typeface="Lato"/>
-              </a:rPr>
-              <a:t> or build </a:t>
-            </a:r>
-            <a:r>
-              <a:rPr i="0" lang="en" sz="1800" u="none" cap="none" strike="noStrike">
-                <a:solidFill>
-                  <a:schemeClr val="accent2"/>
-                </a:solidFill>
-                <a:latin typeface="Lato"/>
-                <a:ea typeface="Lato"/>
-                <a:cs typeface="Lato"/>
-                <a:sym typeface="Lato"/>
-              </a:rPr>
-              <a:t>data products</a:t>
-            </a:r>
-            <a:r>
-              <a:rPr b="0" i="0" lang="en" sz="1800" u="none" cap="none" strike="noStrike">
-                <a:solidFill>
-                  <a:schemeClr val="dk1"/>
-                </a:solidFill>
-                <a:latin typeface="Lato"/>
-                <a:ea typeface="Lato"/>
-                <a:cs typeface="Lato"/>
-                <a:sym typeface="Lato"/>
-              </a:rPr>
-              <a:t>”</a:t>
-            </a:r>
-            <a:endParaRPr b="0" i="1" sz="1800">
-              <a:solidFill>
-                <a:schemeClr val="dk1"/>
-              </a:solidFill>
-              <a:latin typeface="Lato"/>
-              <a:ea typeface="Lato"/>
-              <a:cs typeface="Lato"/>
-              <a:sym typeface="Lato"/>
-            </a:endParaRPr>
-          </a:p>
-          <a:p>
-            <a:pPr indent="457200" lvl="0" marL="0" marR="0" rtl="0" algn="l">
-              <a:lnSpc>
-                <a:spcPct val="100000"/>
-              </a:lnSpc>
-              <a:spcBef>
-                <a:spcPts val="600"/>
-              </a:spcBef>
-              <a:spcAft>
-                <a:spcPts val="0"/>
-              </a:spcAft>
-              <a:buNone/>
-            </a:pPr>
-            <a:r>
-              <a:rPr b="0" i="1" lang="en" sz="1800" u="none" cap="none" strike="noStrike">
-                <a:solidFill>
-                  <a:schemeClr val="dk1"/>
-                </a:solidFill>
-                <a:latin typeface="Lato"/>
-                <a:ea typeface="Lato"/>
-                <a:cs typeface="Lato"/>
-                <a:sym typeface="Lato"/>
-              </a:rPr>
-              <a:t>Analyzing the Analyzers, </a:t>
-            </a:r>
-            <a:r>
-              <a:rPr b="0" i="0" lang="en" sz="1800" u="none" cap="none" strike="noStrike">
-                <a:solidFill>
-                  <a:schemeClr val="dk1"/>
-                </a:solidFill>
-                <a:latin typeface="Lato"/>
-                <a:ea typeface="Lato"/>
-                <a:cs typeface="Lato"/>
-                <a:sym typeface="Lato"/>
-              </a:rPr>
-              <a:t>2013</a:t>
-            </a:r>
-            <a:endParaRPr sz="1800">
-              <a:solidFill>
-                <a:schemeClr val="dk1"/>
-              </a:solidFill>
+              <a:t/>
+            </a:r>
+            <a:endParaRPr b="0" sz="1800">
               <a:latin typeface="Lato"/>
               <a:ea typeface="Lato"/>
               <a:cs typeface="Lato"/>
@@ -26900,7 +27835,7 @@
                 <a:spcPct val="100000"/>
               </a:lnSpc>
               <a:spcBef>
-                <a:spcPts val="600"/>
+                <a:spcPts val="0"/>
               </a:spcBef>
               <a:spcAft>
                 <a:spcPts val="0"/>
@@ -26908,11 +27843,56 @@
               <a:buNone/>
             </a:pPr>
             <a:r>
-              <a:t/>
-            </a:r>
-            <a:endParaRPr i="0" sz="1800" u="none" cap="none" strike="noStrike">
+              <a:rPr b="0" i="0" lang="en" sz="1800" u="none" cap="none" strike="noStrike">
+                <a:solidFill>
+                  <a:srgbClr val="555555"/>
+                </a:solidFill>
+                <a:latin typeface="Lato"/>
+                <a:ea typeface="Lato"/>
+                <a:cs typeface="Lato"/>
+                <a:sym typeface="Lato"/>
+              </a:rPr>
+              <a:t>A </a:t>
+            </a:r>
+            <a:r>
+              <a:rPr lang="en" sz="1800">
+                <a:solidFill>
+                  <a:schemeClr val="accent2"/>
+                </a:solidFill>
+                <a:latin typeface="Lato"/>
+                <a:ea typeface="Lato"/>
+                <a:cs typeface="Lato"/>
+                <a:sym typeface="Lato"/>
+              </a:rPr>
+              <a:t>large</a:t>
+            </a:r>
+            <a:r>
+              <a:rPr i="0" lang="en" sz="1800" u="none" cap="none" strike="noStrike">
+                <a:solidFill>
+                  <a:schemeClr val="accent2"/>
+                </a:solidFill>
+                <a:latin typeface="Lato"/>
+                <a:ea typeface="Lato"/>
+                <a:cs typeface="Lato"/>
+                <a:sym typeface="Lato"/>
+              </a:rPr>
+              <a:t> community</a:t>
+            </a:r>
+            <a:r>
+              <a:rPr b="0" i="0" lang="en" sz="1800" u="none" cap="none" strike="noStrike">
+                <a:solidFill>
+                  <a:srgbClr val="555555"/>
+                </a:solidFill>
+                <a:latin typeface="Lato"/>
+                <a:ea typeface="Lato"/>
+                <a:cs typeface="Lato"/>
+                <a:sym typeface="Lato"/>
+              </a:rPr>
+              <a:t> of disciplined, helpful, and seasoned programmers.</a:t>
+            </a:r>
+            <a:endParaRPr b="0" i="0" sz="1800" u="none" cap="none" strike="noStrike">
               <a:solidFill>
-                <a:schemeClr val="dk1"/>
+                <a:srgbClr val="555555"/>
               </a:solidFill>
               <a:latin typeface="Lato"/>
               <a:ea typeface="Lato"/>
@@ -26924,7 +27904,7 @@
       </p:sp>
       <p:sp>
         <p:nvSpPr>
-          <p:cNvPr id="226" name="Shape 226"/>
+          <p:cNvPr id="233" name="Shape 233"/>
           <p:cNvSpPr txBox="1"/>
           <p:nvPr>
             <p:ph type="title"/>
@@ -26972,7 +27952,7 @@
                   <a:schemeClr val="accent2"/>
                 </a:solidFill>
               </a:rPr>
-              <a:t>What is Data Science?</a:t>
+              <a:t>Why Python?</a:t>
             </a:r>
             <a:endParaRPr i="0" u="none" cap="none" strike="noStrike">
               <a:solidFill>
@@ -26990,12 +27970,12 @@
 </p:sld>
 </file>
 
-<file path=ppt/slides/slide6.xml><?xml version="1.0" encoding="utf-8"?>
+<file path=ppt/slides/slide8.xml><?xml version="1.0" encoding="utf-8"?>
 <p:sld xmlns:a="http://schemas.openxmlformats.org/drawingml/2006/main" xmlns:r="http://schemas.openxmlformats.org/officeDocument/2006/relationships" xmlns:mc="http://schemas.openxmlformats.org/markup-compatibility/2006" xmlns:mv="urn:schemas-microsoft-com:mac:vml" xmlns:p="http://schemas.openxmlformats.org/presentationml/2006/main" xmlns:c="http://schemas.openxmlformats.org/drawingml/2006/chart" xmlns:dgm="http://schemas.openxmlformats.org/drawingml/2006/diagram" xmlns:o="urn:schemas-microsoft-com:office:office" xmlns:v="urn:schemas-microsoft-com:vml" xmlns:pvml="urn:schemas-microsoft-com:office:powerpoint" xmlns:com="http://schemas.openxmlformats.org/drawingml/2006/compatibility" xmlns:p14="http://schemas.microsoft.com/office/powerpoint/2010/main" xmlns:p15="http://schemas.microsoft.com/office/powerpoint/2012/main">
   <p:cSld>
     <p:spTree>
       <p:nvGrpSpPr>
-        <p:cNvPr id="230" name="Shape 230"/>
+        <p:cNvPr id="237" name="Shape 237"/>
         <p:cNvGrpSpPr/>
         <p:nvPr/>
       </p:nvGrpSpPr>
@@ -27009,609 +27989,7 @@
       </p:grpSpPr>
       <p:sp>
         <p:nvSpPr>
-          <p:cNvPr id="231" name="Shape 231"/>
-          <p:cNvSpPr txBox="1"/>
-          <p:nvPr>
-            <p:ph idx="1" type="body"/>
-          </p:nvPr>
-        </p:nvSpPr>
-        <p:spPr>
-          <a:xfrm>
-            <a:off x="455613" y="939362"/>
-            <a:ext cx="8216400" cy="3793500"/>
-          </a:xfrm>
-          <a:prstGeom prst="rect">
-            <a:avLst/>
-          </a:prstGeom>
-        </p:spPr>
-        <p:txBody>
-          <a:bodyPr anchorCtr="0" anchor="t" bIns="91425" lIns="91425" spcFirstLastPara="1" rIns="91425" wrap="square" tIns="91425">
-            <a:noAutofit/>
-          </a:bodyPr>
-          <a:lstStyle/>
-          <a:p>
-            <a:pPr indent="0" lvl="0" marL="0" rtl="0">
-              <a:spcBef>
-                <a:spcPts val="600"/>
-              </a:spcBef>
-              <a:spcAft>
-                <a:spcPts val="0"/>
-              </a:spcAft>
-              <a:buNone/>
-            </a:pPr>
-            <a:r>
-              <a:rPr b="0" lang="en" sz="1800">
-                <a:solidFill>
-                  <a:schemeClr val="dk1"/>
-                </a:solidFill>
-                <a:latin typeface="Lato"/>
-                <a:ea typeface="Lato"/>
-                <a:cs typeface="Lato"/>
-                <a:sym typeface="Lato"/>
-              </a:rPr>
-              <a:t>Using </a:t>
-            </a:r>
-            <a:r>
-              <a:rPr lang="en" sz="1800">
-                <a:solidFill>
-                  <a:schemeClr val="accent2"/>
-                </a:solidFill>
-                <a:latin typeface="Lato"/>
-                <a:ea typeface="Lato"/>
-                <a:cs typeface="Lato"/>
-                <a:sym typeface="Lato"/>
-              </a:rPr>
-              <a:t>multidisciplinary methods</a:t>
-            </a:r>
-            <a:r>
-              <a:rPr b="0" lang="en" sz="1800">
-                <a:solidFill>
-                  <a:schemeClr val="dk1"/>
-                </a:solidFill>
-                <a:latin typeface="Lato"/>
-                <a:ea typeface="Lato"/>
-                <a:cs typeface="Lato"/>
-                <a:sym typeface="Lato"/>
-              </a:rPr>
-              <a:t> to understand and have a positive </a:t>
-            </a:r>
-            <a:r>
-              <a:rPr lang="en" sz="1800">
-                <a:solidFill>
-                  <a:schemeClr val="accent2"/>
-                </a:solidFill>
-                <a:latin typeface="Lato"/>
-                <a:ea typeface="Lato"/>
-                <a:cs typeface="Lato"/>
-                <a:sym typeface="Lato"/>
-              </a:rPr>
-              <a:t>impact</a:t>
-            </a:r>
-            <a:r>
-              <a:rPr b="0" lang="en" sz="1800">
-                <a:solidFill>
-                  <a:schemeClr val="dk1"/>
-                </a:solidFill>
-                <a:latin typeface="Lato"/>
-                <a:ea typeface="Lato"/>
-                <a:cs typeface="Lato"/>
-                <a:sym typeface="Lato"/>
-              </a:rPr>
-              <a:t> on a </a:t>
-            </a:r>
-            <a:r>
-              <a:rPr lang="en" sz="1800">
-                <a:solidFill>
-                  <a:schemeClr val="accent2"/>
-                </a:solidFill>
-                <a:latin typeface="Lato"/>
-                <a:ea typeface="Lato"/>
-                <a:cs typeface="Lato"/>
-                <a:sym typeface="Lato"/>
-              </a:rPr>
-              <a:t>business process</a:t>
-            </a:r>
-            <a:r>
-              <a:rPr b="0" lang="en" sz="1800">
-                <a:solidFill>
-                  <a:schemeClr val="dk1"/>
-                </a:solidFill>
-                <a:latin typeface="Lato"/>
-                <a:ea typeface="Lato"/>
-                <a:cs typeface="Lato"/>
-                <a:sym typeface="Lato"/>
-              </a:rPr>
-              <a:t> or </a:t>
-            </a:r>
-            <a:r>
-              <a:rPr lang="en" sz="1800">
-                <a:solidFill>
-                  <a:schemeClr val="accent2"/>
-                </a:solidFill>
-                <a:latin typeface="Lato"/>
-                <a:ea typeface="Lato"/>
-                <a:cs typeface="Lato"/>
-                <a:sym typeface="Lato"/>
-              </a:rPr>
-              <a:t>product</a:t>
-            </a:r>
-            <a:endParaRPr sz="1800">
-              <a:solidFill>
-                <a:schemeClr val="accent2"/>
-              </a:solidFill>
-              <a:latin typeface="Lato"/>
-              <a:ea typeface="Lato"/>
-              <a:cs typeface="Lato"/>
-              <a:sym typeface="Lato"/>
-            </a:endParaRPr>
-          </a:p>
-          <a:p>
-            <a:pPr indent="-228600" lvl="1" marL="431800" rtl="0">
-              <a:spcBef>
-                <a:spcPts val="600"/>
-              </a:spcBef>
-              <a:spcAft>
-                <a:spcPts val="0"/>
-              </a:spcAft>
-              <a:buClr>
-                <a:schemeClr val="dk1"/>
-              </a:buClr>
-              <a:buSzPts val="1800"/>
-              <a:buFont typeface="Lato"/>
-              <a:buChar char="●"/>
-            </a:pPr>
-            <a:r>
-              <a:rPr b="1" lang="en" sz="1800">
-                <a:solidFill>
-                  <a:schemeClr val="accent2"/>
-                </a:solidFill>
-                <a:latin typeface="Lato"/>
-                <a:ea typeface="Lato"/>
-                <a:cs typeface="Lato"/>
-                <a:sym typeface="Lato"/>
-              </a:rPr>
-              <a:t>Route optimization</a:t>
-            </a:r>
-            <a:r>
-              <a:rPr lang="en" sz="1800">
-                <a:solidFill>
-                  <a:schemeClr val="dk1"/>
-                </a:solidFill>
-                <a:latin typeface="Lato"/>
-                <a:ea typeface="Lato"/>
-                <a:cs typeface="Lato"/>
-                <a:sym typeface="Lato"/>
-              </a:rPr>
-              <a:t> in a supply chain</a:t>
-            </a:r>
-            <a:endParaRPr sz="1800">
-              <a:solidFill>
-                <a:schemeClr val="dk1"/>
-              </a:solidFill>
-              <a:latin typeface="Lato"/>
-              <a:ea typeface="Lato"/>
-              <a:cs typeface="Lato"/>
-              <a:sym typeface="Lato"/>
-            </a:endParaRPr>
-          </a:p>
-          <a:p>
-            <a:pPr indent="-228600" lvl="1" marL="431800" rtl="0">
-              <a:spcBef>
-                <a:spcPts val="600"/>
-              </a:spcBef>
-              <a:spcAft>
-                <a:spcPts val="0"/>
-              </a:spcAft>
-              <a:buClr>
-                <a:schemeClr val="dk1"/>
-              </a:buClr>
-              <a:buSzPts val="1800"/>
-              <a:buFont typeface="Lato"/>
-              <a:buChar char="●"/>
-            </a:pPr>
-            <a:r>
-              <a:rPr b="1" lang="en" sz="1800">
-                <a:solidFill>
-                  <a:schemeClr val="accent2"/>
-                </a:solidFill>
-                <a:latin typeface="Lato"/>
-                <a:ea typeface="Lato"/>
-                <a:cs typeface="Lato"/>
-                <a:sym typeface="Lato"/>
-              </a:rPr>
-              <a:t>Conjoint analysis</a:t>
-            </a:r>
-            <a:r>
-              <a:rPr lang="en" sz="1800">
-                <a:solidFill>
-                  <a:schemeClr val="dk1"/>
-                </a:solidFill>
-                <a:latin typeface="Lato"/>
-                <a:ea typeface="Lato"/>
-                <a:cs typeface="Lato"/>
-                <a:sym typeface="Lato"/>
-              </a:rPr>
-              <a:t> for product ideation</a:t>
-            </a:r>
-            <a:endParaRPr sz="1800">
-              <a:solidFill>
-                <a:schemeClr val="dk1"/>
-              </a:solidFill>
-              <a:latin typeface="Lato"/>
-              <a:ea typeface="Lato"/>
-              <a:cs typeface="Lato"/>
-              <a:sym typeface="Lato"/>
-            </a:endParaRPr>
-          </a:p>
-          <a:p>
-            <a:pPr indent="-228600" lvl="1" marL="431800" rtl="0">
-              <a:spcBef>
-                <a:spcPts val="600"/>
-              </a:spcBef>
-              <a:spcAft>
-                <a:spcPts val="0"/>
-              </a:spcAft>
-              <a:buClr>
-                <a:schemeClr val="dk1"/>
-              </a:buClr>
-              <a:buSzPts val="1800"/>
-              <a:buFont typeface="Lato"/>
-              <a:buChar char="●"/>
-            </a:pPr>
-            <a:r>
-              <a:rPr b="1" lang="en" sz="1800">
-                <a:solidFill>
-                  <a:schemeClr val="accent2"/>
-                </a:solidFill>
-                <a:latin typeface="Lato"/>
-                <a:ea typeface="Lato"/>
-                <a:cs typeface="Lato"/>
-                <a:sym typeface="Lato"/>
-              </a:rPr>
-              <a:t>Attribution modeling</a:t>
-            </a:r>
-            <a:r>
-              <a:rPr lang="en" sz="1800">
-                <a:solidFill>
-                  <a:schemeClr val="dk1"/>
-                </a:solidFill>
-                <a:latin typeface="Lato"/>
-                <a:ea typeface="Lato"/>
-                <a:cs typeface="Lato"/>
-                <a:sym typeface="Lato"/>
-              </a:rPr>
-              <a:t> for connecting marketing spend to outcomes</a:t>
-            </a:r>
-            <a:endParaRPr sz="1800">
-              <a:solidFill>
-                <a:schemeClr val="dk1"/>
-              </a:solidFill>
-              <a:latin typeface="Lato"/>
-              <a:ea typeface="Lato"/>
-              <a:cs typeface="Lato"/>
-              <a:sym typeface="Lato"/>
-            </a:endParaRPr>
-          </a:p>
-          <a:p>
-            <a:pPr indent="-228600" lvl="1" marL="431800" rtl="0">
-              <a:spcBef>
-                <a:spcPts val="600"/>
-              </a:spcBef>
-              <a:spcAft>
-                <a:spcPts val="0"/>
-              </a:spcAft>
-              <a:buClr>
-                <a:schemeClr val="dk1"/>
-              </a:buClr>
-              <a:buSzPts val="1800"/>
-              <a:buFont typeface="Lato"/>
-              <a:buChar char="●"/>
-            </a:pPr>
-            <a:r>
-              <a:rPr b="1" lang="en" sz="1800">
-                <a:solidFill>
-                  <a:schemeClr val="accent2"/>
-                </a:solidFill>
-                <a:latin typeface="Lato"/>
-                <a:ea typeface="Lato"/>
-                <a:cs typeface="Lato"/>
-                <a:sym typeface="Lato"/>
-              </a:rPr>
-              <a:t>Marketing spend optimization</a:t>
-            </a:r>
-            <a:r>
-              <a:rPr lang="en" sz="1800">
-                <a:solidFill>
-                  <a:schemeClr val="dk1"/>
-                </a:solidFill>
-                <a:latin typeface="Lato"/>
-                <a:ea typeface="Lato"/>
-                <a:cs typeface="Lato"/>
-                <a:sym typeface="Lato"/>
-              </a:rPr>
-              <a:t> for efficient outreach given a budget</a:t>
-            </a:r>
-            <a:endParaRPr sz="1800">
-              <a:solidFill>
-                <a:schemeClr val="dk1"/>
-              </a:solidFill>
-              <a:latin typeface="Lato"/>
-              <a:ea typeface="Lato"/>
-              <a:cs typeface="Lato"/>
-              <a:sym typeface="Lato"/>
-            </a:endParaRPr>
-          </a:p>
-          <a:p>
-            <a:pPr indent="-228600" lvl="1" marL="431800" rtl="0">
-              <a:spcBef>
-                <a:spcPts val="600"/>
-              </a:spcBef>
-              <a:spcAft>
-                <a:spcPts val="0"/>
-              </a:spcAft>
-              <a:buClr>
-                <a:schemeClr val="dk1"/>
-              </a:buClr>
-              <a:buSzPts val="1800"/>
-              <a:buFont typeface="Lato"/>
-              <a:buChar char="●"/>
-            </a:pPr>
-            <a:r>
-              <a:rPr b="1" lang="en" sz="1800">
-                <a:solidFill>
-                  <a:schemeClr val="accent2"/>
-                </a:solidFill>
-                <a:latin typeface="Lato"/>
-                <a:ea typeface="Lato"/>
-                <a:cs typeface="Lato"/>
-                <a:sym typeface="Lato"/>
-              </a:rPr>
-              <a:t>Effectiveness testing</a:t>
-            </a:r>
-            <a:r>
-              <a:rPr lang="en" sz="1800">
-                <a:solidFill>
-                  <a:schemeClr val="dk1"/>
-                </a:solidFill>
-                <a:latin typeface="Lato"/>
-                <a:ea typeface="Lato"/>
-                <a:cs typeface="Lato"/>
-                <a:sym typeface="Lato"/>
-              </a:rPr>
-              <a:t> for creative or offers</a:t>
-            </a:r>
-            <a:endParaRPr sz="1800">
-              <a:solidFill>
-                <a:schemeClr val="dk1"/>
-              </a:solidFill>
-              <a:latin typeface="Lato"/>
-              <a:ea typeface="Lato"/>
-              <a:cs typeface="Lato"/>
-              <a:sym typeface="Lato"/>
-            </a:endParaRPr>
-          </a:p>
-          <a:p>
-            <a:pPr indent="-228600" lvl="1" marL="431800" rtl="0">
-              <a:spcBef>
-                <a:spcPts val="600"/>
-              </a:spcBef>
-              <a:spcAft>
-                <a:spcPts val="0"/>
-              </a:spcAft>
-              <a:buClr>
-                <a:schemeClr val="dk1"/>
-              </a:buClr>
-              <a:buSzPts val="1800"/>
-              <a:buFont typeface="Lato"/>
-              <a:buChar char="●"/>
-            </a:pPr>
-            <a:r>
-              <a:rPr b="1" lang="en" sz="1800">
-                <a:solidFill>
-                  <a:schemeClr val="accent2"/>
-                </a:solidFill>
-                <a:latin typeface="Lato"/>
-                <a:ea typeface="Lato"/>
-                <a:cs typeface="Lato"/>
-                <a:sym typeface="Lato"/>
-              </a:rPr>
-              <a:t>Detecting fraud</a:t>
-            </a:r>
-            <a:r>
-              <a:rPr lang="en" sz="1800">
-                <a:solidFill>
-                  <a:schemeClr val="dk1"/>
-                </a:solidFill>
-                <a:latin typeface="Lato"/>
-                <a:ea typeface="Lato"/>
-                <a:cs typeface="Lato"/>
-                <a:sym typeface="Lato"/>
-              </a:rPr>
-              <a:t> in insurance claims</a:t>
-            </a:r>
-            <a:endParaRPr sz="1800">
-              <a:solidFill>
-                <a:schemeClr val="dk1"/>
-              </a:solidFill>
-              <a:latin typeface="Lato"/>
-              <a:ea typeface="Lato"/>
-              <a:cs typeface="Lato"/>
-              <a:sym typeface="Lato"/>
-            </a:endParaRPr>
-          </a:p>
-          <a:p>
-            <a:pPr indent="-228600" lvl="1" marL="431800" rtl="0">
-              <a:spcBef>
-                <a:spcPts val="600"/>
-              </a:spcBef>
-              <a:spcAft>
-                <a:spcPts val="0"/>
-              </a:spcAft>
-              <a:buClr>
-                <a:schemeClr val="dk1"/>
-              </a:buClr>
-              <a:buSzPts val="1800"/>
-              <a:buFont typeface="Lato"/>
-              <a:buChar char="●"/>
-            </a:pPr>
-            <a:r>
-              <a:rPr lang="en" sz="1800">
-                <a:solidFill>
-                  <a:schemeClr val="dk1"/>
-                </a:solidFill>
-                <a:latin typeface="Lato"/>
-                <a:ea typeface="Lato"/>
-                <a:cs typeface="Lato"/>
-                <a:sym typeface="Lato"/>
-              </a:rPr>
-              <a:t>Predicting and influencing </a:t>
-            </a:r>
-            <a:r>
-              <a:rPr b="1" lang="en" sz="1800">
-                <a:solidFill>
-                  <a:schemeClr val="accent2"/>
-                </a:solidFill>
-                <a:latin typeface="Lato"/>
-                <a:ea typeface="Lato"/>
-                <a:cs typeface="Lato"/>
-                <a:sym typeface="Lato"/>
-              </a:rPr>
-              <a:t>employee or customer retention</a:t>
-            </a:r>
-            <a:endParaRPr b="1" sz="1800">
-              <a:solidFill>
-                <a:schemeClr val="accent2"/>
-              </a:solidFill>
-              <a:latin typeface="Lato"/>
-              <a:ea typeface="Lato"/>
-              <a:cs typeface="Lato"/>
-              <a:sym typeface="Lato"/>
-            </a:endParaRPr>
-          </a:p>
-          <a:p>
-            <a:pPr indent="-228600" lvl="1" marL="431800" rtl="0">
-              <a:spcBef>
-                <a:spcPts val="600"/>
-              </a:spcBef>
-              <a:spcAft>
-                <a:spcPts val="0"/>
-              </a:spcAft>
-              <a:buClr>
-                <a:schemeClr val="dk1"/>
-              </a:buClr>
-              <a:buSzPts val="1800"/>
-              <a:buFont typeface="Lato"/>
-              <a:buChar char="●"/>
-            </a:pPr>
-            <a:r>
-              <a:rPr lang="en" sz="1800">
-                <a:solidFill>
-                  <a:schemeClr val="dk1"/>
-                </a:solidFill>
-                <a:latin typeface="Lato"/>
-                <a:ea typeface="Lato"/>
-                <a:cs typeface="Lato"/>
-                <a:sym typeface="Lato"/>
-              </a:rPr>
-              <a:t>Understanding </a:t>
-            </a:r>
-            <a:r>
-              <a:rPr b="1" lang="en" sz="1800">
-                <a:solidFill>
-                  <a:schemeClr val="accent2"/>
-                </a:solidFill>
-                <a:latin typeface="Lato"/>
-                <a:ea typeface="Lato"/>
-                <a:cs typeface="Lato"/>
-                <a:sym typeface="Lato"/>
-              </a:rPr>
-              <a:t>who is likely to vote</a:t>
-            </a:r>
-            <a:endParaRPr sz="1800">
-              <a:latin typeface="Lato"/>
-              <a:ea typeface="Lato"/>
-              <a:cs typeface="Lato"/>
-              <a:sym typeface="Lato"/>
-            </a:endParaRPr>
-          </a:p>
-        </p:txBody>
-      </p:sp>
-      <p:sp>
-        <p:nvSpPr>
-          <p:cNvPr id="232" name="Shape 232"/>
-          <p:cNvSpPr txBox="1"/>
-          <p:nvPr>
-            <p:ph type="title"/>
-          </p:nvPr>
-        </p:nvSpPr>
-        <p:spPr>
-          <a:xfrm>
-            <a:off x="455475" y="86625"/>
-            <a:ext cx="8216400" cy="610500"/>
-          </a:xfrm>
-          <a:prstGeom prst="rect">
-            <a:avLst/>
-          </a:prstGeom>
-        </p:spPr>
-        <p:txBody>
-          <a:bodyPr anchorCtr="0" anchor="ctr" bIns="91425" lIns="91425" spcFirstLastPara="1" rIns="91425" wrap="square" tIns="91425">
-            <a:noAutofit/>
-          </a:bodyPr>
-          <a:lstStyle/>
-          <a:p>
-            <a:pPr indent="0" lvl="0" marL="0">
-              <a:spcBef>
-                <a:spcPts val="0"/>
-              </a:spcBef>
-              <a:spcAft>
-                <a:spcPts val="0"/>
-              </a:spcAft>
-              <a:buNone/>
-            </a:pPr>
-            <a:r>
-              <a:rPr lang="en">
-                <a:solidFill>
-                  <a:schemeClr val="accent2"/>
-                </a:solidFill>
-              </a:rPr>
-              <a:t>Data Science exists to drive better outcomes</a:t>
-            </a:r>
-            <a:endParaRPr>
-              <a:solidFill>
-                <a:schemeClr val="accent2"/>
-              </a:solidFill>
-            </a:endParaRPr>
-          </a:p>
-        </p:txBody>
-      </p:sp>
-    </p:spTree>
-  </p:cSld>
-  <p:clrMapOvr>
-    <a:masterClrMapping/>
-  </p:clrMapOvr>
-</p:sld>
-</file>
-
-<file path=ppt/slides/slide7.xml><?xml version="1.0" encoding="utf-8"?>
-<p:sld xmlns:a="http://schemas.openxmlformats.org/drawingml/2006/main" xmlns:r="http://schemas.openxmlformats.org/officeDocument/2006/relationships" xmlns:mc="http://schemas.openxmlformats.org/markup-compatibility/2006" xmlns:mv="urn:schemas-microsoft-com:mac:vml" xmlns:p="http://schemas.openxmlformats.org/presentationml/2006/main" xmlns:c="http://schemas.openxmlformats.org/drawingml/2006/chart" xmlns:dgm="http://schemas.openxmlformats.org/drawingml/2006/diagram" xmlns:o="urn:schemas-microsoft-com:office:office" xmlns:v="urn:schemas-microsoft-com:vml" xmlns:pvml="urn:schemas-microsoft-com:office:powerpoint" xmlns:com="http://schemas.openxmlformats.org/drawingml/2006/compatibility" xmlns:p14="http://schemas.microsoft.com/office/powerpoint/2010/main" xmlns:p15="http://schemas.microsoft.com/office/powerpoint/2012/main">
-  <p:cSld>
-    <p:spTree>
-      <p:nvGrpSpPr>
-        <p:cNvPr id="236" name="Shape 236"/>
-        <p:cNvGrpSpPr/>
-        <p:nvPr/>
-      </p:nvGrpSpPr>
-      <p:grpSpPr>
-        <a:xfrm>
-          <a:off x="0" y="0"/>
-          <a:ext cx="0" cy="0"/>
-          <a:chOff x="0" y="0"/>
-          <a:chExt cx="0" cy="0"/>
-        </a:xfrm>
-      </p:grpSpPr>
-      <p:sp>
-        <p:nvSpPr>
-          <p:cNvPr id="237" name="Shape 237"/>
+          <p:cNvPr id="238" name="Shape 238"/>
           <p:cNvSpPr txBox="1"/>
           <p:nvPr>
             <p:ph idx="1" type="body"/>
@@ -27649,7 +28027,7 @@
               <a:buNone/>
             </a:pPr>
             <a:r>
-              <a:rPr b="0" lang="en" sz="1800">
+              <a:rPr b="0" i="0" lang="en" sz="1800" u="none" cap="none" strike="noStrike">
                 <a:solidFill>
                   <a:schemeClr val="dk1"/>
                 </a:solidFill>
@@ -27658,34 +28036,31 @@
                 <a:cs typeface="Lato"/>
                 <a:sym typeface="Lato"/>
               </a:rPr>
-              <a:t>We </a:t>
-            </a:r>
-            <a:r>
-              <a:rPr lang="en" sz="1800">
-                <a:solidFill>
-                  <a:schemeClr val="accent2"/>
+              <a:t>Open Source continues to flourish because of </a:t>
+            </a:r>
+            <a:r>
+              <a:rPr b="0" lang="en" sz="1800">
+                <a:solidFill>
+                  <a:schemeClr val="dk1"/>
                 </a:solidFill>
                 <a:latin typeface="Lato"/>
                 <a:ea typeface="Lato"/>
                 <a:cs typeface="Lato"/>
                 <a:sym typeface="Lato"/>
               </a:rPr>
-              <a:t>c</a:t>
-            </a:r>
-            <a:r>
-              <a:rPr i="0" lang="en" sz="1800" u="none" cap="none" strike="noStrike">
-                <a:solidFill>
-                  <a:schemeClr val="accent2"/>
-                </a:solidFill>
+              <a:t>the</a:t>
+            </a:r>
+            <a:r>
+              <a:rPr b="0" lang="en" sz="1800">
                 <a:latin typeface="Lato"/>
                 <a:ea typeface="Lato"/>
                 <a:cs typeface="Lato"/>
                 <a:sym typeface="Lato"/>
               </a:rPr>
-              <a:t>ollaborat</a:t>
-            </a:r>
-            <a:r>
-              <a:rPr lang="en" sz="1800">
+              <a:t> </a:t>
+            </a:r>
+            <a:r>
+              <a:rPr i="0" lang="en" sz="1800" u="none" cap="none" strike="noStrike">
                 <a:solidFill>
                   <a:schemeClr val="accent2"/>
                 </a:solidFill>
@@ -27694,22 +28069,22 @@
                 <a:cs typeface="Lato"/>
                 <a:sym typeface="Lato"/>
               </a:rPr>
-              <a:t>e</a:t>
+              <a:t>community</a:t>
             </a:r>
             <a:r>
               <a:rPr b="0" i="0" lang="en" sz="1800" u="none" cap="none" strike="noStrike">
                 <a:solidFill>
-                  <a:schemeClr val="dk1"/>
+                  <a:srgbClr val="555555"/>
                 </a:solidFill>
                 <a:latin typeface="Lato"/>
                 <a:ea typeface="Lato"/>
                 <a:cs typeface="Lato"/>
                 <a:sym typeface="Lato"/>
               </a:rPr>
-              <a:t> across disciplines</a:t>
-            </a:r>
-            <a:r>
-              <a:rPr b="0" lang="en" sz="1800">
+              <a:t> </a:t>
+            </a:r>
+            <a:r>
+              <a:rPr b="0" i="0" lang="en" sz="1800" u="none" cap="none" strike="noStrike">
                 <a:solidFill>
                   <a:schemeClr val="dk1"/>
                 </a:solidFill>
@@ -27718,9 +28093,45 @@
                 <a:cs typeface="Lato"/>
                 <a:sym typeface="Lato"/>
               </a:rPr>
-              <a:t>. </a:t>
-            </a:r>
-            <a:endParaRPr b="0" sz="1800">
+              <a:t>and</a:t>
+            </a:r>
+            <a:r>
+              <a:rPr b="0" i="0" lang="en" sz="1800" u="none" cap="none" strike="noStrike">
+                <a:solidFill>
+                  <a:srgbClr val="555555"/>
+                </a:solidFill>
+                <a:latin typeface="Lato"/>
+                <a:ea typeface="Lato"/>
+                <a:cs typeface="Lato"/>
+                <a:sym typeface="Lato"/>
+              </a:rPr>
+              <a:t> </a:t>
+            </a:r>
+            <a:r>
+              <a:rPr i="0" lang="en" sz="1800" u="none" cap="none" strike="noStrike">
+                <a:solidFill>
+                  <a:srgbClr val="4A86E8"/>
+                </a:solidFill>
+                <a:latin typeface="Lato"/>
+                <a:ea typeface="Lato"/>
+                <a:cs typeface="Lato"/>
+                <a:sym typeface="Lato"/>
+              </a:rPr>
+              <a:t>community contributions</a:t>
+            </a:r>
+            <a:r>
+              <a:rPr i="0" lang="en" sz="1800" u="none" cap="none" strike="noStrike">
+                <a:solidFill>
+                  <a:schemeClr val="dk1"/>
+                </a:solidFill>
+                <a:latin typeface="Lato"/>
+                <a:ea typeface="Lato"/>
+                <a:cs typeface="Lato"/>
+                <a:sym typeface="Lato"/>
+              </a:rPr>
+              <a:t>.</a:t>
+            </a:r>
+            <a:endParaRPr i="0" sz="1800" u="none" cap="none" strike="noStrike">
               <a:solidFill>
                 <a:schemeClr val="dk1"/>
               </a:solidFill>
@@ -27747,8 +28158,85 @@
               <a:t/>
             </a:r>
             <a:endParaRPr b="0" sz="1800">
+              <a:latin typeface="Lato"/>
+              <a:ea typeface="Lato"/>
+              <a:cs typeface="Lato"/>
+              <a:sym typeface="Lato"/>
+            </a:endParaRPr>
+          </a:p>
+          <a:p>
+            <a:pPr indent="0" lvl="0" marL="0" marR="0" rtl="0" algn="l">
+              <a:lnSpc>
+                <a:spcPct val="100000"/>
+              </a:lnSpc>
+              <a:spcBef>
+                <a:spcPts val="0"/>
+              </a:spcBef>
+              <a:spcAft>
+                <a:spcPts val="0"/>
+              </a:spcAft>
+              <a:buNone/>
+            </a:pPr>
+            <a:r>
+              <a:rPr b="0" i="0" lang="en" sz="1800" u="none" cap="none" strike="noStrike">
+                <a:solidFill>
+                  <a:schemeClr val="dk1"/>
+                </a:solidFill>
+                <a:latin typeface="Lato"/>
+                <a:ea typeface="Lato"/>
+                <a:cs typeface="Lato"/>
+                <a:sym typeface="Lato"/>
+              </a:rPr>
+              <a:t>Do you use open source software at work?</a:t>
+            </a:r>
+            <a:r>
+              <a:rPr b="0" lang="en" sz="1800">
+                <a:latin typeface="Lato"/>
+                <a:ea typeface="Lato"/>
+                <a:cs typeface="Lato"/>
+                <a:sym typeface="Lato"/>
+              </a:rPr>
+              <a:t> </a:t>
+            </a:r>
+            <a:r>
+              <a:rPr i="0" lang="en" sz="1800" u="none" cap="none" strike="noStrike">
+                <a:solidFill>
+                  <a:schemeClr val="accent2"/>
+                </a:solidFill>
+                <a:latin typeface="Lato"/>
+                <a:ea typeface="Lato"/>
+                <a:cs typeface="Lato"/>
+                <a:sym typeface="Lato"/>
+              </a:rPr>
+              <a:t>Ask your employer </a:t>
+            </a:r>
+            <a:r>
+              <a:rPr lang="en" sz="1800">
+                <a:solidFill>
+                  <a:schemeClr val="accent2"/>
+                </a:solidFill>
+                <a:latin typeface="Lato"/>
+                <a:ea typeface="Lato"/>
+                <a:cs typeface="Lato"/>
+                <a:sym typeface="Lato"/>
+              </a:rPr>
+              <a:t>or manager</a:t>
+            </a:r>
+            <a:r>
+              <a:rPr i="0" lang="en" sz="1800" u="none" cap="none" strike="noStrike">
+                <a:solidFill>
+                  <a:schemeClr val="accent2"/>
+                </a:solidFill>
+                <a:latin typeface="Lato"/>
+                <a:ea typeface="Lato"/>
+                <a:cs typeface="Lato"/>
+                <a:sym typeface="Lato"/>
+              </a:rPr>
+              <a:t> to give back through in-kind or monetary support.</a:t>
+            </a:r>
+            <a:endParaRPr i="0" sz="1800" u="none" cap="none" strike="noStrike">
               <a:solidFill>
-                <a:schemeClr val="dk1"/>
+                <a:schemeClr val="accent2"/>
               </a:solidFill>
               <a:latin typeface="Lato"/>
               <a:ea typeface="Lato"/>
@@ -27770,128 +28258,11 @@
               <a:buNone/>
             </a:pPr>
             <a:r>
-              <a:rPr b="0" lang="en" sz="1800">
-                <a:solidFill>
-                  <a:schemeClr val="dk1"/>
-                </a:solidFill>
-                <a:latin typeface="Lato"/>
-                <a:ea typeface="Lato"/>
-                <a:cs typeface="Lato"/>
-                <a:sym typeface="Lato"/>
-              </a:rPr>
-              <a:t>Not only do w</a:t>
-            </a:r>
-            <a:r>
-              <a:rPr b="0" i="0" lang="en" sz="1800" u="none" cap="none" strike="noStrike">
-                <a:solidFill>
-                  <a:schemeClr val="dk1"/>
-                </a:solidFill>
-                <a:latin typeface="Lato"/>
-                <a:ea typeface="Lato"/>
-                <a:cs typeface="Lato"/>
-                <a:sym typeface="Lato"/>
-              </a:rPr>
-              <a:t>e </a:t>
-            </a:r>
-            <a:r>
-              <a:rPr b="0" lang="en" sz="1800">
-                <a:solidFill>
-                  <a:schemeClr val="dk1"/>
-                </a:solidFill>
-                <a:latin typeface="Lato"/>
-                <a:ea typeface="Lato"/>
-                <a:cs typeface="Lato"/>
-                <a:sym typeface="Lato"/>
-              </a:rPr>
-              <a:t>need to</a:t>
-            </a:r>
-            <a:r>
-              <a:rPr b="0" i="0" lang="en" sz="1800" u="none" cap="none" strike="noStrike">
-                <a:solidFill>
-                  <a:schemeClr val="dk1"/>
-                </a:solidFill>
-                <a:latin typeface="Lato"/>
-                <a:ea typeface="Lato"/>
-                <a:cs typeface="Lato"/>
-                <a:sym typeface="Lato"/>
-              </a:rPr>
-              <a:t> speak the same </a:t>
-            </a:r>
-            <a:r>
-              <a:rPr i="0" lang="en" sz="1800" u="none" cap="none" strike="noStrike">
-                <a:solidFill>
-                  <a:schemeClr val="accent2"/>
-                </a:solidFill>
-                <a:latin typeface="Lato"/>
-                <a:ea typeface="Lato"/>
-                <a:cs typeface="Lato"/>
-                <a:sym typeface="Lato"/>
-              </a:rPr>
-              <a:t>language of mathematics</a:t>
-            </a:r>
-            <a:r>
-              <a:rPr b="0" i="0" lang="en" sz="1800" u="none" cap="none" strike="noStrike">
-                <a:solidFill>
-                  <a:schemeClr val="dk1"/>
-                </a:solidFill>
-                <a:latin typeface="Lato"/>
-                <a:ea typeface="Lato"/>
-                <a:cs typeface="Lato"/>
-                <a:sym typeface="Lato"/>
-              </a:rPr>
-              <a:t> we must </a:t>
-            </a:r>
-            <a:r>
-              <a:rPr i="0" lang="en" sz="1800" u="none" cap="none" strike="noStrike">
-                <a:solidFill>
-                  <a:schemeClr val="accent2"/>
-                </a:solidFill>
-                <a:latin typeface="Lato"/>
-                <a:ea typeface="Lato"/>
-                <a:cs typeface="Lato"/>
-                <a:sym typeface="Lato"/>
-              </a:rPr>
-              <a:t>share </a:t>
-            </a:r>
-            <a:r>
-              <a:rPr lang="en" sz="1800">
-                <a:solidFill>
-                  <a:schemeClr val="accent2"/>
-                </a:solidFill>
-                <a:latin typeface="Lato"/>
-                <a:ea typeface="Lato"/>
-                <a:cs typeface="Lato"/>
-                <a:sym typeface="Lato"/>
-              </a:rPr>
-              <a:t>similar</a:t>
-            </a:r>
-            <a:r>
-              <a:rPr i="0" lang="en" sz="1800" u="none" cap="none" strike="noStrike">
-                <a:solidFill>
-                  <a:schemeClr val="accent2"/>
-                </a:solidFill>
-                <a:latin typeface="Lato"/>
-                <a:ea typeface="Lato"/>
-                <a:cs typeface="Lato"/>
-                <a:sym typeface="Lato"/>
-              </a:rPr>
-              <a:t> processes and tools</a:t>
-            </a:r>
-            <a:r>
-              <a:rPr b="0" i="0" lang="en" sz="1800" u="none" cap="none" strike="noStrike">
-                <a:solidFill>
-                  <a:schemeClr val="dk1"/>
-                </a:solidFill>
-                <a:latin typeface="Lato"/>
-                <a:ea typeface="Lato"/>
-                <a:cs typeface="Lato"/>
-                <a:sym typeface="Lato"/>
-              </a:rPr>
-              <a:t> to produce impactful data science.</a:t>
-            </a:r>
-            <a:endParaRPr b="0" i="0" sz="1800" u="none" cap="none" strike="noStrike">
+              <a:t/>
+            </a:r>
+            <a:endParaRPr sz="1800">
               <a:solidFill>
-                <a:schemeClr val="dk1"/>
+                <a:schemeClr val="accent2"/>
               </a:solidFill>
               <a:latin typeface="Lato"/>
               <a:ea typeface="Lato"/>
@@ -27913,11 +28284,113 @@
               <a:buNone/>
             </a:pPr>
             <a:r>
-              <a:t/>
-            </a:r>
-            <a:endParaRPr b="0" sz="1800">
+              <a:rPr b="0" i="0" lang="en" sz="1800" u="none" cap="none" strike="noStrike">
+                <a:solidFill>
+                  <a:schemeClr val="dk1"/>
+                </a:solidFill>
+                <a:latin typeface="Lato"/>
+                <a:ea typeface="Lato"/>
+                <a:cs typeface="Lato"/>
+                <a:sym typeface="Lato"/>
+              </a:rPr>
+              <a:t>Does you</a:t>
+            </a:r>
+            <a:r>
+              <a:rPr b="0" lang="en" sz="1800">
+                <a:solidFill>
+                  <a:schemeClr val="dk1"/>
+                </a:solidFill>
+                <a:latin typeface="Lato"/>
+                <a:ea typeface="Lato"/>
+                <a:cs typeface="Lato"/>
+                <a:sym typeface="Lato"/>
+              </a:rPr>
+              <a:t>r</a:t>
+            </a:r>
+            <a:r>
+              <a:rPr b="0" i="0" lang="en" sz="1800" u="none" cap="none" strike="noStrike">
+                <a:solidFill>
+                  <a:schemeClr val="dk1"/>
+                </a:solidFill>
+                <a:latin typeface="Lato"/>
+                <a:ea typeface="Lato"/>
+                <a:cs typeface="Lato"/>
+                <a:sym typeface="Lato"/>
+              </a:rPr>
+              <a:t> </a:t>
+            </a:r>
+            <a:r>
+              <a:rPr b="0" lang="en" sz="1800">
+                <a:solidFill>
+                  <a:schemeClr val="dk1"/>
+                </a:solidFill>
+                <a:latin typeface="Lato"/>
+                <a:ea typeface="Lato"/>
+                <a:cs typeface="Lato"/>
+                <a:sym typeface="Lato"/>
+              </a:rPr>
+              <a:t>business or team</a:t>
+            </a:r>
+            <a:r>
+              <a:rPr b="0" i="0" lang="en" sz="1800" u="none" cap="none" strike="noStrike">
+                <a:solidFill>
+                  <a:schemeClr val="dk1"/>
+                </a:solidFill>
+                <a:latin typeface="Lato"/>
+                <a:ea typeface="Lato"/>
+                <a:cs typeface="Lato"/>
+                <a:sym typeface="Lato"/>
+              </a:rPr>
+              <a:t> </a:t>
+            </a:r>
+            <a:r>
+              <a:rPr b="0" lang="en" sz="1800">
+                <a:solidFill>
+                  <a:schemeClr val="dk1"/>
+                </a:solidFill>
+                <a:latin typeface="Lato"/>
+                <a:ea typeface="Lato"/>
+                <a:cs typeface="Lato"/>
+                <a:sym typeface="Lato"/>
+              </a:rPr>
+              <a:t>rely on</a:t>
+            </a:r>
+            <a:r>
+              <a:rPr b="0" i="0" lang="en" sz="1800" u="none" cap="none" strike="noStrike">
+                <a:solidFill>
+                  <a:schemeClr val="dk1"/>
+                </a:solidFill>
+                <a:latin typeface="Lato"/>
+                <a:ea typeface="Lato"/>
+                <a:cs typeface="Lato"/>
+                <a:sym typeface="Lato"/>
+              </a:rPr>
+              <a:t> open source software?</a:t>
+            </a:r>
+            <a:r>
+              <a:rPr b="0" lang="en" sz="1800">
+                <a:latin typeface="Lato"/>
+                <a:ea typeface="Lato"/>
+                <a:cs typeface="Lato"/>
+                <a:sym typeface="Lato"/>
+              </a:rPr>
+              <a:t> </a:t>
+            </a:r>
+            <a:r>
+              <a:rPr lang="en" sz="1800">
+                <a:solidFill>
+                  <a:schemeClr val="accent2"/>
+                </a:solidFill>
+                <a:latin typeface="Lato"/>
+                <a:ea typeface="Lato"/>
+                <a:cs typeface="Lato"/>
+                <a:sym typeface="Lato"/>
+              </a:rPr>
+              <a:t>Make sure you are giving back by documentation, bug fixes, features, or release support.</a:t>
+            </a:r>
+            <a:endParaRPr sz="1800">
               <a:solidFill>
-                <a:schemeClr val="dk1"/>
+                <a:schemeClr val="accent2"/>
               </a:solidFill>
               <a:latin typeface="Lato"/>
               <a:ea typeface="Lato"/>
@@ -27939,88 +28412,7 @@
               <a:buNone/>
             </a:pPr>
             <a:r>
-              <a:rPr b="0" lang="en" sz="1800">
-                <a:solidFill>
-                  <a:schemeClr val="dk1"/>
-                </a:solidFill>
-                <a:latin typeface="Lato"/>
-                <a:ea typeface="Lato"/>
-                <a:cs typeface="Lato"/>
-                <a:sym typeface="Lato"/>
-              </a:rPr>
-              <a:t>Some of t</a:t>
-            </a:r>
-            <a:r>
-              <a:rPr b="0" i="0" lang="en" sz="1800" u="none" cap="none" strike="noStrike">
-                <a:solidFill>
-                  <a:schemeClr val="dk1"/>
-                </a:solidFill>
-                <a:latin typeface="Lato"/>
-                <a:ea typeface="Lato"/>
-                <a:cs typeface="Lato"/>
-                <a:sym typeface="Lato"/>
-              </a:rPr>
-              <a:t>hese processes and tools </a:t>
-            </a:r>
-            <a:r>
-              <a:rPr b="0" lang="en" sz="1800">
-                <a:solidFill>
-                  <a:schemeClr val="dk1"/>
-                </a:solidFill>
-                <a:latin typeface="Lato"/>
-                <a:ea typeface="Lato"/>
-                <a:cs typeface="Lato"/>
-                <a:sym typeface="Lato"/>
-              </a:rPr>
-              <a:t>come from agile </a:t>
-            </a:r>
-            <a:r>
-              <a:rPr lang="en" sz="1800">
-                <a:solidFill>
-                  <a:schemeClr val="accent2"/>
-                </a:solidFill>
-                <a:latin typeface="Lato"/>
-                <a:ea typeface="Lato"/>
-                <a:cs typeface="Lato"/>
-                <a:sym typeface="Lato"/>
-              </a:rPr>
-              <a:t>product development</a:t>
-            </a:r>
-            <a:r>
-              <a:rPr b="0" lang="en" sz="1800">
-                <a:solidFill>
-                  <a:schemeClr val="dk1"/>
-                </a:solidFill>
-                <a:latin typeface="Lato"/>
-                <a:ea typeface="Lato"/>
-                <a:cs typeface="Lato"/>
-                <a:sym typeface="Lato"/>
-              </a:rPr>
-              <a:t> and </a:t>
-            </a:r>
-            <a:r>
-              <a:rPr lang="en" sz="1800">
-                <a:solidFill>
-                  <a:schemeClr val="accent2"/>
-                </a:solidFill>
-                <a:latin typeface="Lato"/>
-                <a:ea typeface="Lato"/>
-                <a:cs typeface="Lato"/>
-                <a:sym typeface="Lato"/>
-              </a:rPr>
-              <a:t>software engineering</a:t>
-            </a:r>
-            <a:r>
-              <a:rPr b="0" i="0" lang="en" sz="1800" u="none" cap="none" strike="noStrike">
-                <a:solidFill>
-                  <a:schemeClr val="dk1"/>
-                </a:solidFill>
-                <a:latin typeface="Lato"/>
-                <a:ea typeface="Lato"/>
-                <a:cs typeface="Lato"/>
-                <a:sym typeface="Lato"/>
-              </a:rPr>
-              <a:t>.</a:t>
+              <a:t/>
             </a:r>
             <a:endParaRPr b="0" sz="1800">
               <a:solidFill>
@@ -28038,32 +28430,6 @@
                 <a:spcPct val="100000"/>
               </a:lnSpc>
               <a:spcBef>
-                <a:spcPts val="0"/>
-              </a:spcBef>
-              <a:spcAft>
-                <a:spcPts val="0"/>
-              </a:spcAft>
-              <a:buNone/>
-            </a:pPr>
-            <a:r>
-              <a:t/>
-            </a:r>
-            <a:endParaRPr b="0" sz="1800">
-              <a:solidFill>
-                <a:schemeClr val="dk1"/>
-              </a:solidFill>
-              <a:latin typeface="Lato"/>
-              <a:ea typeface="Lato"/>
-              <a:cs typeface="Lato"/>
-              <a:sym typeface="Lato"/>
-            </a:endParaRPr>
-          </a:p>
-          <a:p>
-            <a:pPr indent="0" lvl="0" marL="0" marR="0" rtl="0" algn="l">
-              <a:lnSpc>
-                <a:spcPct val="100000"/>
-              </a:lnSpc>
-              <a:spcBef>
                 <a:spcPts val="600"/>
               </a:spcBef>
               <a:spcAft>
@@ -28081,22 +28447,22 @@
                 <a:cs typeface="Lato"/>
                 <a:sym typeface="Lato"/>
               </a:rPr>
-              <a:t>Processes like </a:t>
-            </a:r>
-            <a:r>
-              <a:rPr i="0" lang="en" sz="1800" u="none" cap="none" strike="noStrike">
-                <a:solidFill>
-                  <a:schemeClr val="accent2"/>
+              <a:t>How?</a:t>
+            </a:r>
+            <a:r>
+              <a:rPr b="0" lang="en" sz="1800">
+                <a:solidFill>
+                  <a:schemeClr val="dk1"/>
                 </a:solidFill>
                 <a:latin typeface="Lato"/>
                 <a:ea typeface="Lato"/>
                 <a:cs typeface="Lato"/>
                 <a:sym typeface="Lato"/>
               </a:rPr>
-              <a:t>design sprints</a:t>
-            </a:r>
-            <a:r>
-              <a:rPr b="0" lang="en" sz="1800">
+              <a:t> </a:t>
+            </a:r>
+            <a:r>
+              <a:rPr b="0" i="0" lang="en" sz="1800" u="none" cap="none" strike="noStrike">
                 <a:solidFill>
                   <a:schemeClr val="dk1"/>
                 </a:solidFill>
@@ -28105,214 +28471,58 @@
                 <a:cs typeface="Lato"/>
                 <a:sym typeface="Lato"/>
               </a:rPr>
-              <a:t>, </a:t>
-            </a:r>
-            <a:r>
-              <a:rPr i="0" lang="en" sz="1800" u="none" cap="none" strike="noStrike">
-                <a:solidFill>
-                  <a:schemeClr val="accent2"/>
+              <a:t>The</a:t>
+            </a:r>
+            <a:r>
+              <a:rPr b="0" i="0" lang="en" sz="1800" u="none" cap="none" strike="noStrike">
+                <a:solidFill>
+                  <a:srgbClr val="555555"/>
                 </a:solidFill>
                 <a:latin typeface="Lato"/>
                 <a:ea typeface="Lato"/>
                 <a:cs typeface="Lato"/>
                 <a:sym typeface="Lato"/>
               </a:rPr>
-              <a:t>project planning</a:t>
+              <a:t> </a:t>
+            </a:r>
+            <a:r>
+              <a:rPr i="0" lang="en" sz="1800" u="sng" cap="none" strike="noStrike">
+                <a:solidFill>
+                  <a:schemeClr val="accent2"/>
+                </a:solidFill>
+                <a:latin typeface="Lato"/>
+                <a:ea typeface="Lato"/>
+                <a:cs typeface="Lato"/>
+                <a:sym typeface="Lato"/>
+                <a:hlinkClick r:id="rId3"/>
+              </a:rPr>
+              <a:t>NumFOCUS Foundation</a:t>
             </a:r>
             <a:r>
               <a:rPr b="0" i="0" lang="en" sz="1800" u="none" cap="none" strike="noStrike">
                 <a:solidFill>
-                  <a:schemeClr val="dk1"/>
+                  <a:srgbClr val="555555"/>
                 </a:solidFill>
                 <a:latin typeface="Lato"/>
                 <a:ea typeface="Lato"/>
                 <a:cs typeface="Lato"/>
                 <a:sym typeface="Lato"/>
               </a:rPr>
-              <a:t>, </a:t>
-            </a:r>
-            <a:r>
-              <a:rPr i="0" lang="en" sz="1800" u="none" cap="none" strike="noStrike">
-                <a:solidFill>
-                  <a:schemeClr val="accent2"/>
+              <a:t> </a:t>
+            </a:r>
+            <a:r>
+              <a:rPr b="0" i="0" lang="en" sz="1800" u="none" cap="none" strike="noStrike">
+                <a:solidFill>
+                  <a:schemeClr val="dk1"/>
                 </a:solidFill>
                 <a:latin typeface="Lato"/>
                 <a:ea typeface="Lato"/>
                 <a:cs typeface="Lato"/>
                 <a:sym typeface="Lato"/>
               </a:rPr>
-              <a:t>planning poker</a:t>
-            </a:r>
-            <a:r>
-              <a:rPr b="0" i="0" lang="en" sz="1800" u="none" cap="none" strike="noStrike">
-                <a:solidFill>
-                  <a:schemeClr val="dk1"/>
-                </a:solidFill>
-                <a:latin typeface="Lato"/>
-                <a:ea typeface="Lato"/>
-                <a:cs typeface="Lato"/>
-                <a:sym typeface="Lato"/>
-              </a:rPr>
-              <a:t>, and </a:t>
-            </a:r>
-            <a:r>
-              <a:rPr i="0" lang="en" sz="1800" u="none" cap="none" strike="noStrike">
-                <a:solidFill>
-                  <a:schemeClr val="accent2"/>
-                </a:solidFill>
-                <a:latin typeface="Lato"/>
-                <a:ea typeface="Lato"/>
-                <a:cs typeface="Lato"/>
-                <a:sym typeface="Lato"/>
-              </a:rPr>
-              <a:t>daily standups</a:t>
-            </a:r>
-            <a:r>
-              <a:rPr b="0" lang="en" sz="1800">
-                <a:solidFill>
-                  <a:schemeClr val="dk1"/>
-                </a:solidFill>
-                <a:latin typeface="Lato"/>
-                <a:ea typeface="Lato"/>
-                <a:cs typeface="Lato"/>
-                <a:sym typeface="Lato"/>
-              </a:rPr>
-              <a:t>. </a:t>
-            </a:r>
-            <a:endParaRPr b="0" sz="1800">
-              <a:solidFill>
-                <a:schemeClr val="dk1"/>
-              </a:solidFill>
-              <a:latin typeface="Lato"/>
-              <a:ea typeface="Lato"/>
-              <a:cs typeface="Lato"/>
-              <a:sym typeface="Lato"/>
-            </a:endParaRPr>
-          </a:p>
-          <a:p>
-            <a:pPr indent="0" lvl="0" marL="0" marR="0" rtl="0" algn="l">
-              <a:lnSpc>
-                <a:spcPct val="100000"/>
-              </a:lnSpc>
-              <a:spcBef>
-                <a:spcPts val="0"/>
-              </a:spcBef>
-              <a:spcAft>
-                <a:spcPts val="0"/>
-              </a:spcAft>
-              <a:buNone/>
-            </a:pPr>
-            <a:r>
-              <a:t/>
-            </a:r>
-            <a:endParaRPr b="0" sz="1800">
-              <a:solidFill>
-                <a:schemeClr val="dk1"/>
-              </a:solidFill>
-              <a:latin typeface="Lato"/>
-              <a:ea typeface="Lato"/>
-              <a:cs typeface="Lato"/>
-              <a:sym typeface="Lato"/>
-            </a:endParaRPr>
-          </a:p>
-          <a:p>
-            <a:pPr indent="0" lvl="0" marL="0" marR="0" rtl="0" algn="l">
-              <a:lnSpc>
-                <a:spcPct val="100000"/>
-              </a:lnSpc>
-              <a:spcBef>
-                <a:spcPts val="600"/>
-              </a:spcBef>
-              <a:spcAft>
-                <a:spcPts val="0"/>
-              </a:spcAft>
-              <a:buNone/>
-            </a:pPr>
-            <a:r>
-              <a:rPr b="0" i="0" lang="en" sz="1800" u="none" cap="none" strike="noStrike">
-                <a:solidFill>
-                  <a:schemeClr val="dk1"/>
-                </a:solidFill>
-                <a:latin typeface="Lato"/>
-                <a:ea typeface="Lato"/>
-                <a:cs typeface="Lato"/>
-                <a:sym typeface="Lato"/>
-              </a:rPr>
-              <a:t>Tools like </a:t>
-            </a:r>
-            <a:r>
-              <a:rPr i="0" lang="en" sz="1800" u="none" cap="none" strike="noStrike">
-                <a:solidFill>
-                  <a:schemeClr val="accent2"/>
-                </a:solidFill>
-                <a:latin typeface="Lato"/>
-                <a:ea typeface="Lato"/>
-                <a:cs typeface="Lato"/>
-                <a:sym typeface="Lato"/>
-              </a:rPr>
-              <a:t>version control</a:t>
-            </a:r>
-            <a:r>
-              <a:rPr b="0" i="0" lang="en" sz="1800" u="none" cap="none" strike="noStrike">
-                <a:solidFill>
-                  <a:schemeClr val="dk1"/>
-                </a:solidFill>
-                <a:latin typeface="Lato"/>
-                <a:ea typeface="Lato"/>
-                <a:cs typeface="Lato"/>
-                <a:sym typeface="Lato"/>
-              </a:rPr>
-              <a:t>, </a:t>
-            </a:r>
-            <a:r>
-              <a:rPr i="0" lang="en" sz="1800" u="none" cap="none" strike="noStrike">
-                <a:solidFill>
-                  <a:schemeClr val="accent2"/>
-                </a:solidFill>
-                <a:latin typeface="Lato"/>
-                <a:ea typeface="Lato"/>
-                <a:cs typeface="Lato"/>
-                <a:sym typeface="Lato"/>
-              </a:rPr>
-              <a:t>open source languages</a:t>
-            </a:r>
-            <a:r>
-              <a:rPr b="0" i="0" lang="en" sz="1800" u="none" cap="none" strike="noStrike">
-                <a:solidFill>
-                  <a:schemeClr val="dk1"/>
-                </a:solidFill>
-                <a:latin typeface="Lato"/>
-                <a:ea typeface="Lato"/>
-                <a:cs typeface="Lato"/>
-                <a:sym typeface="Lato"/>
-              </a:rPr>
-              <a:t>, and linux </a:t>
-            </a:r>
-            <a:r>
-              <a:rPr i="0" lang="en" sz="1800" u="none" cap="none" strike="noStrike">
-                <a:solidFill>
-                  <a:schemeClr val="accent2"/>
-                </a:solidFill>
-                <a:latin typeface="Lato"/>
-                <a:ea typeface="Lato"/>
-                <a:cs typeface="Lato"/>
-                <a:sym typeface="Lato"/>
-              </a:rPr>
-              <a:t>software containers</a:t>
-            </a:r>
-            <a:r>
-              <a:rPr i="0" lang="en" sz="1800" u="none" cap="none" strike="noStrike">
-                <a:solidFill>
-                  <a:schemeClr val="dk1"/>
-                </a:solidFill>
-                <a:latin typeface="Lato"/>
-                <a:ea typeface="Lato"/>
-                <a:cs typeface="Lato"/>
-                <a:sym typeface="Lato"/>
-              </a:rPr>
-              <a:t>.</a:t>
-            </a:r>
-            <a:endParaRPr i="0" sz="1800" u="none" cap="none" strike="noStrike">
+              <a:t>is a wonderful project that supports the open source community.</a:t>
+            </a:r>
+            <a:endParaRPr b="0" i="0" sz="1800" u="none" cap="none" strike="noStrike">
               <a:solidFill>
                 <a:schemeClr val="dk1"/>
               </a:solidFill>
@@ -28326,7 +28536,7 @@
       </p:sp>
       <p:sp>
         <p:nvSpPr>
-          <p:cNvPr id="238" name="Shape 238"/>
+          <p:cNvPr id="239" name="Shape 239"/>
           <p:cNvSpPr txBox="1"/>
           <p:nvPr>
             <p:ph type="title"/>
@@ -28369,60 +28579,20 @@
               <a:buNone/>
             </a:pPr>
             <a:r>
+              <a:rPr lang="en">
+                <a:solidFill>
+                  <a:schemeClr val="accent2"/>
+                </a:solidFill>
+              </a:rPr>
+              <a:t>A note on s</a:t>
+            </a:r>
+            <a:r>
               <a:rPr i="0" lang="en" u="none" cap="none" strike="noStrike">
                 <a:solidFill>
                   <a:schemeClr val="accent2"/>
                 </a:solidFill>
               </a:rPr>
-              <a:t>How </a:t>
-            </a:r>
-            <a:r>
-              <a:rPr lang="en">
-                <a:solidFill>
-                  <a:schemeClr val="accent2"/>
-                </a:solidFill>
-              </a:rPr>
-              <a:t>d</a:t>
-            </a:r>
-            <a:r>
-              <a:rPr lang="en" u="none" cap="none" strike="noStrike">
-                <a:solidFill>
-                  <a:schemeClr val="accent2"/>
-                </a:solidFill>
-              </a:rPr>
-              <a:t>o </a:t>
-            </a:r>
-            <a:r>
-              <a:rPr lang="en">
-                <a:solidFill>
-                  <a:schemeClr val="accent2"/>
-                </a:solidFill>
-              </a:rPr>
-              <a:t>w</a:t>
-            </a:r>
-            <a:r>
-              <a:rPr lang="en" u="none" cap="none" strike="noStrike">
-                <a:solidFill>
-                  <a:schemeClr val="accent2"/>
-                </a:solidFill>
-              </a:rPr>
-              <a:t>e </a:t>
-            </a:r>
-            <a:r>
-              <a:rPr i="1" lang="en" u="none" cap="none" strike="noStrike">
-                <a:solidFill>
-                  <a:schemeClr val="accent2"/>
-                </a:solidFill>
-              </a:rPr>
-              <a:t>do</a:t>
-            </a:r>
-            <a:r>
-              <a:rPr i="0" lang="en" u="none" cap="none" strike="noStrike">
-                <a:solidFill>
-                  <a:schemeClr val="accent2"/>
-                </a:solidFill>
-              </a:rPr>
-              <a:t> Data Science?</a:t>
+              <a:t>ustainability</a:t>
             </a:r>
             <a:endParaRPr i="0" u="none" cap="none" strike="noStrike">
               <a:solidFill>
@@ -28440,12 +28610,12 @@
 </p:sld>
 </file>
 
-<file path=ppt/slides/slide8.xml><?xml version="1.0" encoding="utf-8"?>
+<file path=ppt/slides/slide9.xml><?xml version="1.0" encoding="utf-8"?>
 <p:sld xmlns:a="http://schemas.openxmlformats.org/drawingml/2006/main" xmlns:r="http://schemas.openxmlformats.org/officeDocument/2006/relationships" xmlns:mc="http://schemas.openxmlformats.org/markup-compatibility/2006" xmlns:mv="urn:schemas-microsoft-com:mac:vml" xmlns:p="http://schemas.openxmlformats.org/presentationml/2006/main" xmlns:c="http://schemas.openxmlformats.org/drawingml/2006/chart" xmlns:dgm="http://schemas.openxmlformats.org/drawingml/2006/diagram" xmlns:o="urn:schemas-microsoft-com:office:office" xmlns:v="urn:schemas-microsoft-com:vml" xmlns:pvml="urn:schemas-microsoft-com:office:powerpoint" xmlns:com="http://schemas.openxmlformats.org/drawingml/2006/compatibility" xmlns:p14="http://schemas.microsoft.com/office/powerpoint/2010/main" xmlns:p15="http://schemas.microsoft.com/office/powerpoint/2012/main">
   <p:cSld>
     <p:spTree>
       <p:nvGrpSpPr>
-        <p:cNvPr id="242" name="Shape 242"/>
+        <p:cNvPr id="243" name="Shape 243"/>
         <p:cNvGrpSpPr/>
         <p:nvPr/>
       </p:nvGrpSpPr>
@@ -28459,7 +28629,7 @@
       </p:grpSpPr>
       <p:sp>
         <p:nvSpPr>
-          <p:cNvPr id="243" name="Shape 243"/>
+          <p:cNvPr id="244" name="Shape 244"/>
           <p:cNvSpPr txBox="1"/>
           <p:nvPr>
             <p:ph idx="1" type="body"/>
@@ -28497,7 +28667,7 @@
               <a:buNone/>
             </a:pPr>
             <a:r>
-              <a:rPr lang="en" sz="1800">
+              <a:rPr i="0" lang="en" sz="1800" u="none" cap="none" strike="noStrike">
                 <a:solidFill>
                   <a:schemeClr val="accent2"/>
                 </a:solidFill>
@@ -28506,94 +28676,24 @@
                 <a:cs typeface="Lato"/>
                 <a:sym typeface="Lato"/>
               </a:rPr>
-              <a:t>Python</a:t>
-            </a:r>
-            <a:r>
-              <a:rPr b="0" lang="en" sz="1800">
+              <a:t>Assumptions </a:t>
+            </a:r>
+            <a:r>
+              <a:rPr b="0" i="0" lang="en" sz="1800" u="none" cap="none" strike="noStrike">
+                <a:solidFill>
+                  <a:schemeClr val="dk1"/>
+                </a:solidFill>
                 <a:latin typeface="Lato"/>
                 <a:ea typeface="Lato"/>
                 <a:cs typeface="Lato"/>
                 <a:sym typeface="Lato"/>
               </a:rPr>
-              <a:t> is one of these open source languages that you may </a:t>
-            </a:r>
-            <a:r>
-              <a:rPr lang="en" sz="1800">
+              <a:t>and</a:t>
+            </a:r>
+            <a:r>
+              <a:rPr i="0" lang="en" sz="1800" u="none" cap="none" strike="noStrike">
                 <a:solidFill>
                   <a:schemeClr val="accent2"/>
-                </a:solidFill>
-                <a:latin typeface="Lato"/>
-                <a:ea typeface="Lato"/>
-                <a:cs typeface="Lato"/>
-                <a:sym typeface="Lato"/>
-              </a:rPr>
-              <a:t>choose</a:t>
-            </a:r>
-            <a:r>
-              <a:rPr b="0" lang="en" sz="1800">
-                <a:latin typeface="Lato"/>
-                <a:ea typeface="Lato"/>
-                <a:cs typeface="Lato"/>
-                <a:sym typeface="Lato"/>
-              </a:rPr>
-              <a:t> to use. </a:t>
-            </a:r>
-            <a:endParaRPr b="0" sz="1800">
-              <a:latin typeface="Lato"/>
-              <a:ea typeface="Lato"/>
-              <a:cs typeface="Lato"/>
-              <a:sym typeface="Lato"/>
-            </a:endParaRPr>
-          </a:p>
-          <a:p>
-            <a:pPr indent="0" lvl="0" marL="0" marR="0" rtl="0" algn="l">
-              <a:lnSpc>
-                <a:spcPct val="100000"/>
-              </a:lnSpc>
-              <a:spcBef>
-                <a:spcPts val="0"/>
-              </a:spcBef>
-              <a:spcAft>
-                <a:spcPts val="0"/>
-              </a:spcAft>
-              <a:buNone/>
-            </a:pPr>
-            <a:r>
-              <a:t/>
-            </a:r>
-            <a:endParaRPr b="0" sz="1800">
-              <a:latin typeface="Lato"/>
-              <a:ea typeface="Lato"/>
-              <a:cs typeface="Lato"/>
-              <a:sym typeface="Lato"/>
-            </a:endParaRPr>
-          </a:p>
-          <a:p>
-            <a:pPr indent="0" lvl="0" marL="0" marR="0" rtl="0" algn="l">
-              <a:lnSpc>
-                <a:spcPct val="100000"/>
-              </a:lnSpc>
-              <a:spcBef>
-                <a:spcPts val="0"/>
-              </a:spcBef>
-              <a:spcAft>
-                <a:spcPts val="0"/>
-              </a:spcAft>
-              <a:buNone/>
-            </a:pPr>
-            <a:r>
-              <a:rPr b="0" lang="en" sz="1800">
-                <a:latin typeface="Lato"/>
-                <a:ea typeface="Lato"/>
-                <a:cs typeface="Lato"/>
-                <a:sym typeface="Lato"/>
-              </a:rPr>
-              <a:t>It’s a</a:t>
-            </a:r>
-            <a:r>
-              <a:rPr b="0" i="0" lang="en" sz="1800" u="none" cap="none" strike="noStrike">
-                <a:solidFill>
-                  <a:srgbClr val="555555"/>
                 </a:solidFill>
                 <a:latin typeface="Lato"/>
                 <a:ea typeface="Lato"/>
@@ -28603,7 +28703,7 @@
               <a:t> </a:t>
             </a:r>
             <a:r>
-              <a:rPr i="0" lang="en" sz="1800" u="none" cap="none" strike="noStrike">
+              <a:rPr lang="en" sz="1800">
                 <a:solidFill>
                   <a:schemeClr val="accent2"/>
                 </a:solidFill>
@@ -28612,47 +28712,23 @@
                 <a:cs typeface="Lato"/>
                 <a:sym typeface="Lato"/>
               </a:rPr>
-              <a:t>full-featured</a:t>
-            </a:r>
-            <a:r>
-              <a:rPr b="0" i="0" lang="en" sz="1800" u="none" cap="none" strike="noStrike">
-                <a:solidFill>
-                  <a:srgbClr val="555555"/>
+              <a:t>p</a:t>
+            </a:r>
+            <a:r>
+              <a:rPr i="0" lang="en" sz="1800" u="none" cap="none" strike="noStrike">
+                <a:solidFill>
+                  <a:schemeClr val="accent2"/>
                 </a:solidFill>
                 <a:latin typeface="Lato"/>
                 <a:ea typeface="Lato"/>
                 <a:cs typeface="Lato"/>
                 <a:sym typeface="Lato"/>
               </a:rPr>
-              <a:t> language with </a:t>
-            </a:r>
-            <a:r>
-              <a:rPr i="0" lang="en" sz="1800" u="none" cap="none" strike="noStrike">
-                <a:solidFill>
-                  <a:schemeClr val="accent2"/>
-                </a:solidFill>
-                <a:latin typeface="Lato"/>
-                <a:ea typeface="Lato"/>
-                <a:cs typeface="Lato"/>
-                <a:sym typeface="Lato"/>
-              </a:rPr>
-              <a:t>many, many packages</a:t>
-            </a:r>
-            <a:r>
-              <a:rPr b="0" i="0" lang="en" sz="1800" u="none" cap="none" strike="noStrike">
-                <a:solidFill>
-                  <a:srgbClr val="555555"/>
-                </a:solidFill>
-                <a:latin typeface="Lato"/>
-                <a:ea typeface="Lato"/>
-                <a:cs typeface="Lato"/>
-                <a:sym typeface="Lato"/>
-              </a:rPr>
-              <a:t> for making data science tasks easier.</a:t>
-            </a:r>
-            <a:endParaRPr b="0" i="0" sz="1800" u="none" cap="none" strike="noStrike">
+              <a:t>rerequisites</a:t>
+            </a:r>
+            <a:endParaRPr i="0" sz="1800" u="none" cap="none" strike="noStrike">
               <a:solidFill>
-                <a:srgbClr val="555555"/>
+                <a:schemeClr val="accent2"/>
               </a:solidFill>
               <a:latin typeface="Lato"/>
               <a:ea typeface="Lato"/>
@@ -28676,7 +28752,7 @@
             <a:r>
               <a:t/>
             </a:r>
-            <a:endParaRPr b="0" sz="1800">
+            <a:endParaRPr sz="1800">
               <a:latin typeface="Lato"/>
               <a:ea typeface="Lato"/>
               <a:cs typeface="Lato"/>
@@ -28689,7 +28765,7 @@
                 <a:spcPct val="100000"/>
               </a:lnSpc>
               <a:spcBef>
-                <a:spcPts val="0"/>
+                <a:spcPts val="600"/>
               </a:spcBef>
               <a:spcAft>
                 <a:spcPts val="0"/>
@@ -28698,24 +28774,27 @@
             </a:pPr>
             <a:r>
               <a:rPr b="0" lang="en" sz="1800">
+                <a:solidFill>
+                  <a:schemeClr val="dk1"/>
+                </a:solidFill>
                 <a:latin typeface="Lato"/>
                 <a:ea typeface="Lato"/>
                 <a:cs typeface="Lato"/>
                 <a:sym typeface="Lato"/>
               </a:rPr>
-              <a:t>There are r</a:t>
+              <a:t>Everyone has had s</a:t>
             </a:r>
             <a:r>
               <a:rPr b="0" i="0" lang="en" sz="1800" u="none" cap="none" strike="noStrike">
                 <a:solidFill>
-                  <a:srgbClr val="555555"/>
+                  <a:schemeClr val="dk1"/>
                 </a:solidFill>
                 <a:latin typeface="Lato"/>
                 <a:ea typeface="Lato"/>
                 <a:cs typeface="Lato"/>
                 <a:sym typeface="Lato"/>
               </a:rPr>
-              <a:t>obust libraries and services for </a:t>
+              <a:t>ome exposure to</a:t>
             </a:r>
             <a:r>
               <a:rPr i="0" lang="en" sz="1800" u="none" cap="none" strike="noStrike">
@@ -28727,107 +28806,7 @@
                 <a:cs typeface="Lato"/>
                 <a:sym typeface="Lato"/>
               </a:rPr>
-              <a:t>testing</a:t>
-            </a:r>
-            <a:r>
-              <a:rPr b="0" i="0" lang="en" sz="1800" u="none" cap="none" strike="noStrike">
-                <a:solidFill>
-                  <a:srgbClr val="555555"/>
-                </a:solidFill>
-                <a:latin typeface="Lato"/>
-                <a:ea typeface="Lato"/>
-                <a:cs typeface="Lato"/>
-                <a:sym typeface="Lato"/>
-              </a:rPr>
-              <a:t> your code and methods</a:t>
-            </a:r>
-            <a:endParaRPr b="0" sz="1800">
-              <a:latin typeface="Lato"/>
-              <a:ea typeface="Lato"/>
-              <a:cs typeface="Lato"/>
-              <a:sym typeface="Lato"/>
-            </a:endParaRPr>
-          </a:p>
-          <a:p>
-            <a:pPr indent="0" lvl="0" marL="0" marR="0" rtl="0" algn="l">
-              <a:lnSpc>
-                <a:spcPct val="100000"/>
-              </a:lnSpc>
-              <a:spcBef>
-                <a:spcPts val="0"/>
-              </a:spcBef>
-              <a:spcAft>
-                <a:spcPts val="0"/>
-              </a:spcAft>
-              <a:buNone/>
-            </a:pPr>
-            <a:r>
-              <a:t/>
-            </a:r>
-            <a:endParaRPr b="0" sz="1800">
-              <a:latin typeface="Lato"/>
-              <a:ea typeface="Lato"/>
-              <a:cs typeface="Lato"/>
-              <a:sym typeface="Lato"/>
-            </a:endParaRPr>
-          </a:p>
-          <a:p>
-            <a:pPr indent="0" lvl="0" marL="0" marR="0" rtl="0" algn="l">
-              <a:lnSpc>
-                <a:spcPct val="100000"/>
-              </a:lnSpc>
-              <a:spcBef>
-                <a:spcPts val="0"/>
-              </a:spcBef>
-              <a:spcAft>
-                <a:spcPts val="0"/>
-              </a:spcAft>
-              <a:buNone/>
-            </a:pPr>
-            <a:r>
-              <a:rPr b="0" lang="en" sz="1800">
-                <a:latin typeface="Lato"/>
-                <a:ea typeface="Lato"/>
-                <a:cs typeface="Lato"/>
-                <a:sym typeface="Lato"/>
-              </a:rPr>
-              <a:t>It m</a:t>
-            </a:r>
-            <a:r>
-              <a:rPr b="0" i="0" lang="en" sz="1800" u="none" cap="none" strike="noStrike">
-                <a:solidFill>
-                  <a:srgbClr val="555555"/>
-                </a:solidFill>
-                <a:latin typeface="Lato"/>
-                <a:ea typeface="Lato"/>
-                <a:cs typeface="Lato"/>
-                <a:sym typeface="Lato"/>
-              </a:rPr>
-              <a:t>akes it easy to write </a:t>
-            </a:r>
-            <a:r>
-              <a:rPr lang="en" sz="1800" u="none" cap="none" strike="noStrike">
-                <a:solidFill>
-                  <a:schemeClr val="accent2"/>
-                </a:solidFill>
-                <a:latin typeface="Lato"/>
-                <a:ea typeface="Lato"/>
-                <a:cs typeface="Lato"/>
-                <a:sym typeface="Lato"/>
-              </a:rPr>
-              <a:t>defensive</a:t>
-            </a:r>
-            <a:r>
-              <a:rPr i="0" lang="en" sz="1800" u="none" cap="none" strike="noStrike">
-                <a:solidFill>
-                  <a:schemeClr val="accent2"/>
-                </a:solidFill>
-                <a:latin typeface="Lato"/>
-                <a:ea typeface="Lato"/>
-                <a:cs typeface="Lato"/>
-                <a:sym typeface="Lato"/>
-              </a:rPr>
-              <a:t> code</a:t>
+              <a:t> programming</a:t>
             </a:r>
             <a:r>
               <a:rPr b="0" i="0" lang="en" sz="1800" u="none" cap="none" strike="noStrike">
@@ -28857,7 +28836,7 @@
                 <a:spcPct val="100000"/>
               </a:lnSpc>
               <a:spcBef>
-                <a:spcPts val="0"/>
+                <a:spcPts val="600"/>
               </a:spcBef>
               <a:spcAft>
                 <a:spcPts val="0"/>
@@ -28865,9 +28844,57 @@
               <a:buNone/>
             </a:pPr>
             <a:r>
-              <a:t/>
-            </a:r>
-            <a:endParaRPr b="0" sz="1800">
+              <a:rPr b="0" lang="en" sz="1800">
+                <a:solidFill>
+                  <a:schemeClr val="dk1"/>
+                </a:solidFill>
+                <a:latin typeface="Lato"/>
+                <a:ea typeface="Lato"/>
+                <a:cs typeface="Lato"/>
+                <a:sym typeface="Lato"/>
+              </a:rPr>
+              <a:t>Everyone has had s</a:t>
+            </a:r>
+            <a:r>
+              <a:rPr b="0" i="0" lang="en" sz="1800" u="none" cap="none" strike="noStrike">
+                <a:solidFill>
+                  <a:schemeClr val="dk1"/>
+                </a:solidFill>
+                <a:latin typeface="Lato"/>
+                <a:ea typeface="Lato"/>
+                <a:cs typeface="Lato"/>
+                <a:sym typeface="Lato"/>
+              </a:rPr>
+              <a:t>ome exposure to </a:t>
+            </a:r>
+            <a:r>
+              <a:rPr i="0" lang="en" sz="1800" u="none" cap="none" strike="noStrike">
+                <a:solidFill>
+                  <a:schemeClr val="accent2"/>
+                </a:solidFill>
+                <a:latin typeface="Lato"/>
+                <a:ea typeface="Lato"/>
+                <a:cs typeface="Lato"/>
+                <a:sym typeface="Lato"/>
+              </a:rPr>
+              <a:t>Python basics</a:t>
+            </a:r>
+            <a:r>
+              <a:rPr b="0" i="0" lang="en" sz="1800" u="none" cap="none" strike="noStrike">
+                <a:solidFill>
+                  <a:schemeClr val="dk1"/>
+                </a:solidFill>
+                <a:latin typeface="Lato"/>
+                <a:ea typeface="Lato"/>
+                <a:cs typeface="Lato"/>
+                <a:sym typeface="Lato"/>
+              </a:rPr>
+              <a:t>.</a:t>
+            </a:r>
+            <a:endParaRPr b="0" i="0" sz="1800" u="none" cap="none" strike="noStrike">
+              <a:solidFill>
+                <a:schemeClr val="dk1"/>
+              </a:solidFill>
               <a:latin typeface="Lato"/>
               <a:ea typeface="Lato"/>
               <a:cs typeface="Lato"/>
@@ -28875,12 +28902,9 @@
             </a:endParaRPr>
           </a:p>
           <a:p>
-            <a:pPr indent="0" lvl="0" marL="0" marR="0" rtl="0" algn="l">
-              <a:lnSpc>
-                <a:spcPct val="100000"/>
-              </a:lnSpc>
-              <a:spcBef>
-                <a:spcPts val="0"/>
+            <a:pPr indent="0" lvl="0" marL="0" rtl="0">
+              <a:spcBef>
+                <a:spcPts val="600"/>
               </a:spcBef>
               <a:spcAft>
                 <a:spcPts val="0"/>
@@ -28888,19 +28912,34 @@
               <a:buNone/>
             </a:pPr>
             <a:r>
-              <a:rPr lang="en" sz="1800">
-                <a:solidFill>
-                  <a:schemeClr val="accent2"/>
+              <a:rPr b="0" lang="en" sz="1800">
+                <a:solidFill>
+                  <a:schemeClr val="dk1"/>
                 </a:solidFill>
                 <a:latin typeface="Lato"/>
                 <a:ea typeface="Lato"/>
                 <a:cs typeface="Lato"/>
                 <a:sym typeface="Lato"/>
               </a:rPr>
-              <a:t>Readability counts</a:t>
+              <a:t>Everyone has had some exposure to </a:t>
+            </a:r>
+            <a:r>
+              <a:rPr lang="en" sz="1800">
+                <a:solidFill>
+                  <a:schemeClr val="accent2"/>
+                </a:solidFill>
+                <a:latin typeface="Lato"/>
+                <a:ea typeface="Lato"/>
+                <a:cs typeface="Lato"/>
+                <a:sym typeface="Lato"/>
+              </a:rPr>
+              <a:t>data science</a:t>
             </a:r>
             <a:r>
               <a:rPr b="0" lang="en" sz="1800">
+                <a:solidFill>
+                  <a:schemeClr val="dk1"/>
+                </a:solidFill>
                 <a:latin typeface="Lato"/>
                 <a:ea typeface="Lato"/>
                 <a:cs typeface="Lato"/>
@@ -28918,24 +28957,12 @@
                 <a:cs typeface="Lato"/>
                 <a:sym typeface="Lato"/>
               </a:rPr>
-              <a:t>s</a:t>
-            </a:r>
-            <a:r>
-              <a:rPr i="0" lang="en" sz="1800" u="none" cap="none" strike="noStrike">
-                <a:solidFill>
-                  <a:schemeClr val="accent2"/>
-                </a:solidFill>
-                <a:latin typeface="Lato"/>
-                <a:ea typeface="Lato"/>
-                <a:cs typeface="Lato"/>
-                <a:sym typeface="Lato"/>
-              </a:rPr>
-              <a:t>tyle matters</a:t>
-            </a:r>
-            <a:r>
-              <a:rPr b="0" i="0" lang="en" sz="1800" u="none" cap="none" strike="noStrike">
-                <a:solidFill>
-                  <a:srgbClr val="555555"/>
+              <a:t>methods</a:t>
+            </a:r>
+            <a:r>
+              <a:rPr b="0" lang="en" sz="1800">
+                <a:solidFill>
+                  <a:schemeClr val="dk1"/>
                 </a:solidFill>
                 <a:latin typeface="Lato"/>
                 <a:ea typeface="Lato"/>
@@ -28944,9 +28971,9 @@
               </a:rPr>
               <a:t>.</a:t>
             </a:r>
-            <a:endParaRPr b="0" i="0" sz="1800" u="none" cap="none" strike="noStrike">
+            <a:endParaRPr b="0" sz="1800">
               <a:solidFill>
-                <a:srgbClr val="555555"/>
+                <a:schemeClr val="dk1"/>
               </a:solidFill>
               <a:latin typeface="Lato"/>
               <a:ea typeface="Lato"/>
@@ -28960,7 +28987,7 @@
                 <a:spcPct val="100000"/>
               </a:lnSpc>
               <a:spcBef>
-                <a:spcPts val="0"/>
+                <a:spcPts val="600"/>
               </a:spcBef>
               <a:spcAft>
                 <a:spcPts val="0"/>
@@ -28971,74 +28998,6 @@
               <a:t/>
             </a:r>
             <a:endParaRPr b="0" sz="1800">
-              <a:latin typeface="Lato"/>
-              <a:ea typeface="Lato"/>
-              <a:cs typeface="Lato"/>
-              <a:sym typeface="Lato"/>
-            </a:endParaRPr>
-          </a:p>
-          <a:p>
-            <a:pPr indent="0" lvl="0" marL="0" marR="0" rtl="0" algn="l">
-              <a:lnSpc>
-                <a:spcPct val="100000"/>
-              </a:lnSpc>
-              <a:spcBef>
-                <a:spcPts val="0"/>
-              </a:spcBef>
-              <a:spcAft>
-                <a:spcPts val="0"/>
-              </a:spcAft>
-              <a:buNone/>
-            </a:pPr>
-            <a:r>
-              <a:rPr b="0" i="0" lang="en" sz="1800" u="none" cap="none" strike="noStrike">
-                <a:solidFill>
-                  <a:srgbClr val="555555"/>
-                </a:solidFill>
-                <a:latin typeface="Lato"/>
-                <a:ea typeface="Lato"/>
-                <a:cs typeface="Lato"/>
-                <a:sym typeface="Lato"/>
-              </a:rPr>
-              <a:t>Straightforward to go </a:t>
-            </a:r>
-            <a:r>
-              <a:rPr i="0" lang="en" sz="1800" u="none" cap="none" strike="noStrike">
-                <a:solidFill>
-                  <a:schemeClr val="accent2"/>
-                </a:solidFill>
-                <a:latin typeface="Lato"/>
-                <a:ea typeface="Lato"/>
-                <a:cs typeface="Lato"/>
-                <a:sym typeface="Lato"/>
-              </a:rPr>
-              <a:t>from prototype to </a:t>
-            </a:r>
-            <a:r>
-              <a:rPr lang="en" sz="1800">
-                <a:solidFill>
-                  <a:schemeClr val="accent2"/>
-                </a:solidFill>
-                <a:latin typeface="Lato"/>
-                <a:ea typeface="Lato"/>
-                <a:cs typeface="Lato"/>
-                <a:sym typeface="Lato"/>
-              </a:rPr>
-              <a:t>production</a:t>
-            </a:r>
-            <a:r>
-              <a:rPr b="0" lang="en" sz="1800">
-                <a:solidFill>
-                  <a:schemeClr val="dk1"/>
-                </a:solidFill>
-                <a:latin typeface="Lato"/>
-                <a:ea typeface="Lato"/>
-                <a:cs typeface="Lato"/>
-                <a:sym typeface="Lato"/>
-              </a:rPr>
-              <a:t>.</a:t>
-            </a:r>
-            <a:endParaRPr b="0" i="0" sz="1800" u="none" cap="none" strike="noStrike">
               <a:solidFill>
                 <a:schemeClr val="dk1"/>
               </a:solidFill>
@@ -29054,7 +29013,7 @@
                 <a:spcPct val="100000"/>
               </a:lnSpc>
               <a:spcBef>
-                <a:spcPts val="0"/>
+                <a:spcPts val="600"/>
               </a:spcBef>
               <a:spcAft>
                 <a:spcPts val="0"/>
@@ -29064,7 +29023,10 @@
             <a:r>
               <a:t/>
             </a:r>
-            <a:endParaRPr b="0" sz="1800">
+            <a:endParaRPr sz="1800">
+              <a:solidFill>
+                <a:schemeClr val="dk1"/>
+              </a:solidFill>
               <a:latin typeface="Lato"/>
               <a:ea typeface="Lato"/>
               <a:cs typeface="Lato"/>
@@ -29077,7 +29039,7 @@
                 <a:spcPct val="100000"/>
               </a:lnSpc>
               <a:spcBef>
-                <a:spcPts val="0"/>
+                <a:spcPts val="600"/>
               </a:spcBef>
               <a:spcAft>
                 <a:spcPts val="0"/>
@@ -29085,16 +29047,16 @@
               <a:buNone/>
             </a:pPr>
             <a:r>
-              <a:rPr b="0" i="0" lang="en" sz="1800" u="none" cap="none" strike="noStrike">
-                <a:solidFill>
-                  <a:srgbClr val="555555"/>
+              <a:rPr i="0" lang="en" sz="1800" u="none" cap="none" strike="noStrike">
+                <a:solidFill>
+                  <a:schemeClr val="accent2"/>
                 </a:solidFill>
                 <a:latin typeface="Lato"/>
                 <a:ea typeface="Lato"/>
                 <a:cs typeface="Lato"/>
                 <a:sym typeface="Lato"/>
               </a:rPr>
-              <a:t>A </a:t>
+              <a:t>Feel free to stop me and ask questions through</a:t>
             </a:r>
             <a:r>
               <a:rPr lang="en" sz="1800">
@@ -29106,35 +29068,11 @@
                 <a:cs typeface="Lato"/>
                 <a:sym typeface="Lato"/>
               </a:rPr>
-              <a:t>large</a:t>
-            </a:r>
-            <a:r>
-              <a:rPr i="0" lang="en" sz="1800" u="none" cap="none" strike="noStrike">
-                <a:solidFill>
-                  <a:schemeClr val="accent2"/>
-                </a:solidFill>
-                <a:latin typeface="Lato"/>
-                <a:ea typeface="Lato"/>
-                <a:cs typeface="Lato"/>
-                <a:sym typeface="Lato"/>
-              </a:rPr>
-              <a:t> community</a:t>
-            </a:r>
-            <a:r>
-              <a:rPr b="0" i="0" lang="en" sz="1800" u="none" cap="none" strike="noStrike">
-                <a:solidFill>
-                  <a:srgbClr val="555555"/>
-                </a:solidFill>
-                <a:latin typeface="Lato"/>
-                <a:ea typeface="Lato"/>
-                <a:cs typeface="Lato"/>
-                <a:sym typeface="Lato"/>
-              </a:rPr>
-              <a:t> of disciplined, helpful, and seasoned programmers.</a:t>
-            </a:r>
-            <a:endParaRPr b="0" i="0" sz="1800" u="none" cap="none" strike="noStrike">
+              <a:t>out.</a:t>
+            </a:r>
+            <a:endParaRPr sz="1100">
               <a:solidFill>
-                <a:srgbClr val="555555"/>
+                <a:schemeClr val="accent2"/>
               </a:solidFill>
               <a:latin typeface="Lato"/>
               <a:ea typeface="Lato"/>
@@ -29146,7 +29084,7 @@
       </p:sp>
       <p:sp>
         <p:nvSpPr>
-          <p:cNvPr id="244" name="Shape 244"/>
+          <p:cNvPr id="245" name="Shape 245"/>
           <p:cNvSpPr txBox="1"/>
           <p:nvPr>
             <p:ph type="title"/>
@@ -29194,647 +29132,55 @@
                   <a:schemeClr val="accent2"/>
                 </a:solidFill>
               </a:rPr>
-              <a:t>Why Python?</a:t>
-            </a:r>
-            <a:endParaRPr i="0" u="none" cap="none" strike="noStrike">
-              <a:solidFill>
-                <a:schemeClr val="accent2"/>
-              </a:solidFill>
-            </a:endParaRPr>
-          </a:p>
-        </p:txBody>
-      </p:sp>
-    </p:spTree>
-  </p:cSld>
-  <p:clrMapOvr>
-    <a:masterClrMapping/>
-  </p:clrMapOvr>
-</p:sld>
-</file>
-
-<file path=ppt/slides/slide9.xml><?xml version="1.0" encoding="utf-8"?>
-<p:sld xmlns:a="http://schemas.openxmlformats.org/drawingml/2006/main" xmlns:r="http://schemas.openxmlformats.org/officeDocument/2006/relationships" xmlns:mc="http://schemas.openxmlformats.org/markup-compatibility/2006" xmlns:mv="urn:schemas-microsoft-com:mac:vml" xmlns:p="http://schemas.openxmlformats.org/presentationml/2006/main" xmlns:c="http://schemas.openxmlformats.org/drawingml/2006/chart" xmlns:dgm="http://schemas.openxmlformats.org/drawingml/2006/diagram" xmlns:o="urn:schemas-microsoft-com:office:office" xmlns:v="urn:schemas-microsoft-com:vml" xmlns:pvml="urn:schemas-microsoft-com:office:powerpoint" xmlns:com="http://schemas.openxmlformats.org/drawingml/2006/compatibility" xmlns:p14="http://schemas.microsoft.com/office/powerpoint/2010/main" xmlns:p15="http://schemas.microsoft.com/office/powerpoint/2012/main">
-  <p:cSld>
-    <p:spTree>
-      <p:nvGrpSpPr>
-        <p:cNvPr id="248" name="Shape 248"/>
-        <p:cNvGrpSpPr/>
-        <p:nvPr/>
-      </p:nvGrpSpPr>
-      <p:grpSpPr>
-        <a:xfrm>
-          <a:off x="0" y="0"/>
-          <a:ext cx="0" cy="0"/>
-          <a:chOff x="0" y="0"/>
-          <a:chExt cx="0" cy="0"/>
-        </a:xfrm>
-      </p:grpSpPr>
-      <p:sp>
-        <p:nvSpPr>
-          <p:cNvPr id="249" name="Shape 249"/>
-          <p:cNvSpPr txBox="1"/>
-          <p:nvPr>
-            <p:ph idx="1" type="body"/>
-          </p:nvPr>
-        </p:nvSpPr>
-        <p:spPr>
-          <a:xfrm>
-            <a:off x="455613" y="939362"/>
-            <a:ext cx="8216400" cy="3793500"/>
-          </a:xfrm>
-          <a:prstGeom prst="rect">
-            <a:avLst/>
-          </a:prstGeom>
-          <a:noFill/>
-          <a:ln>
-            <a:noFill/>
-          </a:ln>
-        </p:spPr>
-        <p:txBody>
-          <a:bodyPr anchorCtr="0" anchor="t" bIns="0" lIns="0" spcFirstLastPara="1" rIns="0" wrap="square" tIns="0">
-            <a:noAutofit/>
-          </a:bodyPr>
-          <a:lstStyle/>
-          <a:p>
-            <a:pPr indent="0" lvl="0" marL="0" marR="0" rtl="0" algn="l">
-              <a:lnSpc>
-                <a:spcPct val="100000"/>
-              </a:lnSpc>
-              <a:spcBef>
-                <a:spcPts val="0"/>
-              </a:spcBef>
-              <a:spcAft>
-                <a:spcPts val="0"/>
-              </a:spcAft>
-              <a:buNone/>
-            </a:pPr>
-            <a:r>
-              <a:rPr b="0" i="0" lang="en" sz="1800" u="none" cap="none" strike="noStrike">
-                <a:solidFill>
-                  <a:schemeClr val="dk1"/>
-                </a:solidFill>
-                <a:latin typeface="Lato"/>
-                <a:ea typeface="Lato"/>
-                <a:cs typeface="Lato"/>
-                <a:sym typeface="Lato"/>
+              <a:t>Before </a:t>
+            </a:r>
+            <a:r>
+              <a:rPr lang="en">
+                <a:solidFill>
+                  <a:schemeClr val="accent2"/>
+                </a:solidFill>
               </a:rPr>
-              <a:t>Open Source continues to flourish because of </a:t>
-            </a:r>
-            <a:r>
-              <a:rPr b="0" lang="en" sz="1800">
-                <a:solidFill>
-                  <a:schemeClr val="dk1"/>
-                </a:solidFill>
-                <a:latin typeface="Lato"/>
-                <a:ea typeface="Lato"/>
-                <a:cs typeface="Lato"/>
-                <a:sym typeface="Lato"/>
+              <a:t>w</a:t>
+            </a:r>
+            <a:r>
+              <a:rPr i="0" lang="en" u="none" cap="none" strike="noStrike">
+                <a:solidFill>
+                  <a:schemeClr val="accent2"/>
+                </a:solidFill>
               </a:rPr>
-              <a:t>the</a:t>
-            </a:r>
-            <a:r>
-              <a:rPr b="0" lang="en" sz="1800">
-                <a:latin typeface="Lato"/>
-                <a:ea typeface="Lato"/>
-                <a:cs typeface="Lato"/>
-                <a:sym typeface="Lato"/>
+              <a:t>e </a:t>
+            </a:r>
+            <a:r>
+              <a:rPr lang="en">
+                <a:solidFill>
+                  <a:schemeClr val="accent2"/>
+                </a:solidFill>
               </a:rPr>
-              <a:t> </a:t>
-            </a:r>
-            <a:r>
-              <a:rPr i="0" lang="en" sz="1800" u="none" cap="none" strike="noStrike">
+              <a:t>g</a:t>
+            </a:r>
+            <a:r>
+              <a:rPr i="0" lang="en" u="none" cap="none" strike="noStrike">
                 <a:solidFill>
                   <a:schemeClr val="accent2"/>
                 </a:solidFill>
-                <a:latin typeface="Lato"/>
-                <a:ea typeface="Lato"/>
-                <a:cs typeface="Lato"/>
-                <a:sym typeface="Lato"/>
               </a:rPr>
-              <a:t>community</a:t>
-            </a:r>
-            <a:r>
-              <a:rPr b="0" i="0" lang="en" sz="1800" u="none" cap="none" strike="noStrike">
-                <a:solidFill>
-                  <a:srgbClr val="555555"/>
-                </a:solidFill>
-                <a:latin typeface="Lato"/>
-                <a:ea typeface="Lato"/>
-                <a:cs typeface="Lato"/>
-                <a:sym typeface="Lato"/>
+              <a:t>et </a:t>
+            </a:r>
+            <a:r>
+              <a:rPr lang="en">
+                <a:solidFill>
+                  <a:schemeClr val="accent2"/>
+                </a:solidFill>
               </a:rPr>
-              <a:t> </a:t>
-            </a:r>
-            <a:r>
-              <a:rPr b="0" i="0" lang="en" sz="1800" u="none" cap="none" strike="noStrike">
-                <a:solidFill>
-                  <a:schemeClr val="dk1"/>
-                </a:solidFill>
-                <a:latin typeface="Lato"/>
-                <a:ea typeface="Lato"/>
-                <a:cs typeface="Lato"/>
-                <a:sym typeface="Lato"/>
+              <a:t>s</a:t>
+            </a:r>
+            <a:r>
+              <a:rPr i="0" lang="en" u="none" cap="none" strike="noStrike">
+                <a:solidFill>
+                  <a:schemeClr val="accent2"/>
+                </a:solidFill>
               </a:rPr>
-              <a:t>and</a:t>
-            </a:r>
-            <a:r>
-              <a:rPr b="0" i="0" lang="en" sz="1800" u="none" cap="none" strike="noStrike">
-                <a:solidFill>
-                  <a:srgbClr val="555555"/>
-                </a:solidFill>
-                <a:latin typeface="Lato"/>
-                <a:ea typeface="Lato"/>
-                <a:cs typeface="Lato"/>
-                <a:sym typeface="Lato"/>
-              </a:rPr>
-              <a:t> </a:t>
-            </a:r>
-            <a:r>
-              <a:rPr i="0" lang="en" sz="1800" u="none" cap="none" strike="noStrike">
-                <a:solidFill>
-                  <a:srgbClr val="4A86E8"/>
-                </a:solidFill>
-                <a:latin typeface="Lato"/>
-                <a:ea typeface="Lato"/>
-                <a:cs typeface="Lato"/>
-                <a:sym typeface="Lato"/>
-              </a:rPr>
-              <a:t>community contributions</a:t>
-            </a:r>
-            <a:r>
-              <a:rPr i="0" lang="en" sz="1800" u="none" cap="none" strike="noStrike">
-                <a:solidFill>
-                  <a:schemeClr val="dk1"/>
-                </a:solidFill>
-                <a:latin typeface="Lato"/>
-                <a:ea typeface="Lato"/>
-                <a:cs typeface="Lato"/>
-                <a:sym typeface="Lato"/>
-              </a:rPr>
-              <a:t>.</a:t>
-            </a:r>
-            <a:endParaRPr i="0" sz="1800" u="none" cap="none" strike="noStrike">
-              <a:solidFill>
-                <a:schemeClr val="dk1"/>
-              </a:solidFill>
-              <a:latin typeface="Lato"/>
-              <a:ea typeface="Lato"/>
-              <a:cs typeface="Lato"/>
-              <a:sym typeface="Lato"/>
-            </a:endParaRPr>
-          </a:p>
-          <a:p>
-            <a:pPr indent="0" lvl="0" marL="0" marR="0" rtl="0" algn="l">
-              <a:lnSpc>
-                <a:spcPct val="100000"/>
-              </a:lnSpc>
-              <a:spcBef>
-                <a:spcPts val="0"/>
-              </a:spcBef>
-              <a:spcAft>
-                <a:spcPts val="0"/>
-              </a:spcAft>
-              <a:buNone/>
-            </a:pPr>
-            <a:r>
-              <a:t/>
-            </a:r>
-            <a:endParaRPr b="0" sz="1800">
-              <a:latin typeface="Lato"/>
-              <a:ea typeface="Lato"/>
-              <a:cs typeface="Lato"/>
-              <a:sym typeface="Lato"/>
-            </a:endParaRPr>
-          </a:p>
-          <a:p>
-            <a:pPr indent="0" lvl="0" marL="0" marR="0" rtl="0" algn="l">
-              <a:lnSpc>
-                <a:spcPct val="100000"/>
-              </a:lnSpc>
-              <a:spcBef>
-                <a:spcPts val="0"/>
-              </a:spcBef>
-              <a:spcAft>
-                <a:spcPts val="0"/>
-              </a:spcAft>
-              <a:buNone/>
-            </a:pPr>
-            <a:r>
-              <a:rPr b="0" i="0" lang="en" sz="1800" u="none" cap="none" strike="noStrike">
-                <a:solidFill>
-                  <a:schemeClr val="dk1"/>
-                </a:solidFill>
-                <a:latin typeface="Lato"/>
-                <a:ea typeface="Lato"/>
-                <a:cs typeface="Lato"/>
-                <a:sym typeface="Lato"/>
-              </a:rPr>
-              <a:t>Do you use open source software at work?</a:t>
-            </a:r>
-            <a:r>
-              <a:rPr b="0" lang="en" sz="1800">
-                <a:latin typeface="Lato"/>
-                <a:ea typeface="Lato"/>
-                <a:cs typeface="Lato"/>
-                <a:sym typeface="Lato"/>
-              </a:rPr>
-              <a:t> </a:t>
-            </a:r>
-            <a:r>
-              <a:rPr i="0" lang="en" sz="1800" u="none" cap="none" strike="noStrike">
-                <a:solidFill>
-                  <a:schemeClr val="accent2"/>
-                </a:solidFill>
-                <a:latin typeface="Lato"/>
-                <a:ea typeface="Lato"/>
-                <a:cs typeface="Lato"/>
-                <a:sym typeface="Lato"/>
-              </a:rPr>
-              <a:t>Ask your employer </a:t>
-            </a:r>
-            <a:r>
-              <a:rPr lang="en" sz="1800">
-                <a:solidFill>
-                  <a:schemeClr val="accent2"/>
-                </a:solidFill>
-                <a:latin typeface="Lato"/>
-                <a:ea typeface="Lato"/>
-                <a:cs typeface="Lato"/>
-                <a:sym typeface="Lato"/>
-              </a:rPr>
-              <a:t>or manager</a:t>
-            </a:r>
-            <a:r>
-              <a:rPr i="0" lang="en" sz="1800" u="none" cap="none" strike="noStrike">
-                <a:solidFill>
-                  <a:schemeClr val="accent2"/>
-                </a:solidFill>
-                <a:latin typeface="Lato"/>
-                <a:ea typeface="Lato"/>
-                <a:cs typeface="Lato"/>
-                <a:sym typeface="Lato"/>
-              </a:rPr>
-              <a:t> to give back through in-kind or monetary support.</a:t>
-            </a:r>
-            <a:endParaRPr i="0" sz="1800" u="none" cap="none" strike="noStrike">
-              <a:solidFill>
-                <a:schemeClr val="accent2"/>
-              </a:solidFill>
-              <a:latin typeface="Lato"/>
-              <a:ea typeface="Lato"/>
-              <a:cs typeface="Lato"/>
-              <a:sym typeface="Lato"/>
-            </a:endParaRPr>
-          </a:p>
-          <a:p>
-            <a:pPr indent="0" lvl="0" marL="0" marR="0" rtl="0" algn="l">
-              <a:lnSpc>
-                <a:spcPct val="100000"/>
-              </a:lnSpc>
-              <a:spcBef>
-                <a:spcPts val="0"/>
-              </a:spcBef>
-              <a:spcAft>
-                <a:spcPts val="0"/>
-              </a:spcAft>
-              <a:buNone/>
-            </a:pPr>
-            <a:r>
-              <a:t/>
-            </a:r>
-            <a:endParaRPr sz="1800">
-              <a:solidFill>
-                <a:schemeClr val="accent2"/>
-              </a:solidFill>
-              <a:latin typeface="Lato"/>
-              <a:ea typeface="Lato"/>
-              <a:cs typeface="Lato"/>
-              <a:sym typeface="Lato"/>
-            </a:endParaRPr>
-          </a:p>
-          <a:p>
-            <a:pPr indent="0" lvl="0" marL="0" marR="0" rtl="0" algn="l">
-              <a:lnSpc>
-                <a:spcPct val="100000"/>
-              </a:lnSpc>
-              <a:spcBef>
-                <a:spcPts val="0"/>
-              </a:spcBef>
-              <a:spcAft>
-                <a:spcPts val="0"/>
-              </a:spcAft>
-              <a:buNone/>
-            </a:pPr>
-            <a:r>
-              <a:rPr b="0" i="0" lang="en" sz="1800" u="none" cap="none" strike="noStrike">
-                <a:solidFill>
-                  <a:schemeClr val="dk1"/>
-                </a:solidFill>
-                <a:latin typeface="Lato"/>
-                <a:ea typeface="Lato"/>
-                <a:cs typeface="Lato"/>
-                <a:sym typeface="Lato"/>
-              </a:rPr>
-              <a:t>Does you</a:t>
-            </a:r>
-            <a:r>
-              <a:rPr b="0" lang="en" sz="1800">
-                <a:solidFill>
-                  <a:schemeClr val="dk1"/>
-                </a:solidFill>
-                <a:latin typeface="Lato"/>
-                <a:ea typeface="Lato"/>
-                <a:cs typeface="Lato"/>
-                <a:sym typeface="Lato"/>
-              </a:rPr>
-              <a:t>r</a:t>
-            </a:r>
-            <a:r>
-              <a:rPr b="0" i="0" lang="en" sz="1800" u="none" cap="none" strike="noStrike">
-                <a:solidFill>
-                  <a:schemeClr val="dk1"/>
-                </a:solidFill>
-                <a:latin typeface="Lato"/>
-                <a:ea typeface="Lato"/>
-                <a:cs typeface="Lato"/>
-                <a:sym typeface="Lato"/>
-              </a:rPr>
-              <a:t> </a:t>
-            </a:r>
-            <a:r>
-              <a:rPr b="0" lang="en" sz="1800">
-                <a:solidFill>
-                  <a:schemeClr val="dk1"/>
-                </a:solidFill>
-                <a:latin typeface="Lato"/>
-                <a:ea typeface="Lato"/>
-                <a:cs typeface="Lato"/>
-                <a:sym typeface="Lato"/>
-              </a:rPr>
-              <a:t>business or team</a:t>
-            </a:r>
-            <a:r>
-              <a:rPr b="0" i="0" lang="en" sz="1800" u="none" cap="none" strike="noStrike">
-                <a:solidFill>
-                  <a:schemeClr val="dk1"/>
-                </a:solidFill>
-                <a:latin typeface="Lato"/>
-                <a:ea typeface="Lato"/>
-                <a:cs typeface="Lato"/>
-                <a:sym typeface="Lato"/>
-              </a:rPr>
-              <a:t> </a:t>
-            </a:r>
-            <a:r>
-              <a:rPr b="0" lang="en" sz="1800">
-                <a:solidFill>
-                  <a:schemeClr val="dk1"/>
-                </a:solidFill>
-                <a:latin typeface="Lato"/>
-                <a:ea typeface="Lato"/>
-                <a:cs typeface="Lato"/>
-                <a:sym typeface="Lato"/>
-              </a:rPr>
-              <a:t>rely on</a:t>
-            </a:r>
-            <a:r>
-              <a:rPr b="0" i="0" lang="en" sz="1800" u="none" cap="none" strike="noStrike">
-                <a:solidFill>
-                  <a:schemeClr val="dk1"/>
-                </a:solidFill>
-                <a:latin typeface="Lato"/>
-                <a:ea typeface="Lato"/>
-                <a:cs typeface="Lato"/>
-                <a:sym typeface="Lato"/>
-              </a:rPr>
-              <a:t> open source software?</a:t>
-            </a:r>
-            <a:r>
-              <a:rPr b="0" lang="en" sz="1800">
-                <a:latin typeface="Lato"/>
-                <a:ea typeface="Lato"/>
-                <a:cs typeface="Lato"/>
-                <a:sym typeface="Lato"/>
-              </a:rPr>
-              <a:t> </a:t>
-            </a:r>
-            <a:r>
-              <a:rPr lang="en" sz="1800">
-                <a:solidFill>
-                  <a:schemeClr val="accent2"/>
-                </a:solidFill>
-                <a:latin typeface="Lato"/>
-                <a:ea typeface="Lato"/>
-                <a:cs typeface="Lato"/>
-                <a:sym typeface="Lato"/>
-              </a:rPr>
-              <a:t>Make sure you are giving back by documentation, bug fixes, features, or release support.</a:t>
-            </a:r>
-            <a:endParaRPr sz="1800">
-              <a:solidFill>
-                <a:schemeClr val="accent2"/>
-              </a:solidFill>
-              <a:latin typeface="Lato"/>
-              <a:ea typeface="Lato"/>
-              <a:cs typeface="Lato"/>
-              <a:sym typeface="Lato"/>
-            </a:endParaRPr>
-          </a:p>
-          <a:p>
-            <a:pPr indent="0" lvl="0" marL="0" marR="0" rtl="0" algn="l">
-              <a:lnSpc>
-                <a:spcPct val="100000"/>
-              </a:lnSpc>
-              <a:spcBef>
-                <a:spcPts val="600"/>
-              </a:spcBef>
-              <a:spcAft>
-                <a:spcPts val="0"/>
-              </a:spcAft>
-              <a:buNone/>
-            </a:pPr>
-            <a:r>
-              <a:t/>
-            </a:r>
-            <a:endParaRPr b="0" sz="1800">
-              <a:solidFill>
-                <a:schemeClr val="dk1"/>
-              </a:solidFill>
-              <a:latin typeface="Lato"/>
-              <a:ea typeface="Lato"/>
-              <a:cs typeface="Lato"/>
-              <a:sym typeface="Lato"/>
-            </a:endParaRPr>
-          </a:p>
-          <a:p>
-            <a:pPr indent="0" lvl="0" marL="0" marR="0" rtl="0" algn="l">
-              <a:lnSpc>
-                <a:spcPct val="100000"/>
-              </a:lnSpc>
-              <a:spcBef>
-                <a:spcPts val="600"/>
-              </a:spcBef>
-              <a:spcAft>
-                <a:spcPts val="0"/>
-              </a:spcAft>
-              <a:buNone/>
-            </a:pPr>
-            <a:r>
-              <a:rPr b="0" i="0" lang="en" sz="1800" u="none" cap="none" strike="noStrike">
-                <a:solidFill>
-                  <a:schemeClr val="dk1"/>
-                </a:solidFill>
-                <a:latin typeface="Lato"/>
-                <a:ea typeface="Lato"/>
-                <a:cs typeface="Lato"/>
-                <a:sym typeface="Lato"/>
-              </a:rPr>
-              <a:t>How?</a:t>
-            </a:r>
-            <a:r>
-              <a:rPr b="0" lang="en" sz="1800">
-                <a:solidFill>
-                  <a:schemeClr val="dk1"/>
-                </a:solidFill>
-                <a:latin typeface="Lato"/>
-                <a:ea typeface="Lato"/>
-                <a:cs typeface="Lato"/>
-                <a:sym typeface="Lato"/>
-              </a:rPr>
-              <a:t> </a:t>
-            </a:r>
-            <a:r>
-              <a:rPr b="0" i="0" lang="en" sz="1800" u="none" cap="none" strike="noStrike">
-                <a:solidFill>
-                  <a:schemeClr val="dk1"/>
-                </a:solidFill>
-                <a:latin typeface="Lato"/>
-                <a:ea typeface="Lato"/>
-                <a:cs typeface="Lato"/>
-                <a:sym typeface="Lato"/>
-              </a:rPr>
-              <a:t>The</a:t>
-            </a:r>
-            <a:r>
-              <a:rPr b="0" i="0" lang="en" sz="1800" u="none" cap="none" strike="noStrike">
-                <a:solidFill>
-                  <a:srgbClr val="555555"/>
-                </a:solidFill>
-                <a:latin typeface="Lato"/>
-                <a:ea typeface="Lato"/>
-                <a:cs typeface="Lato"/>
-                <a:sym typeface="Lato"/>
-              </a:rPr>
-              <a:t> </a:t>
-            </a:r>
-            <a:r>
-              <a:rPr i="0" lang="en" sz="1800" u="sng" cap="none" strike="noStrike">
-                <a:solidFill>
-                  <a:schemeClr val="accent2"/>
-                </a:solidFill>
-                <a:latin typeface="Lato"/>
-                <a:ea typeface="Lato"/>
-                <a:cs typeface="Lato"/>
-                <a:sym typeface="Lato"/>
-                <a:hlinkClick r:id="rId3"/>
-              </a:rPr>
-              <a:t>NumFOCUS Foundation</a:t>
-            </a:r>
-            <a:r>
-              <a:rPr b="0" i="0" lang="en" sz="1800" u="none" cap="none" strike="noStrike">
-                <a:solidFill>
-                  <a:srgbClr val="555555"/>
-                </a:solidFill>
-                <a:latin typeface="Lato"/>
-                <a:ea typeface="Lato"/>
-                <a:cs typeface="Lato"/>
-                <a:sym typeface="Lato"/>
-              </a:rPr>
-              <a:t> </a:t>
-            </a:r>
-            <a:r>
-              <a:rPr b="0" i="0" lang="en" sz="1800" u="none" cap="none" strike="noStrike">
-                <a:solidFill>
-                  <a:schemeClr val="dk1"/>
-                </a:solidFill>
-                <a:latin typeface="Lato"/>
-                <a:ea typeface="Lato"/>
-                <a:cs typeface="Lato"/>
-                <a:sym typeface="Lato"/>
-              </a:rPr>
-              <a:t>is a wonderful project that supports the open source community.</a:t>
-            </a:r>
-            <a:endParaRPr b="0" i="0" sz="1800" u="none" cap="none" strike="noStrike">
-              <a:solidFill>
-                <a:schemeClr val="dk1"/>
-              </a:solidFill>
-              <a:latin typeface="Lato"/>
-              <a:ea typeface="Lato"/>
-              <a:cs typeface="Lato"/>
-              <a:sym typeface="Lato"/>
-            </a:endParaRPr>
-          </a:p>
-        </p:txBody>
-      </p:sp>
-      <p:sp>
-        <p:nvSpPr>
-          <p:cNvPr id="250" name="Shape 250"/>
-          <p:cNvSpPr txBox="1"/>
-          <p:nvPr>
-            <p:ph type="title"/>
-          </p:nvPr>
-        </p:nvSpPr>
-        <p:spPr>
-          <a:xfrm>
-            <a:off x="455475" y="86625"/>
-            <a:ext cx="8216400" cy="610500"/>
-          </a:xfrm>
-          <a:prstGeom prst="rect">
-            <a:avLst/>
-          </a:prstGeom>
-          <a:noFill/>
-          <a:ln>
-            <a:noFill/>
-          </a:ln>
-        </p:spPr>
-        <p:txBody>
-          <a:bodyPr anchorCtr="0" anchor="ctr" bIns="68575" lIns="0" spcFirstLastPara="1" rIns="0" wrap="square" tIns="68575">
-            <a:noAutofit/>
-          </a:bodyPr>
-          <a:lstStyle/>
-          <a:p>
-            <a:pPr indent="0" lvl="0" marL="0" marR="0" rtl="0" algn="l">
-              <a:lnSpc>
-                <a:spcPct val="100000"/>
-              </a:lnSpc>
-              <a:spcBef>
-                <a:spcPts val="0"/>
-              </a:spcBef>
-              <a:spcAft>
-                <a:spcPts val="0"/>
-              </a:spcAft>
-              <a:buClr>
-                <a:schemeClr val="dk1"/>
-              </a:buClr>
-              <a:buSzPts val="2100"/>
-              <a:buFont typeface="Arial"/>
-              <a:buNone/>
-            </a:pPr>
-            <a:r>
-              <a:rPr lang="en">
-                <a:solidFill>
-                  <a:schemeClr val="accent2"/>
-                </a:solidFill>
-              </a:rPr>
-              <a:t>A note on s</a:t>
-            </a:r>
-            <a:r>
-              <a:rPr i="0" lang="en" u="none" cap="none" strike="noStrike">
-                <a:solidFill>
-                  <a:schemeClr val="accent2"/>
-                </a:solidFill>
-              </a:rPr>
-              <a:t>ustainability</a:t>
+              <a:t>tarted</a:t>
             </a:r>
             <a:endParaRPr i="0" u="none" cap="none" strike="noStrike">
               <a:solidFill>
